--- a/종합설계계획서_박병현,장태홍,백승제.pptx
+++ b/종합설계계획서_박병현,장태홍,백승제.pptx
@@ -15,36 +15,47 @@
     <p:sldId id="272" r:id="rId9"/>
     <p:sldId id="266" r:id="rId10"/>
     <p:sldId id="275" r:id="rId11"/>
-    <p:sldId id="268" r:id="rId12"/>
-    <p:sldId id="269" r:id="rId13"/>
-    <p:sldId id="270" r:id="rId14"/>
-    <p:sldId id="271" r:id="rId15"/>
-    <p:sldId id="276" r:id="rId16"/>
-    <p:sldId id="274" r:id="rId17"/>
+    <p:sldId id="278" r:id="rId12"/>
+    <p:sldId id="279" r:id="rId13"/>
+    <p:sldId id="269" r:id="rId14"/>
+    <p:sldId id="270" r:id="rId15"/>
+    <p:sldId id="277" r:id="rId16"/>
+    <p:sldId id="271" r:id="rId17"/>
+    <p:sldId id="276" r:id="rId18"/>
+    <p:sldId id="274" r:id="rId19"/>
   </p:sldIdLst>
   <p:sldSz cx="12192000" cy="6858000"/>
   <p:notesSz cx="6858000" cy="9144000"/>
   <p:embeddedFontLst>
     <p:embeddedFont>
       <p:font typeface="맑은 고딕" panose="020B0503020000020004" pitchFamily="50" charset="-127"/>
-      <p:regular r:id="rId18"/>
-      <p:bold r:id="rId19"/>
+      <p:regular r:id="rId20"/>
+      <p:bold r:id="rId21"/>
     </p:embeddedFont>
     <p:embeddedFont>
-      <p:font typeface="-윤고딕350" panose="02030504000101010101" pitchFamily="18" charset="-127"/>
-      <p:regular r:id="rId20"/>
-    </p:embeddedFont>
-    <p:embeddedFont>
-      <p:font typeface="-윤고딕320" panose="02030504000101010101" pitchFamily="18" charset="-127"/>
-      <p:regular r:id="rId21"/>
-    </p:embeddedFont>
-    <p:embeddedFont>
-      <p:font typeface="-윤고딕330" panose="02030504000101010101" pitchFamily="18" charset="-127"/>
+      <p:font typeface="-윤고딕310" panose="02030504000101010101" pitchFamily="18" charset="-127"/>
       <p:regular r:id="rId22"/>
     </p:embeddedFont>
     <p:embeddedFont>
       <p:font typeface="맑은 고딕 Semilight" panose="020B0502040204020203" pitchFamily="50" charset="-127"/>
       <p:regular r:id="rId23"/>
+    </p:embeddedFont>
+    <p:embeddedFont>
+      <p:font typeface="-윤고딕330" panose="02030504000101010101" pitchFamily="18" charset="-127"/>
+      <p:regular r:id="rId24"/>
+    </p:embeddedFont>
+    <p:embeddedFont>
+      <p:font typeface="-윤고딕320" panose="02030504000101010101" pitchFamily="18" charset="-127"/>
+      <p:regular r:id="rId25"/>
+    </p:embeddedFont>
+    <p:embeddedFont>
+      <p:font typeface="함초롬돋움" panose="020B0604000101010101" pitchFamily="50" charset="-127"/>
+      <p:regular r:id="rId26"/>
+      <p:bold r:id="rId27"/>
+    </p:embeddedFont>
+    <p:embeddedFont>
+      <p:font typeface="-윤고딕350" panose="02030504000101010101" pitchFamily="18" charset="-127"/>
+      <p:regular r:id="rId28"/>
     </p:embeddedFont>
   </p:embeddedFontLst>
   <p:defaultTextStyle>
@@ -5682,6 +5693,2448 @@
       </p:cxnSp>
       <p:sp>
         <p:nvSpPr>
+          <p:cNvPr id="5" name="TextBox 4">
+            <a:extLst>
+              <a:ext uri="{FF2B5EF4-FFF2-40B4-BE49-F238E27FC236}">
+                <a16:creationId xmlns:a16="http://schemas.microsoft.com/office/drawing/2014/main" id="{C2640E49-1496-465C-A14D-E27F5FD28C8F}"/>
+              </a:ext>
+            </a:extLst>
+          </p:cNvPr>
+          <p:cNvSpPr txBox="1"/>
+          <p:nvPr/>
+        </p:nvSpPr>
+        <p:spPr>
+          <a:xfrm>
+            <a:off x="457205" y="147935"/>
+            <a:ext cx="3072804" cy="400110"/>
+          </a:xfrm>
+          <a:prstGeom prst="rect">
+            <a:avLst/>
+          </a:prstGeom>
+          <a:noFill/>
+        </p:spPr>
+        <p:txBody>
+          <a:bodyPr wrap="square" rtlCol="0">
+            <a:spAutoFit/>
+          </a:bodyPr>
+          <a:lstStyle/>
+          <a:p>
+            <a:r>
+              <a:rPr lang="en-US" altLang="ko-KR" sz="2000" b="1" dirty="0">
+                <a:latin typeface="-윤고딕330" panose="02030504000101010101" pitchFamily="18" charset="-127"/>
+                <a:ea typeface="-윤고딕330" panose="02030504000101010101" pitchFamily="18" charset="-127"/>
+              </a:rPr>
+              <a:t>05 </a:t>
+            </a:r>
+            <a:r>
+              <a:rPr lang="ko-KR" altLang="en-US" sz="2000" b="1" dirty="0">
+                <a:latin typeface="-윤고딕330" panose="02030504000101010101" pitchFamily="18" charset="-127"/>
+                <a:ea typeface="-윤고딕330" panose="02030504000101010101" pitchFamily="18" charset="-127"/>
+              </a:rPr>
+              <a:t>개발 환경 및 개발 방법</a:t>
+            </a:r>
+            <a:endParaRPr lang="en-US" altLang="ko-KR" sz="2000" b="1" dirty="0">
+              <a:latin typeface="-윤고딕330" panose="02030504000101010101" pitchFamily="18" charset="-127"/>
+              <a:ea typeface="-윤고딕330" panose="02030504000101010101" pitchFamily="18" charset="-127"/>
+            </a:endParaRPr>
+          </a:p>
+        </p:txBody>
+      </p:sp>
+      <p:grpSp>
+        <p:nvGrpSpPr>
+          <p:cNvPr id="3" name="그룹 2">
+            <a:extLst>
+              <a:ext uri="{FF2B5EF4-FFF2-40B4-BE49-F238E27FC236}">
+                <a16:creationId xmlns:a16="http://schemas.microsoft.com/office/drawing/2014/main" id="{79E57AF4-86DD-4231-9A0A-DD454D3EFA20}"/>
+              </a:ext>
+            </a:extLst>
+          </p:cNvPr>
+          <p:cNvGrpSpPr/>
+          <p:nvPr/>
+        </p:nvGrpSpPr>
+        <p:grpSpPr>
+          <a:xfrm>
+            <a:off x="4131748" y="3209886"/>
+            <a:ext cx="2269053" cy="2262519"/>
+            <a:chOff x="6719582" y="3010624"/>
+            <a:chExt cx="2502609" cy="2502609"/>
+          </a:xfrm>
+        </p:grpSpPr>
+        <p:pic>
+          <p:nvPicPr>
+            <p:cNvPr id="14" name="그림 13">
+              <a:extLst>
+                <a:ext uri="{FF2B5EF4-FFF2-40B4-BE49-F238E27FC236}">
+                  <a16:creationId xmlns:a16="http://schemas.microsoft.com/office/drawing/2014/main" id="{4E8D3FE6-0782-49C5-B476-BE79293954D7}"/>
+                </a:ext>
+              </a:extLst>
+            </p:cNvPr>
+            <p:cNvPicPr>
+              <a:picLocks noChangeAspect="1"/>
+            </p:cNvPicPr>
+            <p:nvPr/>
+          </p:nvPicPr>
+          <p:blipFill>
+            <a:blip r:embed="rId2">
+              <a:extLst>
+                <a:ext uri="{28A0092B-C50C-407E-A947-70E740481C1C}">
+                  <a14:useLocalDpi xmlns:a14="http://schemas.microsoft.com/office/drawing/2010/main" val="0"/>
+                </a:ext>
+              </a:extLst>
+            </a:blip>
+            <a:stretch>
+              <a:fillRect/>
+            </a:stretch>
+          </p:blipFill>
+          <p:spPr>
+            <a:xfrm>
+              <a:off x="6719582" y="3010624"/>
+              <a:ext cx="2502609" cy="2502609"/>
+            </a:xfrm>
+            <a:prstGeom prst="rect">
+              <a:avLst/>
+            </a:prstGeom>
+          </p:spPr>
+        </p:pic>
+        <p:pic>
+          <p:nvPicPr>
+            <p:cNvPr id="6" name="그림 5">
+              <a:extLst>
+                <a:ext uri="{FF2B5EF4-FFF2-40B4-BE49-F238E27FC236}">
+                  <a16:creationId xmlns:a16="http://schemas.microsoft.com/office/drawing/2014/main" id="{C8D9C5F5-E313-45E6-9BE9-A7031302B4EE}"/>
+                </a:ext>
+              </a:extLst>
+            </p:cNvPr>
+            <p:cNvPicPr>
+              <a:picLocks noChangeAspect="1"/>
+            </p:cNvPicPr>
+            <p:nvPr/>
+          </p:nvPicPr>
+          <p:blipFill>
+            <a:blip r:embed="rId3"/>
+            <a:stretch>
+              <a:fillRect/>
+            </a:stretch>
+          </p:blipFill>
+          <p:spPr>
+            <a:xfrm>
+              <a:off x="7091951" y="3863961"/>
+              <a:ext cx="1740214" cy="1375954"/>
+            </a:xfrm>
+            <a:prstGeom prst="rect">
+              <a:avLst/>
+            </a:prstGeom>
+            <a:ln>
+              <a:noFill/>
+            </a:ln>
+          </p:spPr>
+        </p:pic>
+      </p:grpSp>
+      <p:sp>
+        <p:nvSpPr>
+          <p:cNvPr id="10" name="TextBox 9">
+            <a:extLst>
+              <a:ext uri="{FF2B5EF4-FFF2-40B4-BE49-F238E27FC236}">
+                <a16:creationId xmlns:a16="http://schemas.microsoft.com/office/drawing/2014/main" id="{EFED41DC-5054-489F-9234-C57A47375CD7}"/>
+              </a:ext>
+            </a:extLst>
+          </p:cNvPr>
+          <p:cNvSpPr txBox="1"/>
+          <p:nvPr/>
+        </p:nvSpPr>
+        <p:spPr>
+          <a:xfrm>
+            <a:off x="530486" y="736719"/>
+            <a:ext cx="9268699" cy="461665"/>
+          </a:xfrm>
+          <a:prstGeom prst="rect">
+            <a:avLst/>
+          </a:prstGeom>
+          <a:noFill/>
+        </p:spPr>
+        <p:txBody>
+          <a:bodyPr wrap="square" rtlCol="0">
+            <a:spAutoFit/>
+          </a:bodyPr>
+          <a:lstStyle/>
+          <a:p>
+            <a:r>
+              <a:rPr lang="ko-KR" altLang="en-US" sz="2400">
+                <a:latin typeface="-윤고딕350" panose="02030504000101010101" pitchFamily="18" charset="-127"/>
+                <a:ea typeface="-윤고딕350" panose="02030504000101010101" pitchFamily="18" charset="-127"/>
+              </a:rPr>
+              <a:t> </a:t>
+            </a:r>
+            <a:r>
+              <a:rPr lang="en-US" altLang="ko-KR" sz="2400">
+                <a:latin typeface="-윤고딕310" panose="02030504000101010101" pitchFamily="18" charset="-127"/>
+                <a:ea typeface="-윤고딕310" panose="02030504000101010101" pitchFamily="18" charset="-127"/>
+                <a:cs typeface="함초롬돋움" panose="020B0604000101010101" pitchFamily="50" charset="-127"/>
+              </a:rPr>
+              <a:t>◆</a:t>
+            </a:r>
+            <a:r>
+              <a:rPr lang="ko-KR" altLang="en-US" sz="2400">
+                <a:latin typeface="-윤고딕350" panose="02030504000101010101" pitchFamily="18" charset="-127"/>
+                <a:ea typeface="-윤고딕350" panose="02030504000101010101" pitchFamily="18" charset="-127"/>
+              </a:rPr>
+              <a:t> </a:t>
+            </a:r>
+            <a:r>
+              <a:rPr lang="ko-KR" altLang="en-US" sz="2400">
+                <a:latin typeface="-윤고딕320" panose="02030504000101010101" pitchFamily="18" charset="-127"/>
+                <a:ea typeface="-윤고딕320" panose="02030504000101010101" pitchFamily="18" charset="-127"/>
+              </a:rPr>
+              <a:t>본 </a:t>
+            </a:r>
+            <a:r>
+              <a:rPr lang="ko-KR" altLang="en-US" sz="2400" dirty="0">
+                <a:latin typeface="-윤고딕320" panose="02030504000101010101" pitchFamily="18" charset="-127"/>
+                <a:ea typeface="-윤고딕320" panose="02030504000101010101" pitchFamily="18" charset="-127"/>
+              </a:rPr>
+              <a:t>시스템을 개발하기 위해서 </a:t>
+            </a:r>
+            <a:r>
+              <a:rPr lang="en-US" altLang="ko-KR" sz="2400" b="1" dirty="0">
+                <a:latin typeface="-윤고딕350" panose="02030504000101010101" pitchFamily="18" charset="-127"/>
+                <a:ea typeface="-윤고딕350" panose="02030504000101010101" pitchFamily="18" charset="-127"/>
+              </a:rPr>
+              <a:t>Arduino</a:t>
+            </a:r>
+            <a:r>
+              <a:rPr lang="ko-KR" altLang="en-US" sz="2400" dirty="0">
+                <a:latin typeface="-윤고딕320" panose="02030504000101010101" pitchFamily="18" charset="-127"/>
+                <a:ea typeface="-윤고딕320" panose="02030504000101010101" pitchFamily="18" charset="-127"/>
+              </a:rPr>
+              <a:t>를 </a:t>
+            </a:r>
+            <a:r>
+              <a:rPr lang="ko-KR" altLang="en-US" sz="2400" b="1" dirty="0">
+                <a:latin typeface="-윤고딕320" panose="02030504000101010101" pitchFamily="18" charset="-127"/>
+                <a:ea typeface="-윤고딕320" panose="02030504000101010101" pitchFamily="18" charset="-127"/>
+              </a:rPr>
+              <a:t>사용</a:t>
+            </a:r>
+            <a:r>
+              <a:rPr lang="ko-KR" altLang="en-US" sz="2400" dirty="0">
+                <a:latin typeface="-윤고딕320" panose="02030504000101010101" pitchFamily="18" charset="-127"/>
+                <a:ea typeface="-윤고딕320" panose="02030504000101010101" pitchFamily="18" charset="-127"/>
+              </a:rPr>
+              <a:t>한다</a:t>
+            </a:r>
+            <a:r>
+              <a:rPr lang="en-US" altLang="ko-KR" sz="2400" dirty="0">
+                <a:latin typeface="-윤고딕320" panose="02030504000101010101" pitchFamily="18" charset="-127"/>
+                <a:ea typeface="-윤고딕320" panose="02030504000101010101" pitchFamily="18" charset="-127"/>
+              </a:rPr>
+              <a:t>.</a:t>
+            </a:r>
+            <a:r>
+              <a:rPr lang="ko-KR" altLang="en-US" sz="2400" dirty="0">
+                <a:latin typeface="-윤고딕320" panose="02030504000101010101" pitchFamily="18" charset="-127"/>
+                <a:ea typeface="-윤고딕320" panose="02030504000101010101" pitchFamily="18" charset="-127"/>
+              </a:rPr>
+              <a:t> </a:t>
+            </a:r>
+            <a:endParaRPr lang="en-US" altLang="ko-KR" sz="2400" dirty="0">
+              <a:latin typeface="-윤고딕320" panose="02030504000101010101" pitchFamily="18" charset="-127"/>
+              <a:ea typeface="-윤고딕320" panose="02030504000101010101" pitchFamily="18" charset="-127"/>
+            </a:endParaRPr>
+          </a:p>
+        </p:txBody>
+      </p:sp>
+      <p:sp>
+        <p:nvSpPr>
+          <p:cNvPr id="11" name="TextBox 10">
+            <a:extLst>
+              <a:ext uri="{FF2B5EF4-FFF2-40B4-BE49-F238E27FC236}">
+                <a16:creationId xmlns:a16="http://schemas.microsoft.com/office/drawing/2014/main" id="{4B68DFEF-6C23-4F56-B120-D7D6C0D1051D}"/>
+              </a:ext>
+            </a:extLst>
+          </p:cNvPr>
+          <p:cNvSpPr txBox="1"/>
+          <p:nvPr/>
+        </p:nvSpPr>
+        <p:spPr>
+          <a:xfrm>
+            <a:off x="1134493" y="1363602"/>
+            <a:ext cx="9268699" cy="400110"/>
+          </a:xfrm>
+          <a:prstGeom prst="rect">
+            <a:avLst/>
+          </a:prstGeom>
+          <a:noFill/>
+        </p:spPr>
+        <p:txBody>
+          <a:bodyPr wrap="square" rtlCol="0">
+            <a:spAutoFit/>
+          </a:bodyPr>
+          <a:lstStyle/>
+          <a:p>
+            <a:pPr marL="342900" indent="-342900">
+              <a:buFont typeface="Wingdings" panose="05000000000000000000" pitchFamily="2" charset="2"/>
+              <a:buChar char="Ø"/>
+            </a:pPr>
+            <a:r>
+              <a:rPr lang="ko-KR" altLang="en-US" sz="2000">
+                <a:latin typeface="-윤고딕320" panose="02030504000101010101" pitchFamily="18" charset="-127"/>
+                <a:ea typeface="-윤고딕320" panose="02030504000101010101" pitchFamily="18" charset="-127"/>
+              </a:rPr>
+              <a:t> 라즈베리파이가 </a:t>
+            </a:r>
+            <a:r>
+              <a:rPr lang="ko-KR" altLang="en-US" sz="2000" dirty="0">
+                <a:latin typeface="-윤고딕320" panose="02030504000101010101" pitchFamily="18" charset="-127"/>
+                <a:ea typeface="-윤고딕320" panose="02030504000101010101" pitchFamily="18" charset="-127"/>
+              </a:rPr>
+              <a:t>아니라 </a:t>
+            </a:r>
+            <a:r>
+              <a:rPr lang="en-US" altLang="ko-KR" sz="2000" b="1" dirty="0">
+                <a:latin typeface="-윤고딕320" panose="02030504000101010101" pitchFamily="18" charset="-127"/>
+                <a:ea typeface="-윤고딕320" panose="02030504000101010101" pitchFamily="18" charset="-127"/>
+              </a:rPr>
+              <a:t>Arduino</a:t>
+            </a:r>
+            <a:r>
+              <a:rPr lang="ko-KR" altLang="en-US" sz="2000" dirty="0">
+                <a:latin typeface="-윤고딕320" panose="02030504000101010101" pitchFamily="18" charset="-127"/>
+                <a:ea typeface="-윤고딕320" panose="02030504000101010101" pitchFamily="18" charset="-127"/>
+              </a:rPr>
+              <a:t>를 사용하는 이유 </a:t>
+            </a:r>
+            <a:endParaRPr lang="en-US" altLang="ko-KR" sz="2000" dirty="0">
+              <a:latin typeface="-윤고딕320" panose="02030504000101010101" pitchFamily="18" charset="-127"/>
+              <a:ea typeface="-윤고딕320" panose="02030504000101010101" pitchFamily="18" charset="-127"/>
+            </a:endParaRPr>
+          </a:p>
+        </p:txBody>
+      </p:sp>
+      <p:sp>
+        <p:nvSpPr>
+          <p:cNvPr id="12" name="TextBox 11">
+            <a:extLst>
+              <a:ext uri="{FF2B5EF4-FFF2-40B4-BE49-F238E27FC236}">
+                <a16:creationId xmlns:a16="http://schemas.microsoft.com/office/drawing/2014/main" id="{5BE256D1-1C93-4331-BE93-ADE5E51643C1}"/>
+              </a:ext>
+            </a:extLst>
+          </p:cNvPr>
+          <p:cNvSpPr txBox="1"/>
+          <p:nvPr/>
+        </p:nvSpPr>
+        <p:spPr>
+          <a:xfrm>
+            <a:off x="1536320" y="1904022"/>
+            <a:ext cx="9268699" cy="400110"/>
+          </a:xfrm>
+          <a:prstGeom prst="rect">
+            <a:avLst/>
+          </a:prstGeom>
+          <a:noFill/>
+        </p:spPr>
+        <p:txBody>
+          <a:bodyPr wrap="square" rtlCol="0">
+            <a:spAutoFit/>
+          </a:bodyPr>
+          <a:lstStyle/>
+          <a:p>
+            <a:r>
+              <a:rPr lang="ko-KR" altLang="en-US" sz="2000" dirty="0">
+                <a:latin typeface="-윤고딕310" panose="02030504000101010101" pitchFamily="18" charset="-127"/>
+                <a:ea typeface="-윤고딕310" panose="02030504000101010101" pitchFamily="18" charset="-127"/>
+              </a:rPr>
+              <a:t> </a:t>
+            </a:r>
+            <a:r>
+              <a:rPr lang="en-US" altLang="ko-KR" sz="2000" dirty="0">
+                <a:latin typeface="-윤고딕310" panose="02030504000101010101" pitchFamily="18" charset="-127"/>
+                <a:ea typeface="-윤고딕310" panose="02030504000101010101" pitchFamily="18" charset="-127"/>
+                <a:cs typeface="함초롬돋움" panose="020B0604000101010101" pitchFamily="50" charset="-127"/>
+              </a:rPr>
+              <a:t>∨</a:t>
+            </a:r>
+            <a:r>
+              <a:rPr lang="ko-KR" altLang="en-US" sz="2000" dirty="0" err="1">
+                <a:latin typeface="-윤고딕310" panose="02030504000101010101" pitchFamily="18" charset="-127"/>
+                <a:ea typeface="-윤고딕310" panose="02030504000101010101" pitchFamily="18" charset="-127"/>
+              </a:rPr>
+              <a:t>라즈베리파이</a:t>
+            </a:r>
+            <a:r>
+              <a:rPr lang="ko-KR" altLang="en-US" sz="2000" dirty="0">
+                <a:latin typeface="-윤고딕310" panose="02030504000101010101" pitchFamily="18" charset="-127"/>
+                <a:ea typeface="-윤고딕310" panose="02030504000101010101" pitchFamily="18" charset="-127"/>
+              </a:rPr>
+              <a:t> 보다 </a:t>
+            </a:r>
+            <a:r>
+              <a:rPr lang="en-US" altLang="ko-KR" sz="2000" b="1" dirty="0">
+                <a:latin typeface="-윤고딕310" panose="02030504000101010101" pitchFamily="18" charset="-127"/>
+                <a:ea typeface="-윤고딕310" panose="02030504000101010101" pitchFamily="18" charset="-127"/>
+              </a:rPr>
+              <a:t>Arduino</a:t>
+            </a:r>
+            <a:r>
+              <a:rPr lang="en-US" altLang="ko-KR" sz="2000" dirty="0">
+                <a:latin typeface="-윤고딕310" panose="02030504000101010101" pitchFamily="18" charset="-127"/>
+                <a:ea typeface="-윤고딕310" panose="02030504000101010101" pitchFamily="18" charset="-127"/>
+              </a:rPr>
+              <a:t> </a:t>
+            </a:r>
+            <a:r>
+              <a:rPr lang="ko-KR" altLang="en-US" sz="2000" dirty="0">
+                <a:latin typeface="-윤고딕310" panose="02030504000101010101" pitchFamily="18" charset="-127"/>
+                <a:ea typeface="-윤고딕310" panose="02030504000101010101" pitchFamily="18" charset="-127"/>
+              </a:rPr>
+              <a:t>가 외부 기기를 제어하는 데</a:t>
+            </a:r>
+            <a:r>
+              <a:rPr lang="en-US" altLang="ko-KR" sz="2000" dirty="0">
+                <a:latin typeface="-윤고딕310" panose="02030504000101010101" pitchFamily="18" charset="-127"/>
+                <a:ea typeface="-윤고딕310" panose="02030504000101010101" pitchFamily="18" charset="-127"/>
+              </a:rPr>
+              <a:t>, </a:t>
+            </a:r>
+            <a:r>
+              <a:rPr lang="ko-KR" altLang="en-US" sz="2000" dirty="0">
+                <a:latin typeface="-윤고딕310" panose="02030504000101010101" pitchFamily="18" charset="-127"/>
+                <a:ea typeface="-윤고딕310" panose="02030504000101010101" pitchFamily="18" charset="-127"/>
+              </a:rPr>
+              <a:t>더 특화 되어 있다</a:t>
+            </a:r>
+            <a:r>
+              <a:rPr lang="en-US" altLang="ko-KR" sz="2000" dirty="0">
+                <a:latin typeface="-윤고딕310" panose="02030504000101010101" pitchFamily="18" charset="-127"/>
+                <a:ea typeface="-윤고딕310" panose="02030504000101010101" pitchFamily="18" charset="-127"/>
+              </a:rPr>
+              <a:t>.</a:t>
+            </a:r>
+            <a:r>
+              <a:rPr lang="ko-KR" altLang="en-US" sz="2000" dirty="0">
+                <a:latin typeface="-윤고딕310" panose="02030504000101010101" pitchFamily="18" charset="-127"/>
+                <a:ea typeface="-윤고딕310" panose="02030504000101010101" pitchFamily="18" charset="-127"/>
+              </a:rPr>
+              <a:t> </a:t>
+            </a:r>
+            <a:endParaRPr lang="en-US" altLang="ko-KR" sz="2000" dirty="0">
+              <a:latin typeface="-윤고딕310" panose="02030504000101010101" pitchFamily="18" charset="-127"/>
+              <a:ea typeface="-윤고딕310" panose="02030504000101010101" pitchFamily="18" charset="-127"/>
+            </a:endParaRPr>
+          </a:p>
+        </p:txBody>
+      </p:sp>
+      <p:pic>
+        <p:nvPicPr>
+          <p:cNvPr id="15" name="그림 14">
+            <a:extLst>
+              <a:ext uri="{FF2B5EF4-FFF2-40B4-BE49-F238E27FC236}">
+                <a16:creationId xmlns:a16="http://schemas.microsoft.com/office/drawing/2014/main" id="{81F261F4-A0B3-4E52-9710-3CD56943BDBE}"/>
+              </a:ext>
+            </a:extLst>
+          </p:cNvPr>
+          <p:cNvPicPr>
+            <a:picLocks noChangeAspect="1"/>
+          </p:cNvPicPr>
+          <p:nvPr/>
+        </p:nvPicPr>
+        <p:blipFill>
+          <a:blip r:embed="rId4">
+            <a:extLst>
+              <a:ext uri="{28A0092B-C50C-407E-A947-70E740481C1C}">
+                <a14:useLocalDpi xmlns:a14="http://schemas.microsoft.com/office/drawing/2010/main" val="0"/>
+              </a:ext>
+            </a:extLst>
+          </a:blip>
+          <a:stretch>
+            <a:fillRect/>
+          </a:stretch>
+        </p:blipFill>
+        <p:spPr>
+          <a:xfrm>
+            <a:off x="645781" y="3209887"/>
+            <a:ext cx="2262519" cy="2262519"/>
+          </a:xfrm>
+          <a:prstGeom prst="rect">
+            <a:avLst/>
+          </a:prstGeom>
+        </p:spPr>
+      </p:pic>
+      <p:cxnSp>
+        <p:nvCxnSpPr>
+          <p:cNvPr id="16" name="직선 화살표 연결선 15">
+            <a:extLst>
+              <a:ext uri="{FF2B5EF4-FFF2-40B4-BE49-F238E27FC236}">
+                <a16:creationId xmlns:a16="http://schemas.microsoft.com/office/drawing/2014/main" id="{1FA11E45-71E8-457E-AB3F-166D2DAE822D}"/>
+              </a:ext>
+            </a:extLst>
+          </p:cNvPr>
+          <p:cNvCxnSpPr>
+            <a:cxnSpLocks/>
+          </p:cNvCxnSpPr>
+          <p:nvPr/>
+        </p:nvCxnSpPr>
+        <p:spPr>
+          <a:xfrm flipH="1">
+            <a:off x="2440977" y="4115580"/>
+            <a:ext cx="1819973" cy="0"/>
+          </a:xfrm>
+          <a:prstGeom prst="straightConnector1">
+            <a:avLst/>
+          </a:prstGeom>
+          <a:ln w="63500">
+            <a:solidFill>
+              <a:schemeClr val="tx1"/>
+            </a:solidFill>
+            <a:prstDash val="solid"/>
+            <a:tailEnd type="triangle"/>
+          </a:ln>
+          <a:effectLst>
+            <a:glow rad="50800">
+              <a:schemeClr val="bg1"/>
+            </a:glow>
+            <a:softEdge rad="0"/>
+          </a:effectLst>
+        </p:spPr>
+        <p:style>
+          <a:lnRef idx="1">
+            <a:schemeClr val="accent1"/>
+          </a:lnRef>
+          <a:fillRef idx="0">
+            <a:schemeClr val="accent1"/>
+          </a:fillRef>
+          <a:effectRef idx="0">
+            <a:schemeClr val="accent1"/>
+          </a:effectRef>
+          <a:fontRef idx="minor">
+            <a:schemeClr val="tx1"/>
+          </a:fontRef>
+        </p:style>
+      </p:cxnSp>
+      <p:cxnSp>
+        <p:nvCxnSpPr>
+          <p:cNvPr id="17" name="직선 화살표 연결선 16">
+            <a:extLst>
+              <a:ext uri="{FF2B5EF4-FFF2-40B4-BE49-F238E27FC236}">
+                <a16:creationId xmlns:a16="http://schemas.microsoft.com/office/drawing/2014/main" id="{E3ACC301-9ED0-4A3C-9EFF-A8019C05A3BF}"/>
+              </a:ext>
+            </a:extLst>
+          </p:cNvPr>
+          <p:cNvCxnSpPr>
+            <a:cxnSpLocks/>
+          </p:cNvCxnSpPr>
+          <p:nvPr/>
+        </p:nvCxnSpPr>
+        <p:spPr>
+          <a:xfrm>
+            <a:off x="2440977" y="4530055"/>
+            <a:ext cx="1819973" cy="0"/>
+          </a:xfrm>
+          <a:prstGeom prst="straightConnector1">
+            <a:avLst/>
+          </a:prstGeom>
+          <a:ln w="63500">
+            <a:solidFill>
+              <a:schemeClr val="tx1"/>
+            </a:solidFill>
+            <a:prstDash val="solid"/>
+            <a:tailEnd type="triangle"/>
+          </a:ln>
+          <a:effectLst>
+            <a:glow rad="50800">
+              <a:schemeClr val="bg1"/>
+            </a:glow>
+            <a:softEdge rad="0"/>
+          </a:effectLst>
+        </p:spPr>
+        <p:style>
+          <a:lnRef idx="1">
+            <a:schemeClr val="accent1"/>
+          </a:lnRef>
+          <a:fillRef idx="0">
+            <a:schemeClr val="accent1"/>
+          </a:fillRef>
+          <a:effectRef idx="0">
+            <a:schemeClr val="accent1"/>
+          </a:effectRef>
+          <a:fontRef idx="minor">
+            <a:schemeClr val="tx1"/>
+          </a:fontRef>
+        </p:style>
+      </p:cxnSp>
+      <p:graphicFrame>
+        <p:nvGraphicFramePr>
+          <p:cNvPr id="20" name="표 19">
+            <a:extLst>
+              <a:ext uri="{FF2B5EF4-FFF2-40B4-BE49-F238E27FC236}">
+                <a16:creationId xmlns:a16="http://schemas.microsoft.com/office/drawing/2014/main" id="{F494CE7B-CEA0-4E69-ACF3-C41F3AD288CF}"/>
+              </a:ext>
+            </a:extLst>
+          </p:cNvPr>
+          <p:cNvGraphicFramePr>
+            <a:graphicFrameLocks noGrp="1"/>
+          </p:cNvGraphicFramePr>
+          <p:nvPr>
+            <p:extLst/>
+          </p:nvPr>
+        </p:nvGraphicFramePr>
+        <p:xfrm>
+          <a:off x="6738419" y="2594575"/>
+          <a:ext cx="4260626" cy="3870960"/>
+        </p:xfrm>
+        <a:graphic>
+          <a:graphicData uri="http://schemas.openxmlformats.org/drawingml/2006/table">
+            <a:tbl>
+              <a:tblPr firstRow="1" bandRow="1">
+                <a:tableStyleId>{5C22544A-7EE6-4342-B048-85BDC9FD1C3A}</a:tableStyleId>
+              </a:tblPr>
+              <a:tblGrid>
+                <a:gridCol w="2076544">
+                  <a:extLst>
+                    <a:ext uri="{9D8B030D-6E8A-4147-A177-3AD203B41FA5}">
+                      <a16:colId xmlns:a16="http://schemas.microsoft.com/office/drawing/2014/main" val="2344517979"/>
+                    </a:ext>
+                  </a:extLst>
+                </a:gridCol>
+                <a:gridCol w="2184082">
+                  <a:extLst>
+                    <a:ext uri="{9D8B030D-6E8A-4147-A177-3AD203B41FA5}">
+                      <a16:colId xmlns:a16="http://schemas.microsoft.com/office/drawing/2014/main" val="3667768341"/>
+                    </a:ext>
+                  </a:extLst>
+                </a:gridCol>
+              </a:tblGrid>
+              <a:tr h="284626">
+                <a:tc>
+                  <a:txBody>
+                    <a:bodyPr/>
+                    <a:lstStyle/>
+                    <a:p>
+                      <a:pPr latinLnBrk="1"/>
+                      <a:r>
+                        <a:rPr lang="en-US" altLang="ko-KR" sz="1400" b="0" dirty="0">
+                          <a:solidFill>
+                            <a:schemeClr val="tx1"/>
+                          </a:solidFill>
+                          <a:latin typeface="-윤고딕320" panose="02030504000101010101" pitchFamily="18" charset="-127"/>
+                          <a:ea typeface="-윤고딕320" panose="02030504000101010101" pitchFamily="18" charset="-127"/>
+                        </a:rPr>
+                        <a:t>Microcontroller</a:t>
+                      </a:r>
+                      <a:endParaRPr lang="ko-KR" altLang="en-US" sz="1400" b="0" dirty="0">
+                        <a:solidFill>
+                          <a:schemeClr val="tx1"/>
+                        </a:solidFill>
+                        <a:latin typeface="-윤고딕320" panose="02030504000101010101" pitchFamily="18" charset="-127"/>
+                        <a:ea typeface="-윤고딕320" panose="02030504000101010101" pitchFamily="18" charset="-127"/>
+                      </a:endParaRPr>
+                    </a:p>
+                  </a:txBody>
+                  <a:tcPr>
+                    <a:lnL w="12700" cap="flat" cmpd="sng" algn="ctr">
+                      <a:solidFill>
+                        <a:schemeClr val="tx1"/>
+                      </a:solidFill>
+                      <a:prstDash val="solid"/>
+                      <a:round/>
+                      <a:headEnd type="none" w="med" len="med"/>
+                      <a:tailEnd type="none" w="med" len="med"/>
+                    </a:lnL>
+                    <a:lnR w="12700" cap="flat" cmpd="sng" algn="ctr">
+                      <a:solidFill>
+                        <a:schemeClr val="tx1"/>
+                      </a:solidFill>
+                      <a:prstDash val="solid"/>
+                      <a:round/>
+                      <a:headEnd type="none" w="med" len="med"/>
+                      <a:tailEnd type="none" w="med" len="med"/>
+                    </a:lnR>
+                    <a:lnT w="12700" cap="flat" cmpd="sng" algn="ctr">
+                      <a:solidFill>
+                        <a:schemeClr val="tx1"/>
+                      </a:solidFill>
+                      <a:prstDash val="solid"/>
+                      <a:round/>
+                      <a:headEnd type="none" w="med" len="med"/>
+                      <a:tailEnd type="none" w="med" len="med"/>
+                    </a:lnT>
+                    <a:lnB w="12700" cap="flat" cmpd="sng" algn="ctr">
+                      <a:solidFill>
+                        <a:schemeClr val="tx1"/>
+                      </a:solidFill>
+                      <a:prstDash val="solid"/>
+                      <a:round/>
+                      <a:headEnd type="none" w="med" len="med"/>
+                      <a:tailEnd type="none" w="med" len="med"/>
+                    </a:lnB>
+                    <a:solidFill>
+                      <a:schemeClr val="bg2"/>
+                    </a:solidFill>
+                  </a:tcPr>
+                </a:tc>
+                <a:tc>
+                  <a:txBody>
+                    <a:bodyPr/>
+                    <a:lstStyle/>
+                    <a:p>
+                      <a:pPr latinLnBrk="1"/>
+                      <a:r>
+                        <a:rPr lang="en-US" altLang="ko-KR" sz="1400" b="0" dirty="0">
+                          <a:solidFill>
+                            <a:schemeClr val="tx1"/>
+                          </a:solidFill>
+                          <a:latin typeface="-윤고딕320" panose="02030504000101010101" pitchFamily="18" charset="-127"/>
+                          <a:ea typeface="-윤고딕320" panose="02030504000101010101" pitchFamily="18" charset="-127"/>
+                        </a:rPr>
+                        <a:t>ATmega328</a:t>
+                      </a:r>
+                      <a:endParaRPr lang="ko-KR" altLang="en-US" sz="1400" b="0" dirty="0">
+                        <a:solidFill>
+                          <a:schemeClr val="tx1"/>
+                        </a:solidFill>
+                        <a:latin typeface="-윤고딕320" panose="02030504000101010101" pitchFamily="18" charset="-127"/>
+                        <a:ea typeface="-윤고딕320" panose="02030504000101010101" pitchFamily="18" charset="-127"/>
+                      </a:endParaRPr>
+                    </a:p>
+                  </a:txBody>
+                  <a:tcPr>
+                    <a:lnL w="12700" cap="flat" cmpd="sng" algn="ctr">
+                      <a:solidFill>
+                        <a:schemeClr val="tx1"/>
+                      </a:solidFill>
+                      <a:prstDash val="solid"/>
+                      <a:round/>
+                      <a:headEnd type="none" w="med" len="med"/>
+                      <a:tailEnd type="none" w="med" len="med"/>
+                    </a:lnL>
+                    <a:lnR w="12700" cap="flat" cmpd="sng" algn="ctr">
+                      <a:solidFill>
+                        <a:schemeClr val="tx1"/>
+                      </a:solidFill>
+                      <a:prstDash val="solid"/>
+                      <a:round/>
+                      <a:headEnd type="none" w="med" len="med"/>
+                      <a:tailEnd type="none" w="med" len="med"/>
+                    </a:lnR>
+                    <a:lnT w="12700" cap="flat" cmpd="sng" algn="ctr">
+                      <a:solidFill>
+                        <a:schemeClr val="tx1"/>
+                      </a:solidFill>
+                      <a:prstDash val="solid"/>
+                      <a:round/>
+                      <a:headEnd type="none" w="med" len="med"/>
+                      <a:tailEnd type="none" w="med" len="med"/>
+                    </a:lnT>
+                    <a:lnB w="12700" cap="flat" cmpd="sng" algn="ctr">
+                      <a:solidFill>
+                        <a:schemeClr val="tx1"/>
+                      </a:solidFill>
+                      <a:prstDash val="solid"/>
+                      <a:round/>
+                      <a:headEnd type="none" w="med" len="med"/>
+                      <a:tailEnd type="none" w="med" len="med"/>
+                    </a:lnB>
+                    <a:solidFill>
+                      <a:schemeClr val="bg1"/>
+                    </a:solidFill>
+                  </a:tcPr>
+                </a:tc>
+                <a:extLst>
+                  <a:ext uri="{0D108BD9-81ED-4DB2-BD59-A6C34878D82A}">
+                    <a16:rowId xmlns:a16="http://schemas.microsoft.com/office/drawing/2014/main" val="1163456445"/>
+                  </a:ext>
+                </a:extLst>
+              </a:tr>
+              <a:tr h="284626">
+                <a:tc>
+                  <a:txBody>
+                    <a:bodyPr/>
+                    <a:lstStyle/>
+                    <a:p>
+                      <a:pPr latinLnBrk="1"/>
+                      <a:r>
+                        <a:rPr lang="en-US" altLang="ko-KR" sz="1400" b="0" dirty="0">
+                          <a:solidFill>
+                            <a:schemeClr val="tx1"/>
+                          </a:solidFill>
+                          <a:latin typeface="-윤고딕320" panose="02030504000101010101" pitchFamily="18" charset="-127"/>
+                          <a:ea typeface="-윤고딕320" panose="02030504000101010101" pitchFamily="18" charset="-127"/>
+                        </a:rPr>
+                        <a:t>Operation Voltage</a:t>
+                      </a:r>
+                      <a:endParaRPr lang="ko-KR" altLang="en-US" sz="1400" b="0" dirty="0">
+                        <a:solidFill>
+                          <a:schemeClr val="tx1"/>
+                        </a:solidFill>
+                        <a:latin typeface="-윤고딕320" panose="02030504000101010101" pitchFamily="18" charset="-127"/>
+                        <a:ea typeface="-윤고딕320" panose="02030504000101010101" pitchFamily="18" charset="-127"/>
+                      </a:endParaRPr>
+                    </a:p>
+                  </a:txBody>
+                  <a:tcPr>
+                    <a:lnL w="12700" cap="flat" cmpd="sng" algn="ctr">
+                      <a:solidFill>
+                        <a:schemeClr val="tx1"/>
+                      </a:solidFill>
+                      <a:prstDash val="solid"/>
+                      <a:round/>
+                      <a:headEnd type="none" w="med" len="med"/>
+                      <a:tailEnd type="none" w="med" len="med"/>
+                    </a:lnL>
+                    <a:lnR w="12700" cap="flat" cmpd="sng" algn="ctr">
+                      <a:solidFill>
+                        <a:schemeClr val="tx1"/>
+                      </a:solidFill>
+                      <a:prstDash val="solid"/>
+                      <a:round/>
+                      <a:headEnd type="none" w="med" len="med"/>
+                      <a:tailEnd type="none" w="med" len="med"/>
+                    </a:lnR>
+                    <a:lnT w="12700" cap="flat" cmpd="sng" algn="ctr">
+                      <a:solidFill>
+                        <a:schemeClr val="tx1"/>
+                      </a:solidFill>
+                      <a:prstDash val="solid"/>
+                      <a:round/>
+                      <a:headEnd type="none" w="med" len="med"/>
+                      <a:tailEnd type="none" w="med" len="med"/>
+                    </a:lnT>
+                    <a:lnB w="12700" cap="flat" cmpd="sng" algn="ctr">
+                      <a:solidFill>
+                        <a:schemeClr val="tx1"/>
+                      </a:solidFill>
+                      <a:prstDash val="solid"/>
+                      <a:round/>
+                      <a:headEnd type="none" w="med" len="med"/>
+                      <a:tailEnd type="none" w="med" len="med"/>
+                    </a:lnB>
+                    <a:solidFill>
+                      <a:schemeClr val="bg2"/>
+                    </a:solidFill>
+                  </a:tcPr>
+                </a:tc>
+                <a:tc>
+                  <a:txBody>
+                    <a:bodyPr/>
+                    <a:lstStyle/>
+                    <a:p>
+                      <a:pPr latinLnBrk="1"/>
+                      <a:r>
+                        <a:rPr lang="en-US" altLang="ko-KR" sz="1400" b="0" dirty="0">
+                          <a:solidFill>
+                            <a:schemeClr val="tx1"/>
+                          </a:solidFill>
+                          <a:latin typeface="-윤고딕320" panose="02030504000101010101" pitchFamily="18" charset="-127"/>
+                          <a:ea typeface="-윤고딕320" panose="02030504000101010101" pitchFamily="18" charset="-127"/>
+                        </a:rPr>
+                        <a:t>5V</a:t>
+                      </a:r>
+                      <a:endParaRPr lang="ko-KR" altLang="en-US" sz="1400" b="0" dirty="0">
+                        <a:solidFill>
+                          <a:schemeClr val="tx1"/>
+                        </a:solidFill>
+                        <a:latin typeface="-윤고딕320" panose="02030504000101010101" pitchFamily="18" charset="-127"/>
+                        <a:ea typeface="-윤고딕320" panose="02030504000101010101" pitchFamily="18" charset="-127"/>
+                      </a:endParaRPr>
+                    </a:p>
+                  </a:txBody>
+                  <a:tcPr>
+                    <a:lnL w="12700" cap="flat" cmpd="sng" algn="ctr">
+                      <a:solidFill>
+                        <a:schemeClr val="tx1"/>
+                      </a:solidFill>
+                      <a:prstDash val="solid"/>
+                      <a:round/>
+                      <a:headEnd type="none" w="med" len="med"/>
+                      <a:tailEnd type="none" w="med" len="med"/>
+                    </a:lnL>
+                    <a:lnR w="12700" cap="flat" cmpd="sng" algn="ctr">
+                      <a:solidFill>
+                        <a:schemeClr val="tx1"/>
+                      </a:solidFill>
+                      <a:prstDash val="solid"/>
+                      <a:round/>
+                      <a:headEnd type="none" w="med" len="med"/>
+                      <a:tailEnd type="none" w="med" len="med"/>
+                    </a:lnR>
+                    <a:lnT w="12700" cap="flat" cmpd="sng" algn="ctr">
+                      <a:solidFill>
+                        <a:schemeClr val="tx1"/>
+                      </a:solidFill>
+                      <a:prstDash val="solid"/>
+                      <a:round/>
+                      <a:headEnd type="none" w="med" len="med"/>
+                      <a:tailEnd type="none" w="med" len="med"/>
+                    </a:lnT>
+                    <a:lnB w="12700" cap="flat" cmpd="sng" algn="ctr">
+                      <a:solidFill>
+                        <a:schemeClr val="tx1"/>
+                      </a:solidFill>
+                      <a:prstDash val="solid"/>
+                      <a:round/>
+                      <a:headEnd type="none" w="med" len="med"/>
+                      <a:tailEnd type="none" w="med" len="med"/>
+                    </a:lnB>
+                    <a:solidFill>
+                      <a:schemeClr val="bg1"/>
+                    </a:solidFill>
+                  </a:tcPr>
+                </a:tc>
+                <a:extLst>
+                  <a:ext uri="{0D108BD9-81ED-4DB2-BD59-A6C34878D82A}">
+                    <a16:rowId xmlns:a16="http://schemas.microsoft.com/office/drawing/2014/main" val="453170737"/>
+                  </a:ext>
+                </a:extLst>
+              </a:tr>
+              <a:tr h="483864">
+                <a:tc>
+                  <a:txBody>
+                    <a:bodyPr/>
+                    <a:lstStyle/>
+                    <a:p>
+                      <a:pPr latinLnBrk="1"/>
+                      <a:r>
+                        <a:rPr lang="en-US" altLang="ko-KR" sz="1400" b="0" dirty="0">
+                          <a:solidFill>
+                            <a:schemeClr val="tx1"/>
+                          </a:solidFill>
+                          <a:latin typeface="-윤고딕320" panose="02030504000101010101" pitchFamily="18" charset="-127"/>
+                          <a:ea typeface="-윤고딕320" panose="02030504000101010101" pitchFamily="18" charset="-127"/>
+                        </a:rPr>
+                        <a:t>Input Voltage(recommend</a:t>
+                      </a:r>
+                      <a:endParaRPr lang="ko-KR" altLang="en-US" sz="1400" b="0" dirty="0">
+                        <a:solidFill>
+                          <a:schemeClr val="tx1"/>
+                        </a:solidFill>
+                        <a:latin typeface="-윤고딕320" panose="02030504000101010101" pitchFamily="18" charset="-127"/>
+                        <a:ea typeface="-윤고딕320" panose="02030504000101010101" pitchFamily="18" charset="-127"/>
+                      </a:endParaRPr>
+                    </a:p>
+                  </a:txBody>
+                  <a:tcPr>
+                    <a:lnL w="12700" cap="flat" cmpd="sng" algn="ctr">
+                      <a:solidFill>
+                        <a:schemeClr val="tx1"/>
+                      </a:solidFill>
+                      <a:prstDash val="solid"/>
+                      <a:round/>
+                      <a:headEnd type="none" w="med" len="med"/>
+                      <a:tailEnd type="none" w="med" len="med"/>
+                    </a:lnL>
+                    <a:lnR w="12700" cap="flat" cmpd="sng" algn="ctr">
+                      <a:solidFill>
+                        <a:schemeClr val="tx1"/>
+                      </a:solidFill>
+                      <a:prstDash val="solid"/>
+                      <a:round/>
+                      <a:headEnd type="none" w="med" len="med"/>
+                      <a:tailEnd type="none" w="med" len="med"/>
+                    </a:lnR>
+                    <a:lnT w="12700" cap="flat" cmpd="sng" algn="ctr">
+                      <a:solidFill>
+                        <a:schemeClr val="tx1"/>
+                      </a:solidFill>
+                      <a:prstDash val="solid"/>
+                      <a:round/>
+                      <a:headEnd type="none" w="med" len="med"/>
+                      <a:tailEnd type="none" w="med" len="med"/>
+                    </a:lnT>
+                    <a:lnB w="12700" cap="flat" cmpd="sng" algn="ctr">
+                      <a:solidFill>
+                        <a:schemeClr val="tx1"/>
+                      </a:solidFill>
+                      <a:prstDash val="solid"/>
+                      <a:round/>
+                      <a:headEnd type="none" w="med" len="med"/>
+                      <a:tailEnd type="none" w="med" len="med"/>
+                    </a:lnB>
+                    <a:solidFill>
+                      <a:schemeClr val="bg2"/>
+                    </a:solidFill>
+                  </a:tcPr>
+                </a:tc>
+                <a:tc>
+                  <a:txBody>
+                    <a:bodyPr/>
+                    <a:lstStyle/>
+                    <a:p>
+                      <a:pPr latinLnBrk="1"/>
+                      <a:r>
+                        <a:rPr lang="en-US" altLang="ko-KR" sz="1400" b="0" dirty="0">
+                          <a:solidFill>
+                            <a:schemeClr val="tx1"/>
+                          </a:solidFill>
+                          <a:latin typeface="-윤고딕320" panose="02030504000101010101" pitchFamily="18" charset="-127"/>
+                          <a:ea typeface="-윤고딕320" panose="02030504000101010101" pitchFamily="18" charset="-127"/>
+                        </a:rPr>
+                        <a:t>7-12V</a:t>
+                      </a:r>
+                      <a:endParaRPr lang="ko-KR" altLang="en-US" sz="1400" b="0" dirty="0">
+                        <a:solidFill>
+                          <a:schemeClr val="tx1"/>
+                        </a:solidFill>
+                        <a:latin typeface="-윤고딕320" panose="02030504000101010101" pitchFamily="18" charset="-127"/>
+                        <a:ea typeface="-윤고딕320" panose="02030504000101010101" pitchFamily="18" charset="-127"/>
+                      </a:endParaRPr>
+                    </a:p>
+                  </a:txBody>
+                  <a:tcPr>
+                    <a:lnL w="12700" cap="flat" cmpd="sng" algn="ctr">
+                      <a:solidFill>
+                        <a:schemeClr val="tx1"/>
+                      </a:solidFill>
+                      <a:prstDash val="solid"/>
+                      <a:round/>
+                      <a:headEnd type="none" w="med" len="med"/>
+                      <a:tailEnd type="none" w="med" len="med"/>
+                    </a:lnL>
+                    <a:lnR w="12700" cap="flat" cmpd="sng" algn="ctr">
+                      <a:solidFill>
+                        <a:schemeClr val="tx1"/>
+                      </a:solidFill>
+                      <a:prstDash val="solid"/>
+                      <a:round/>
+                      <a:headEnd type="none" w="med" len="med"/>
+                      <a:tailEnd type="none" w="med" len="med"/>
+                    </a:lnR>
+                    <a:lnT w="12700" cap="flat" cmpd="sng" algn="ctr">
+                      <a:solidFill>
+                        <a:schemeClr val="tx1"/>
+                      </a:solidFill>
+                      <a:prstDash val="solid"/>
+                      <a:round/>
+                      <a:headEnd type="none" w="med" len="med"/>
+                      <a:tailEnd type="none" w="med" len="med"/>
+                    </a:lnT>
+                    <a:lnB w="12700" cap="flat" cmpd="sng" algn="ctr">
+                      <a:solidFill>
+                        <a:schemeClr val="tx1"/>
+                      </a:solidFill>
+                      <a:prstDash val="solid"/>
+                      <a:round/>
+                      <a:headEnd type="none" w="med" len="med"/>
+                      <a:tailEnd type="none" w="med" len="med"/>
+                    </a:lnB>
+                    <a:solidFill>
+                      <a:schemeClr val="bg1"/>
+                    </a:solidFill>
+                  </a:tcPr>
+                </a:tc>
+                <a:extLst>
+                  <a:ext uri="{0D108BD9-81ED-4DB2-BD59-A6C34878D82A}">
+                    <a16:rowId xmlns:a16="http://schemas.microsoft.com/office/drawing/2014/main" val="3944034505"/>
+                  </a:ext>
+                </a:extLst>
+              </a:tr>
+              <a:tr h="284626">
+                <a:tc>
+                  <a:txBody>
+                    <a:bodyPr/>
+                    <a:lstStyle/>
+                    <a:p>
+                      <a:pPr latinLnBrk="1"/>
+                      <a:r>
+                        <a:rPr lang="en-US" altLang="ko-KR" sz="1400" b="0" dirty="0">
+                          <a:solidFill>
+                            <a:schemeClr val="tx1"/>
+                          </a:solidFill>
+                          <a:latin typeface="-윤고딕320" panose="02030504000101010101" pitchFamily="18" charset="-127"/>
+                          <a:ea typeface="-윤고딕320" panose="02030504000101010101" pitchFamily="18" charset="-127"/>
+                        </a:rPr>
+                        <a:t>Input Voltage(limits)</a:t>
+                      </a:r>
+                      <a:endParaRPr lang="ko-KR" altLang="en-US" sz="1400" b="0" dirty="0">
+                        <a:solidFill>
+                          <a:schemeClr val="tx1"/>
+                        </a:solidFill>
+                        <a:latin typeface="-윤고딕320" panose="02030504000101010101" pitchFamily="18" charset="-127"/>
+                        <a:ea typeface="-윤고딕320" panose="02030504000101010101" pitchFamily="18" charset="-127"/>
+                      </a:endParaRPr>
+                    </a:p>
+                  </a:txBody>
+                  <a:tcPr>
+                    <a:lnL w="12700" cap="flat" cmpd="sng" algn="ctr">
+                      <a:solidFill>
+                        <a:schemeClr val="tx1"/>
+                      </a:solidFill>
+                      <a:prstDash val="solid"/>
+                      <a:round/>
+                      <a:headEnd type="none" w="med" len="med"/>
+                      <a:tailEnd type="none" w="med" len="med"/>
+                    </a:lnL>
+                    <a:lnR w="12700" cap="flat" cmpd="sng" algn="ctr">
+                      <a:solidFill>
+                        <a:schemeClr val="tx1"/>
+                      </a:solidFill>
+                      <a:prstDash val="solid"/>
+                      <a:round/>
+                      <a:headEnd type="none" w="med" len="med"/>
+                      <a:tailEnd type="none" w="med" len="med"/>
+                    </a:lnR>
+                    <a:lnT w="12700" cap="flat" cmpd="sng" algn="ctr">
+                      <a:solidFill>
+                        <a:schemeClr val="tx1"/>
+                      </a:solidFill>
+                      <a:prstDash val="solid"/>
+                      <a:round/>
+                      <a:headEnd type="none" w="med" len="med"/>
+                      <a:tailEnd type="none" w="med" len="med"/>
+                    </a:lnT>
+                    <a:lnB w="12700" cap="flat" cmpd="sng" algn="ctr">
+                      <a:solidFill>
+                        <a:schemeClr val="tx1"/>
+                      </a:solidFill>
+                      <a:prstDash val="solid"/>
+                      <a:round/>
+                      <a:headEnd type="none" w="med" len="med"/>
+                      <a:tailEnd type="none" w="med" len="med"/>
+                    </a:lnB>
+                    <a:solidFill>
+                      <a:schemeClr val="bg2"/>
+                    </a:solidFill>
+                  </a:tcPr>
+                </a:tc>
+                <a:tc>
+                  <a:txBody>
+                    <a:bodyPr/>
+                    <a:lstStyle/>
+                    <a:p>
+                      <a:pPr latinLnBrk="1"/>
+                      <a:r>
+                        <a:rPr lang="en-US" altLang="ko-KR" sz="1400" b="0" dirty="0">
+                          <a:solidFill>
+                            <a:schemeClr val="tx1"/>
+                          </a:solidFill>
+                          <a:latin typeface="-윤고딕320" panose="02030504000101010101" pitchFamily="18" charset="-127"/>
+                          <a:ea typeface="-윤고딕320" panose="02030504000101010101" pitchFamily="18" charset="-127"/>
+                        </a:rPr>
+                        <a:t>6-20V</a:t>
+                      </a:r>
+                      <a:endParaRPr lang="ko-KR" altLang="en-US" sz="1400" b="0" dirty="0">
+                        <a:solidFill>
+                          <a:schemeClr val="tx1"/>
+                        </a:solidFill>
+                        <a:latin typeface="-윤고딕320" panose="02030504000101010101" pitchFamily="18" charset="-127"/>
+                        <a:ea typeface="-윤고딕320" panose="02030504000101010101" pitchFamily="18" charset="-127"/>
+                      </a:endParaRPr>
+                    </a:p>
+                  </a:txBody>
+                  <a:tcPr>
+                    <a:lnL w="12700" cap="flat" cmpd="sng" algn="ctr">
+                      <a:solidFill>
+                        <a:schemeClr val="tx1"/>
+                      </a:solidFill>
+                      <a:prstDash val="solid"/>
+                      <a:round/>
+                      <a:headEnd type="none" w="med" len="med"/>
+                      <a:tailEnd type="none" w="med" len="med"/>
+                    </a:lnL>
+                    <a:lnR w="12700" cap="flat" cmpd="sng" algn="ctr">
+                      <a:solidFill>
+                        <a:schemeClr val="tx1"/>
+                      </a:solidFill>
+                      <a:prstDash val="solid"/>
+                      <a:round/>
+                      <a:headEnd type="none" w="med" len="med"/>
+                      <a:tailEnd type="none" w="med" len="med"/>
+                    </a:lnR>
+                    <a:lnT w="12700" cap="flat" cmpd="sng" algn="ctr">
+                      <a:solidFill>
+                        <a:schemeClr val="tx1"/>
+                      </a:solidFill>
+                      <a:prstDash val="solid"/>
+                      <a:round/>
+                      <a:headEnd type="none" w="med" len="med"/>
+                      <a:tailEnd type="none" w="med" len="med"/>
+                    </a:lnT>
+                    <a:lnB w="12700" cap="flat" cmpd="sng" algn="ctr">
+                      <a:solidFill>
+                        <a:schemeClr val="tx1"/>
+                      </a:solidFill>
+                      <a:prstDash val="solid"/>
+                      <a:round/>
+                      <a:headEnd type="none" w="med" len="med"/>
+                      <a:tailEnd type="none" w="med" len="med"/>
+                    </a:lnB>
+                    <a:solidFill>
+                      <a:schemeClr val="bg1"/>
+                    </a:solidFill>
+                  </a:tcPr>
+                </a:tc>
+                <a:extLst>
+                  <a:ext uri="{0D108BD9-81ED-4DB2-BD59-A6C34878D82A}">
+                    <a16:rowId xmlns:a16="http://schemas.microsoft.com/office/drawing/2014/main" val="2113925453"/>
+                  </a:ext>
+                </a:extLst>
+              </a:tr>
+              <a:tr h="284626">
+                <a:tc>
+                  <a:txBody>
+                    <a:bodyPr/>
+                    <a:lstStyle/>
+                    <a:p>
+                      <a:pPr latinLnBrk="1"/>
+                      <a:r>
+                        <a:rPr lang="en-US" altLang="ko-KR" sz="1400" b="0" dirty="0" err="1">
+                          <a:solidFill>
+                            <a:schemeClr val="tx1"/>
+                          </a:solidFill>
+                          <a:latin typeface="-윤고딕320" panose="02030504000101010101" pitchFamily="18" charset="-127"/>
+                          <a:ea typeface="-윤고딕320" panose="02030504000101010101" pitchFamily="18" charset="-127"/>
+                        </a:rPr>
+                        <a:t>Digaial</a:t>
+                      </a:r>
+                      <a:r>
+                        <a:rPr lang="en-US" altLang="ko-KR" sz="1400" b="0" dirty="0">
+                          <a:solidFill>
+                            <a:schemeClr val="tx1"/>
+                          </a:solidFill>
+                          <a:latin typeface="-윤고딕320" panose="02030504000101010101" pitchFamily="18" charset="-127"/>
+                          <a:ea typeface="-윤고딕320" panose="02030504000101010101" pitchFamily="18" charset="-127"/>
+                        </a:rPr>
+                        <a:t> I/O Pins</a:t>
+                      </a:r>
+                      <a:endParaRPr lang="ko-KR" altLang="en-US" sz="1400" b="0" dirty="0">
+                        <a:solidFill>
+                          <a:schemeClr val="tx1"/>
+                        </a:solidFill>
+                        <a:latin typeface="-윤고딕320" panose="02030504000101010101" pitchFamily="18" charset="-127"/>
+                        <a:ea typeface="-윤고딕320" panose="02030504000101010101" pitchFamily="18" charset="-127"/>
+                      </a:endParaRPr>
+                    </a:p>
+                  </a:txBody>
+                  <a:tcPr>
+                    <a:lnL w="12700" cap="flat" cmpd="sng" algn="ctr">
+                      <a:solidFill>
+                        <a:schemeClr val="tx1"/>
+                      </a:solidFill>
+                      <a:prstDash val="solid"/>
+                      <a:round/>
+                      <a:headEnd type="none" w="med" len="med"/>
+                      <a:tailEnd type="none" w="med" len="med"/>
+                    </a:lnL>
+                    <a:lnR w="12700" cap="flat" cmpd="sng" algn="ctr">
+                      <a:solidFill>
+                        <a:schemeClr val="tx1"/>
+                      </a:solidFill>
+                      <a:prstDash val="solid"/>
+                      <a:round/>
+                      <a:headEnd type="none" w="med" len="med"/>
+                      <a:tailEnd type="none" w="med" len="med"/>
+                    </a:lnR>
+                    <a:lnT w="12700" cap="flat" cmpd="sng" algn="ctr">
+                      <a:solidFill>
+                        <a:schemeClr val="tx1"/>
+                      </a:solidFill>
+                      <a:prstDash val="solid"/>
+                      <a:round/>
+                      <a:headEnd type="none" w="med" len="med"/>
+                      <a:tailEnd type="none" w="med" len="med"/>
+                    </a:lnT>
+                    <a:lnB w="12700" cap="flat" cmpd="sng" algn="ctr">
+                      <a:solidFill>
+                        <a:schemeClr val="tx1"/>
+                      </a:solidFill>
+                      <a:prstDash val="solid"/>
+                      <a:round/>
+                      <a:headEnd type="none" w="med" len="med"/>
+                      <a:tailEnd type="none" w="med" len="med"/>
+                    </a:lnB>
+                    <a:solidFill>
+                      <a:schemeClr val="bg2"/>
+                    </a:solidFill>
+                  </a:tcPr>
+                </a:tc>
+                <a:tc>
+                  <a:txBody>
+                    <a:bodyPr/>
+                    <a:lstStyle/>
+                    <a:p>
+                      <a:pPr latinLnBrk="1"/>
+                      <a:r>
+                        <a:rPr lang="en-US" altLang="ko-KR" sz="1400" b="0" dirty="0">
+                          <a:solidFill>
+                            <a:schemeClr val="tx1"/>
+                          </a:solidFill>
+                          <a:latin typeface="-윤고딕320" panose="02030504000101010101" pitchFamily="18" charset="-127"/>
+                          <a:ea typeface="-윤고딕320" panose="02030504000101010101" pitchFamily="18" charset="-127"/>
+                        </a:rPr>
+                        <a:t>14 (6 PWM)</a:t>
+                      </a:r>
+                      <a:endParaRPr lang="ko-KR" altLang="en-US" sz="1400" b="0" dirty="0">
+                        <a:solidFill>
+                          <a:schemeClr val="tx1"/>
+                        </a:solidFill>
+                        <a:latin typeface="-윤고딕320" panose="02030504000101010101" pitchFamily="18" charset="-127"/>
+                        <a:ea typeface="-윤고딕320" panose="02030504000101010101" pitchFamily="18" charset="-127"/>
+                      </a:endParaRPr>
+                    </a:p>
+                  </a:txBody>
+                  <a:tcPr>
+                    <a:lnL w="12700" cap="flat" cmpd="sng" algn="ctr">
+                      <a:solidFill>
+                        <a:schemeClr val="tx1"/>
+                      </a:solidFill>
+                      <a:prstDash val="solid"/>
+                      <a:round/>
+                      <a:headEnd type="none" w="med" len="med"/>
+                      <a:tailEnd type="none" w="med" len="med"/>
+                    </a:lnL>
+                    <a:lnR w="12700" cap="flat" cmpd="sng" algn="ctr">
+                      <a:solidFill>
+                        <a:schemeClr val="tx1"/>
+                      </a:solidFill>
+                      <a:prstDash val="solid"/>
+                      <a:round/>
+                      <a:headEnd type="none" w="med" len="med"/>
+                      <a:tailEnd type="none" w="med" len="med"/>
+                    </a:lnR>
+                    <a:lnT w="12700" cap="flat" cmpd="sng" algn="ctr">
+                      <a:solidFill>
+                        <a:schemeClr val="tx1"/>
+                      </a:solidFill>
+                      <a:prstDash val="solid"/>
+                      <a:round/>
+                      <a:headEnd type="none" w="med" len="med"/>
+                      <a:tailEnd type="none" w="med" len="med"/>
+                    </a:lnT>
+                    <a:lnB w="12700" cap="flat" cmpd="sng" algn="ctr">
+                      <a:solidFill>
+                        <a:schemeClr val="tx1"/>
+                      </a:solidFill>
+                      <a:prstDash val="solid"/>
+                      <a:round/>
+                      <a:headEnd type="none" w="med" len="med"/>
+                      <a:tailEnd type="none" w="med" len="med"/>
+                    </a:lnB>
+                    <a:solidFill>
+                      <a:schemeClr val="bg1"/>
+                    </a:solidFill>
+                  </a:tcPr>
+                </a:tc>
+                <a:extLst>
+                  <a:ext uri="{0D108BD9-81ED-4DB2-BD59-A6C34878D82A}">
+                    <a16:rowId xmlns:a16="http://schemas.microsoft.com/office/drawing/2014/main" val="304472323"/>
+                  </a:ext>
+                </a:extLst>
+              </a:tr>
+              <a:tr h="284626">
+                <a:tc>
+                  <a:txBody>
+                    <a:bodyPr/>
+                    <a:lstStyle/>
+                    <a:p>
+                      <a:pPr latinLnBrk="1"/>
+                      <a:r>
+                        <a:rPr lang="en-US" altLang="ko-KR" sz="1400" b="0" dirty="0">
+                          <a:solidFill>
+                            <a:schemeClr val="tx1"/>
+                          </a:solidFill>
+                          <a:latin typeface="-윤고딕320" panose="02030504000101010101" pitchFamily="18" charset="-127"/>
+                          <a:ea typeface="-윤고딕320" panose="02030504000101010101" pitchFamily="18" charset="-127"/>
+                        </a:rPr>
+                        <a:t>Analog Input Pins</a:t>
+                      </a:r>
+                      <a:endParaRPr lang="ko-KR" altLang="en-US" sz="1400" b="0" dirty="0">
+                        <a:solidFill>
+                          <a:schemeClr val="tx1"/>
+                        </a:solidFill>
+                        <a:latin typeface="-윤고딕320" panose="02030504000101010101" pitchFamily="18" charset="-127"/>
+                        <a:ea typeface="-윤고딕320" panose="02030504000101010101" pitchFamily="18" charset="-127"/>
+                      </a:endParaRPr>
+                    </a:p>
+                  </a:txBody>
+                  <a:tcPr>
+                    <a:lnL w="12700" cap="flat" cmpd="sng" algn="ctr">
+                      <a:solidFill>
+                        <a:schemeClr val="tx1"/>
+                      </a:solidFill>
+                      <a:prstDash val="solid"/>
+                      <a:round/>
+                      <a:headEnd type="none" w="med" len="med"/>
+                      <a:tailEnd type="none" w="med" len="med"/>
+                    </a:lnL>
+                    <a:lnR w="12700" cap="flat" cmpd="sng" algn="ctr">
+                      <a:solidFill>
+                        <a:schemeClr val="tx1"/>
+                      </a:solidFill>
+                      <a:prstDash val="solid"/>
+                      <a:round/>
+                      <a:headEnd type="none" w="med" len="med"/>
+                      <a:tailEnd type="none" w="med" len="med"/>
+                    </a:lnR>
+                    <a:lnT w="12700" cap="flat" cmpd="sng" algn="ctr">
+                      <a:solidFill>
+                        <a:schemeClr val="tx1"/>
+                      </a:solidFill>
+                      <a:prstDash val="solid"/>
+                      <a:round/>
+                      <a:headEnd type="none" w="med" len="med"/>
+                      <a:tailEnd type="none" w="med" len="med"/>
+                    </a:lnT>
+                    <a:lnB w="12700" cap="flat" cmpd="sng" algn="ctr">
+                      <a:solidFill>
+                        <a:schemeClr val="tx1"/>
+                      </a:solidFill>
+                      <a:prstDash val="solid"/>
+                      <a:round/>
+                      <a:headEnd type="none" w="med" len="med"/>
+                      <a:tailEnd type="none" w="med" len="med"/>
+                    </a:lnB>
+                    <a:solidFill>
+                      <a:schemeClr val="bg2"/>
+                    </a:solidFill>
+                  </a:tcPr>
+                </a:tc>
+                <a:tc>
+                  <a:txBody>
+                    <a:bodyPr/>
+                    <a:lstStyle/>
+                    <a:p>
+                      <a:pPr latinLnBrk="1"/>
+                      <a:r>
+                        <a:rPr lang="en-US" altLang="ko-KR" sz="1400" b="0" dirty="0">
+                          <a:solidFill>
+                            <a:schemeClr val="tx1"/>
+                          </a:solidFill>
+                          <a:latin typeface="-윤고딕320" panose="02030504000101010101" pitchFamily="18" charset="-127"/>
+                          <a:ea typeface="-윤고딕320" panose="02030504000101010101" pitchFamily="18" charset="-127"/>
+                        </a:rPr>
+                        <a:t>6</a:t>
+                      </a:r>
+                      <a:endParaRPr lang="ko-KR" altLang="en-US" sz="1400" b="0" dirty="0">
+                        <a:solidFill>
+                          <a:schemeClr val="tx1"/>
+                        </a:solidFill>
+                        <a:latin typeface="-윤고딕320" panose="02030504000101010101" pitchFamily="18" charset="-127"/>
+                        <a:ea typeface="-윤고딕320" panose="02030504000101010101" pitchFamily="18" charset="-127"/>
+                      </a:endParaRPr>
+                    </a:p>
+                  </a:txBody>
+                  <a:tcPr>
+                    <a:lnL w="12700" cap="flat" cmpd="sng" algn="ctr">
+                      <a:solidFill>
+                        <a:schemeClr val="tx1"/>
+                      </a:solidFill>
+                      <a:prstDash val="solid"/>
+                      <a:round/>
+                      <a:headEnd type="none" w="med" len="med"/>
+                      <a:tailEnd type="none" w="med" len="med"/>
+                    </a:lnL>
+                    <a:lnR w="12700" cap="flat" cmpd="sng" algn="ctr">
+                      <a:solidFill>
+                        <a:schemeClr val="tx1"/>
+                      </a:solidFill>
+                      <a:prstDash val="solid"/>
+                      <a:round/>
+                      <a:headEnd type="none" w="med" len="med"/>
+                      <a:tailEnd type="none" w="med" len="med"/>
+                    </a:lnR>
+                    <a:lnT w="12700" cap="flat" cmpd="sng" algn="ctr">
+                      <a:solidFill>
+                        <a:schemeClr val="tx1"/>
+                      </a:solidFill>
+                      <a:prstDash val="solid"/>
+                      <a:round/>
+                      <a:headEnd type="none" w="med" len="med"/>
+                      <a:tailEnd type="none" w="med" len="med"/>
+                    </a:lnT>
+                    <a:lnB w="12700" cap="flat" cmpd="sng" algn="ctr">
+                      <a:solidFill>
+                        <a:schemeClr val="tx1"/>
+                      </a:solidFill>
+                      <a:prstDash val="solid"/>
+                      <a:round/>
+                      <a:headEnd type="none" w="med" len="med"/>
+                      <a:tailEnd type="none" w="med" len="med"/>
+                    </a:lnB>
+                    <a:solidFill>
+                      <a:schemeClr val="bg1"/>
+                    </a:solidFill>
+                  </a:tcPr>
+                </a:tc>
+                <a:extLst>
+                  <a:ext uri="{0D108BD9-81ED-4DB2-BD59-A6C34878D82A}">
+                    <a16:rowId xmlns:a16="http://schemas.microsoft.com/office/drawing/2014/main" val="574706969"/>
+                  </a:ext>
+                </a:extLst>
+              </a:tr>
+              <a:tr h="284626">
+                <a:tc>
+                  <a:txBody>
+                    <a:bodyPr/>
+                    <a:lstStyle/>
+                    <a:p>
+                      <a:pPr latinLnBrk="1"/>
+                      <a:r>
+                        <a:rPr lang="it-IT" altLang="ko-KR" sz="1400" b="0" dirty="0">
+                          <a:solidFill>
+                            <a:schemeClr val="tx1"/>
+                          </a:solidFill>
+                          <a:latin typeface="-윤고딕320" panose="02030504000101010101" pitchFamily="18" charset="-127"/>
+                          <a:ea typeface="-윤고딕320" panose="02030504000101010101" pitchFamily="18" charset="-127"/>
+                        </a:rPr>
+                        <a:t>DC Current per I/O Pin</a:t>
+                      </a:r>
+                      <a:endParaRPr lang="ko-KR" altLang="en-US" sz="1400" b="0" dirty="0">
+                        <a:solidFill>
+                          <a:schemeClr val="tx1"/>
+                        </a:solidFill>
+                        <a:latin typeface="-윤고딕320" panose="02030504000101010101" pitchFamily="18" charset="-127"/>
+                        <a:ea typeface="-윤고딕320" panose="02030504000101010101" pitchFamily="18" charset="-127"/>
+                      </a:endParaRPr>
+                    </a:p>
+                  </a:txBody>
+                  <a:tcPr>
+                    <a:lnL w="12700" cap="flat" cmpd="sng" algn="ctr">
+                      <a:solidFill>
+                        <a:schemeClr val="tx1"/>
+                      </a:solidFill>
+                      <a:prstDash val="solid"/>
+                      <a:round/>
+                      <a:headEnd type="none" w="med" len="med"/>
+                      <a:tailEnd type="none" w="med" len="med"/>
+                    </a:lnL>
+                    <a:lnR w="12700" cap="flat" cmpd="sng" algn="ctr">
+                      <a:solidFill>
+                        <a:schemeClr val="tx1"/>
+                      </a:solidFill>
+                      <a:prstDash val="solid"/>
+                      <a:round/>
+                      <a:headEnd type="none" w="med" len="med"/>
+                      <a:tailEnd type="none" w="med" len="med"/>
+                    </a:lnR>
+                    <a:lnT w="12700" cap="flat" cmpd="sng" algn="ctr">
+                      <a:solidFill>
+                        <a:schemeClr val="tx1"/>
+                      </a:solidFill>
+                      <a:prstDash val="solid"/>
+                      <a:round/>
+                      <a:headEnd type="none" w="med" len="med"/>
+                      <a:tailEnd type="none" w="med" len="med"/>
+                    </a:lnT>
+                    <a:lnB w="12700" cap="flat" cmpd="sng" algn="ctr">
+                      <a:solidFill>
+                        <a:schemeClr val="tx1"/>
+                      </a:solidFill>
+                      <a:prstDash val="solid"/>
+                      <a:round/>
+                      <a:headEnd type="none" w="med" len="med"/>
+                      <a:tailEnd type="none" w="med" len="med"/>
+                    </a:lnB>
+                    <a:solidFill>
+                      <a:schemeClr val="bg2"/>
+                    </a:solidFill>
+                  </a:tcPr>
+                </a:tc>
+                <a:tc>
+                  <a:txBody>
+                    <a:bodyPr/>
+                    <a:lstStyle/>
+                    <a:p>
+                      <a:pPr latinLnBrk="1"/>
+                      <a:r>
+                        <a:rPr lang="en-US" altLang="ko-KR" sz="1400" b="0" dirty="0">
+                          <a:solidFill>
+                            <a:schemeClr val="tx1"/>
+                          </a:solidFill>
+                          <a:latin typeface="-윤고딕320" panose="02030504000101010101" pitchFamily="18" charset="-127"/>
+                          <a:ea typeface="-윤고딕320" panose="02030504000101010101" pitchFamily="18" charset="-127"/>
+                        </a:rPr>
+                        <a:t>40mA</a:t>
+                      </a:r>
+                      <a:endParaRPr lang="ko-KR" altLang="en-US" sz="1400" b="0" dirty="0">
+                        <a:solidFill>
+                          <a:schemeClr val="tx1"/>
+                        </a:solidFill>
+                        <a:latin typeface="-윤고딕320" panose="02030504000101010101" pitchFamily="18" charset="-127"/>
+                        <a:ea typeface="-윤고딕320" panose="02030504000101010101" pitchFamily="18" charset="-127"/>
+                      </a:endParaRPr>
+                    </a:p>
+                  </a:txBody>
+                  <a:tcPr>
+                    <a:lnL w="12700" cap="flat" cmpd="sng" algn="ctr">
+                      <a:solidFill>
+                        <a:schemeClr val="tx1"/>
+                      </a:solidFill>
+                      <a:prstDash val="solid"/>
+                      <a:round/>
+                      <a:headEnd type="none" w="med" len="med"/>
+                      <a:tailEnd type="none" w="med" len="med"/>
+                    </a:lnL>
+                    <a:lnR w="12700" cap="flat" cmpd="sng" algn="ctr">
+                      <a:solidFill>
+                        <a:schemeClr val="tx1"/>
+                      </a:solidFill>
+                      <a:prstDash val="solid"/>
+                      <a:round/>
+                      <a:headEnd type="none" w="med" len="med"/>
+                      <a:tailEnd type="none" w="med" len="med"/>
+                    </a:lnR>
+                    <a:lnT w="12700" cap="flat" cmpd="sng" algn="ctr">
+                      <a:solidFill>
+                        <a:schemeClr val="tx1"/>
+                      </a:solidFill>
+                      <a:prstDash val="solid"/>
+                      <a:round/>
+                      <a:headEnd type="none" w="med" len="med"/>
+                      <a:tailEnd type="none" w="med" len="med"/>
+                    </a:lnT>
+                    <a:lnB w="12700" cap="flat" cmpd="sng" algn="ctr">
+                      <a:solidFill>
+                        <a:schemeClr val="tx1"/>
+                      </a:solidFill>
+                      <a:prstDash val="solid"/>
+                      <a:round/>
+                      <a:headEnd type="none" w="med" len="med"/>
+                      <a:tailEnd type="none" w="med" len="med"/>
+                    </a:lnB>
+                    <a:solidFill>
+                      <a:schemeClr val="bg1"/>
+                    </a:solidFill>
+                  </a:tcPr>
+                </a:tc>
+                <a:extLst>
+                  <a:ext uri="{0D108BD9-81ED-4DB2-BD59-A6C34878D82A}">
+                    <a16:rowId xmlns:a16="http://schemas.microsoft.com/office/drawing/2014/main" val="2629878287"/>
+                  </a:ext>
+                </a:extLst>
+              </a:tr>
+              <a:tr h="284626">
+                <a:tc>
+                  <a:txBody>
+                    <a:bodyPr/>
+                    <a:lstStyle/>
+                    <a:p>
+                      <a:pPr latinLnBrk="1"/>
+                      <a:r>
+                        <a:rPr lang="en-US" altLang="ko-KR" sz="1400" b="0" dirty="0">
+                          <a:solidFill>
+                            <a:schemeClr val="tx1"/>
+                          </a:solidFill>
+                          <a:latin typeface="-윤고딕320" panose="02030504000101010101" pitchFamily="18" charset="-127"/>
+                          <a:ea typeface="-윤고딕320" panose="02030504000101010101" pitchFamily="18" charset="-127"/>
+                        </a:rPr>
+                        <a:t>DC Current for 3.3V Pin</a:t>
+                      </a:r>
+                      <a:endParaRPr lang="ko-KR" altLang="en-US" sz="1400" b="0" dirty="0">
+                        <a:solidFill>
+                          <a:schemeClr val="tx1"/>
+                        </a:solidFill>
+                        <a:latin typeface="-윤고딕320" panose="02030504000101010101" pitchFamily="18" charset="-127"/>
+                        <a:ea typeface="-윤고딕320" panose="02030504000101010101" pitchFamily="18" charset="-127"/>
+                      </a:endParaRPr>
+                    </a:p>
+                  </a:txBody>
+                  <a:tcPr>
+                    <a:lnL w="12700" cap="flat" cmpd="sng" algn="ctr">
+                      <a:solidFill>
+                        <a:schemeClr val="tx1"/>
+                      </a:solidFill>
+                      <a:prstDash val="solid"/>
+                      <a:round/>
+                      <a:headEnd type="none" w="med" len="med"/>
+                      <a:tailEnd type="none" w="med" len="med"/>
+                    </a:lnL>
+                    <a:lnR w="12700" cap="flat" cmpd="sng" algn="ctr">
+                      <a:solidFill>
+                        <a:schemeClr val="tx1"/>
+                      </a:solidFill>
+                      <a:prstDash val="solid"/>
+                      <a:round/>
+                      <a:headEnd type="none" w="med" len="med"/>
+                      <a:tailEnd type="none" w="med" len="med"/>
+                    </a:lnR>
+                    <a:lnT w="12700" cap="flat" cmpd="sng" algn="ctr">
+                      <a:solidFill>
+                        <a:schemeClr val="tx1"/>
+                      </a:solidFill>
+                      <a:prstDash val="solid"/>
+                      <a:round/>
+                      <a:headEnd type="none" w="med" len="med"/>
+                      <a:tailEnd type="none" w="med" len="med"/>
+                    </a:lnT>
+                    <a:lnB w="12700" cap="flat" cmpd="sng" algn="ctr">
+                      <a:solidFill>
+                        <a:schemeClr val="tx1"/>
+                      </a:solidFill>
+                      <a:prstDash val="solid"/>
+                      <a:round/>
+                      <a:headEnd type="none" w="med" len="med"/>
+                      <a:tailEnd type="none" w="med" len="med"/>
+                    </a:lnB>
+                    <a:solidFill>
+                      <a:schemeClr val="bg2"/>
+                    </a:solidFill>
+                  </a:tcPr>
+                </a:tc>
+                <a:tc>
+                  <a:txBody>
+                    <a:bodyPr/>
+                    <a:lstStyle/>
+                    <a:p>
+                      <a:pPr latinLnBrk="1"/>
+                      <a:r>
+                        <a:rPr lang="en-US" altLang="ko-KR" sz="1400" b="0" dirty="0">
+                          <a:solidFill>
+                            <a:schemeClr val="tx1"/>
+                          </a:solidFill>
+                          <a:latin typeface="-윤고딕320" panose="02030504000101010101" pitchFamily="18" charset="-127"/>
+                          <a:ea typeface="-윤고딕320" panose="02030504000101010101" pitchFamily="18" charset="-127"/>
+                        </a:rPr>
+                        <a:t>50mA</a:t>
+                      </a:r>
+                      <a:endParaRPr lang="ko-KR" altLang="en-US" sz="1400" b="0" dirty="0">
+                        <a:solidFill>
+                          <a:schemeClr val="tx1"/>
+                        </a:solidFill>
+                        <a:latin typeface="-윤고딕320" panose="02030504000101010101" pitchFamily="18" charset="-127"/>
+                        <a:ea typeface="-윤고딕320" panose="02030504000101010101" pitchFamily="18" charset="-127"/>
+                      </a:endParaRPr>
+                    </a:p>
+                  </a:txBody>
+                  <a:tcPr>
+                    <a:lnL w="12700" cap="flat" cmpd="sng" algn="ctr">
+                      <a:solidFill>
+                        <a:schemeClr val="tx1"/>
+                      </a:solidFill>
+                      <a:prstDash val="solid"/>
+                      <a:round/>
+                      <a:headEnd type="none" w="med" len="med"/>
+                      <a:tailEnd type="none" w="med" len="med"/>
+                    </a:lnL>
+                    <a:lnR w="12700" cap="flat" cmpd="sng" algn="ctr">
+                      <a:solidFill>
+                        <a:schemeClr val="tx1"/>
+                      </a:solidFill>
+                      <a:prstDash val="solid"/>
+                      <a:round/>
+                      <a:headEnd type="none" w="med" len="med"/>
+                      <a:tailEnd type="none" w="med" len="med"/>
+                    </a:lnR>
+                    <a:lnT w="12700" cap="flat" cmpd="sng" algn="ctr">
+                      <a:solidFill>
+                        <a:schemeClr val="tx1"/>
+                      </a:solidFill>
+                      <a:prstDash val="solid"/>
+                      <a:round/>
+                      <a:headEnd type="none" w="med" len="med"/>
+                      <a:tailEnd type="none" w="med" len="med"/>
+                    </a:lnT>
+                    <a:lnB w="12700" cap="flat" cmpd="sng" algn="ctr">
+                      <a:solidFill>
+                        <a:schemeClr val="tx1"/>
+                      </a:solidFill>
+                      <a:prstDash val="solid"/>
+                      <a:round/>
+                      <a:headEnd type="none" w="med" len="med"/>
+                      <a:tailEnd type="none" w="med" len="med"/>
+                    </a:lnB>
+                    <a:solidFill>
+                      <a:schemeClr val="bg1"/>
+                    </a:solidFill>
+                  </a:tcPr>
+                </a:tc>
+                <a:extLst>
+                  <a:ext uri="{0D108BD9-81ED-4DB2-BD59-A6C34878D82A}">
+                    <a16:rowId xmlns:a16="http://schemas.microsoft.com/office/drawing/2014/main" val="2674377722"/>
+                  </a:ext>
+                </a:extLst>
+              </a:tr>
+              <a:tr h="284626">
+                <a:tc>
+                  <a:txBody>
+                    <a:bodyPr/>
+                    <a:lstStyle/>
+                    <a:p>
+                      <a:pPr latinLnBrk="1"/>
+                      <a:r>
+                        <a:rPr lang="en-US" altLang="ko-KR" sz="1400" b="0" dirty="0">
+                          <a:solidFill>
+                            <a:schemeClr val="tx1"/>
+                          </a:solidFill>
+                          <a:latin typeface="-윤고딕320" panose="02030504000101010101" pitchFamily="18" charset="-127"/>
+                          <a:ea typeface="-윤고딕320" panose="02030504000101010101" pitchFamily="18" charset="-127"/>
+                        </a:rPr>
+                        <a:t>Flash Memory	</a:t>
+                      </a:r>
+                      <a:endParaRPr lang="ko-KR" altLang="en-US" sz="1400" b="0" dirty="0">
+                        <a:solidFill>
+                          <a:schemeClr val="tx1"/>
+                        </a:solidFill>
+                        <a:latin typeface="-윤고딕320" panose="02030504000101010101" pitchFamily="18" charset="-127"/>
+                        <a:ea typeface="-윤고딕320" panose="02030504000101010101" pitchFamily="18" charset="-127"/>
+                      </a:endParaRPr>
+                    </a:p>
+                  </a:txBody>
+                  <a:tcPr>
+                    <a:lnL w="12700" cap="flat" cmpd="sng" algn="ctr">
+                      <a:solidFill>
+                        <a:schemeClr val="tx1"/>
+                      </a:solidFill>
+                      <a:prstDash val="solid"/>
+                      <a:round/>
+                      <a:headEnd type="none" w="med" len="med"/>
+                      <a:tailEnd type="none" w="med" len="med"/>
+                    </a:lnL>
+                    <a:lnR w="12700" cap="flat" cmpd="sng" algn="ctr">
+                      <a:solidFill>
+                        <a:schemeClr val="tx1"/>
+                      </a:solidFill>
+                      <a:prstDash val="solid"/>
+                      <a:round/>
+                      <a:headEnd type="none" w="med" len="med"/>
+                      <a:tailEnd type="none" w="med" len="med"/>
+                    </a:lnR>
+                    <a:lnT w="12700" cap="flat" cmpd="sng" algn="ctr">
+                      <a:solidFill>
+                        <a:schemeClr val="tx1"/>
+                      </a:solidFill>
+                      <a:prstDash val="solid"/>
+                      <a:round/>
+                      <a:headEnd type="none" w="med" len="med"/>
+                      <a:tailEnd type="none" w="med" len="med"/>
+                    </a:lnT>
+                    <a:lnB w="12700" cap="flat" cmpd="sng" algn="ctr">
+                      <a:solidFill>
+                        <a:schemeClr val="tx1"/>
+                      </a:solidFill>
+                      <a:prstDash val="solid"/>
+                      <a:round/>
+                      <a:headEnd type="none" w="med" len="med"/>
+                      <a:tailEnd type="none" w="med" len="med"/>
+                    </a:lnB>
+                    <a:solidFill>
+                      <a:schemeClr val="bg2"/>
+                    </a:solidFill>
+                  </a:tcPr>
+                </a:tc>
+                <a:tc>
+                  <a:txBody>
+                    <a:bodyPr/>
+                    <a:lstStyle/>
+                    <a:p>
+                      <a:pPr latinLnBrk="1"/>
+                      <a:r>
+                        <a:rPr lang="en-US" altLang="ko-KR" sz="1400" b="0" dirty="0">
+                          <a:solidFill>
+                            <a:schemeClr val="tx1"/>
+                          </a:solidFill>
+                          <a:latin typeface="-윤고딕320" panose="02030504000101010101" pitchFamily="18" charset="-127"/>
+                          <a:ea typeface="-윤고딕320" panose="02030504000101010101" pitchFamily="18" charset="-127"/>
+                        </a:rPr>
+                        <a:t>32KB(0.5KB bootloader)</a:t>
+                      </a:r>
+                      <a:endParaRPr lang="ko-KR" altLang="en-US" sz="1400" b="0" dirty="0">
+                        <a:solidFill>
+                          <a:schemeClr val="tx1"/>
+                        </a:solidFill>
+                        <a:latin typeface="-윤고딕320" panose="02030504000101010101" pitchFamily="18" charset="-127"/>
+                        <a:ea typeface="-윤고딕320" panose="02030504000101010101" pitchFamily="18" charset="-127"/>
+                      </a:endParaRPr>
+                    </a:p>
+                  </a:txBody>
+                  <a:tcPr>
+                    <a:lnL w="12700" cap="flat" cmpd="sng" algn="ctr">
+                      <a:solidFill>
+                        <a:schemeClr val="tx1"/>
+                      </a:solidFill>
+                      <a:prstDash val="solid"/>
+                      <a:round/>
+                      <a:headEnd type="none" w="med" len="med"/>
+                      <a:tailEnd type="none" w="med" len="med"/>
+                    </a:lnL>
+                    <a:lnR w="12700" cap="flat" cmpd="sng" algn="ctr">
+                      <a:solidFill>
+                        <a:schemeClr val="tx1"/>
+                      </a:solidFill>
+                      <a:prstDash val="solid"/>
+                      <a:round/>
+                      <a:headEnd type="none" w="med" len="med"/>
+                      <a:tailEnd type="none" w="med" len="med"/>
+                    </a:lnR>
+                    <a:lnT w="12700" cap="flat" cmpd="sng" algn="ctr">
+                      <a:solidFill>
+                        <a:schemeClr val="tx1"/>
+                      </a:solidFill>
+                      <a:prstDash val="solid"/>
+                      <a:round/>
+                      <a:headEnd type="none" w="med" len="med"/>
+                      <a:tailEnd type="none" w="med" len="med"/>
+                    </a:lnT>
+                    <a:lnB w="12700" cap="flat" cmpd="sng" algn="ctr">
+                      <a:solidFill>
+                        <a:schemeClr val="tx1"/>
+                      </a:solidFill>
+                      <a:prstDash val="solid"/>
+                      <a:round/>
+                      <a:headEnd type="none" w="med" len="med"/>
+                      <a:tailEnd type="none" w="med" len="med"/>
+                    </a:lnB>
+                    <a:solidFill>
+                      <a:schemeClr val="bg1"/>
+                    </a:solidFill>
+                  </a:tcPr>
+                </a:tc>
+                <a:extLst>
+                  <a:ext uri="{0D108BD9-81ED-4DB2-BD59-A6C34878D82A}">
+                    <a16:rowId xmlns:a16="http://schemas.microsoft.com/office/drawing/2014/main" val="91185533"/>
+                  </a:ext>
+                </a:extLst>
+              </a:tr>
+              <a:tr h="284626">
+                <a:tc>
+                  <a:txBody>
+                    <a:bodyPr/>
+                    <a:lstStyle/>
+                    <a:p>
+                      <a:pPr latinLnBrk="1"/>
+                      <a:r>
+                        <a:rPr lang="en-US" altLang="ko-KR" sz="1400" b="0" dirty="0">
+                          <a:solidFill>
+                            <a:schemeClr val="tx1"/>
+                          </a:solidFill>
+                          <a:latin typeface="-윤고딕320" panose="02030504000101010101" pitchFamily="18" charset="-127"/>
+                          <a:ea typeface="-윤고딕320" panose="02030504000101010101" pitchFamily="18" charset="-127"/>
+                        </a:rPr>
+                        <a:t>SRAM	</a:t>
+                      </a:r>
+                      <a:endParaRPr lang="ko-KR" altLang="en-US" sz="1400" b="0" dirty="0">
+                        <a:solidFill>
+                          <a:schemeClr val="tx1"/>
+                        </a:solidFill>
+                        <a:latin typeface="-윤고딕320" panose="02030504000101010101" pitchFamily="18" charset="-127"/>
+                        <a:ea typeface="-윤고딕320" panose="02030504000101010101" pitchFamily="18" charset="-127"/>
+                      </a:endParaRPr>
+                    </a:p>
+                  </a:txBody>
+                  <a:tcPr>
+                    <a:lnL w="12700" cap="flat" cmpd="sng" algn="ctr">
+                      <a:solidFill>
+                        <a:schemeClr val="tx1"/>
+                      </a:solidFill>
+                      <a:prstDash val="solid"/>
+                      <a:round/>
+                      <a:headEnd type="none" w="med" len="med"/>
+                      <a:tailEnd type="none" w="med" len="med"/>
+                    </a:lnL>
+                    <a:lnR w="12700" cap="flat" cmpd="sng" algn="ctr">
+                      <a:solidFill>
+                        <a:schemeClr val="tx1"/>
+                      </a:solidFill>
+                      <a:prstDash val="solid"/>
+                      <a:round/>
+                      <a:headEnd type="none" w="med" len="med"/>
+                      <a:tailEnd type="none" w="med" len="med"/>
+                    </a:lnR>
+                    <a:lnT w="12700" cap="flat" cmpd="sng" algn="ctr">
+                      <a:solidFill>
+                        <a:schemeClr val="tx1"/>
+                      </a:solidFill>
+                      <a:prstDash val="solid"/>
+                      <a:round/>
+                      <a:headEnd type="none" w="med" len="med"/>
+                      <a:tailEnd type="none" w="med" len="med"/>
+                    </a:lnT>
+                    <a:lnB w="12700" cap="flat" cmpd="sng" algn="ctr">
+                      <a:solidFill>
+                        <a:schemeClr val="tx1"/>
+                      </a:solidFill>
+                      <a:prstDash val="solid"/>
+                      <a:round/>
+                      <a:headEnd type="none" w="med" len="med"/>
+                      <a:tailEnd type="none" w="med" len="med"/>
+                    </a:lnB>
+                    <a:solidFill>
+                      <a:schemeClr val="bg2"/>
+                    </a:solidFill>
+                  </a:tcPr>
+                </a:tc>
+                <a:tc>
+                  <a:txBody>
+                    <a:bodyPr/>
+                    <a:lstStyle/>
+                    <a:p>
+                      <a:pPr latinLnBrk="1"/>
+                      <a:r>
+                        <a:rPr lang="en-US" altLang="ko-KR" sz="1400" b="0" dirty="0">
+                          <a:solidFill>
+                            <a:schemeClr val="tx1"/>
+                          </a:solidFill>
+                          <a:latin typeface="-윤고딕320" panose="02030504000101010101" pitchFamily="18" charset="-127"/>
+                          <a:ea typeface="-윤고딕320" panose="02030504000101010101" pitchFamily="18" charset="-127"/>
+                        </a:rPr>
+                        <a:t>2KB</a:t>
+                      </a:r>
+                      <a:endParaRPr lang="ko-KR" altLang="en-US" sz="1400" b="0" dirty="0">
+                        <a:solidFill>
+                          <a:schemeClr val="tx1"/>
+                        </a:solidFill>
+                        <a:latin typeface="-윤고딕320" panose="02030504000101010101" pitchFamily="18" charset="-127"/>
+                        <a:ea typeface="-윤고딕320" panose="02030504000101010101" pitchFamily="18" charset="-127"/>
+                      </a:endParaRPr>
+                    </a:p>
+                  </a:txBody>
+                  <a:tcPr>
+                    <a:lnL w="12700" cap="flat" cmpd="sng" algn="ctr">
+                      <a:solidFill>
+                        <a:schemeClr val="tx1"/>
+                      </a:solidFill>
+                      <a:prstDash val="solid"/>
+                      <a:round/>
+                      <a:headEnd type="none" w="med" len="med"/>
+                      <a:tailEnd type="none" w="med" len="med"/>
+                    </a:lnL>
+                    <a:lnR w="12700" cap="flat" cmpd="sng" algn="ctr">
+                      <a:solidFill>
+                        <a:schemeClr val="tx1"/>
+                      </a:solidFill>
+                      <a:prstDash val="solid"/>
+                      <a:round/>
+                      <a:headEnd type="none" w="med" len="med"/>
+                      <a:tailEnd type="none" w="med" len="med"/>
+                    </a:lnR>
+                    <a:lnT w="12700" cap="flat" cmpd="sng" algn="ctr">
+                      <a:solidFill>
+                        <a:schemeClr val="tx1"/>
+                      </a:solidFill>
+                      <a:prstDash val="solid"/>
+                      <a:round/>
+                      <a:headEnd type="none" w="med" len="med"/>
+                      <a:tailEnd type="none" w="med" len="med"/>
+                    </a:lnT>
+                    <a:lnB w="12700" cap="flat" cmpd="sng" algn="ctr">
+                      <a:solidFill>
+                        <a:schemeClr val="tx1"/>
+                      </a:solidFill>
+                      <a:prstDash val="solid"/>
+                      <a:round/>
+                      <a:headEnd type="none" w="med" len="med"/>
+                      <a:tailEnd type="none" w="med" len="med"/>
+                    </a:lnB>
+                    <a:solidFill>
+                      <a:schemeClr val="bg1"/>
+                    </a:solidFill>
+                  </a:tcPr>
+                </a:tc>
+                <a:extLst>
+                  <a:ext uri="{0D108BD9-81ED-4DB2-BD59-A6C34878D82A}">
+                    <a16:rowId xmlns:a16="http://schemas.microsoft.com/office/drawing/2014/main" val="563017015"/>
+                  </a:ext>
+                </a:extLst>
+              </a:tr>
+              <a:tr h="284626">
+                <a:tc>
+                  <a:txBody>
+                    <a:bodyPr/>
+                    <a:lstStyle/>
+                    <a:p>
+                      <a:pPr latinLnBrk="1"/>
+                      <a:r>
+                        <a:rPr lang="en-US" altLang="ko-KR" sz="1400" b="0" dirty="0">
+                          <a:solidFill>
+                            <a:schemeClr val="tx1"/>
+                          </a:solidFill>
+                          <a:latin typeface="-윤고딕320" panose="02030504000101010101" pitchFamily="18" charset="-127"/>
+                          <a:ea typeface="-윤고딕320" panose="02030504000101010101" pitchFamily="18" charset="-127"/>
+                        </a:rPr>
+                        <a:t>EEPROM</a:t>
+                      </a:r>
+                      <a:endParaRPr lang="ko-KR" altLang="en-US" sz="1400" b="0" dirty="0">
+                        <a:solidFill>
+                          <a:schemeClr val="tx1"/>
+                        </a:solidFill>
+                        <a:latin typeface="-윤고딕320" panose="02030504000101010101" pitchFamily="18" charset="-127"/>
+                        <a:ea typeface="-윤고딕320" panose="02030504000101010101" pitchFamily="18" charset="-127"/>
+                      </a:endParaRPr>
+                    </a:p>
+                  </a:txBody>
+                  <a:tcPr>
+                    <a:lnL w="12700" cap="flat" cmpd="sng" algn="ctr">
+                      <a:solidFill>
+                        <a:schemeClr val="tx1"/>
+                      </a:solidFill>
+                      <a:prstDash val="solid"/>
+                      <a:round/>
+                      <a:headEnd type="none" w="med" len="med"/>
+                      <a:tailEnd type="none" w="med" len="med"/>
+                    </a:lnL>
+                    <a:lnR w="12700" cap="flat" cmpd="sng" algn="ctr">
+                      <a:solidFill>
+                        <a:schemeClr val="tx1"/>
+                      </a:solidFill>
+                      <a:prstDash val="solid"/>
+                      <a:round/>
+                      <a:headEnd type="none" w="med" len="med"/>
+                      <a:tailEnd type="none" w="med" len="med"/>
+                    </a:lnR>
+                    <a:lnT w="12700" cap="flat" cmpd="sng" algn="ctr">
+                      <a:solidFill>
+                        <a:schemeClr val="tx1"/>
+                      </a:solidFill>
+                      <a:prstDash val="solid"/>
+                      <a:round/>
+                      <a:headEnd type="none" w="med" len="med"/>
+                      <a:tailEnd type="none" w="med" len="med"/>
+                    </a:lnT>
+                    <a:lnB w="12700" cap="flat" cmpd="sng" algn="ctr">
+                      <a:solidFill>
+                        <a:schemeClr val="tx1"/>
+                      </a:solidFill>
+                      <a:prstDash val="solid"/>
+                      <a:round/>
+                      <a:headEnd type="none" w="med" len="med"/>
+                      <a:tailEnd type="none" w="med" len="med"/>
+                    </a:lnB>
+                    <a:solidFill>
+                      <a:schemeClr val="bg2"/>
+                    </a:solidFill>
+                  </a:tcPr>
+                </a:tc>
+                <a:tc>
+                  <a:txBody>
+                    <a:bodyPr/>
+                    <a:lstStyle/>
+                    <a:p>
+                      <a:pPr latinLnBrk="1"/>
+                      <a:r>
+                        <a:rPr lang="en-US" altLang="ko-KR" sz="1400" b="0" dirty="0">
+                          <a:solidFill>
+                            <a:schemeClr val="tx1"/>
+                          </a:solidFill>
+                          <a:latin typeface="-윤고딕320" panose="02030504000101010101" pitchFamily="18" charset="-127"/>
+                          <a:ea typeface="-윤고딕320" panose="02030504000101010101" pitchFamily="18" charset="-127"/>
+                        </a:rPr>
+                        <a:t>1KB</a:t>
+                      </a:r>
+                      <a:endParaRPr lang="ko-KR" altLang="en-US" sz="1400" b="0" dirty="0">
+                        <a:solidFill>
+                          <a:schemeClr val="tx1"/>
+                        </a:solidFill>
+                        <a:latin typeface="-윤고딕320" panose="02030504000101010101" pitchFamily="18" charset="-127"/>
+                        <a:ea typeface="-윤고딕320" panose="02030504000101010101" pitchFamily="18" charset="-127"/>
+                      </a:endParaRPr>
+                    </a:p>
+                  </a:txBody>
+                  <a:tcPr>
+                    <a:lnL w="12700" cap="flat" cmpd="sng" algn="ctr">
+                      <a:solidFill>
+                        <a:schemeClr val="tx1"/>
+                      </a:solidFill>
+                      <a:prstDash val="solid"/>
+                      <a:round/>
+                      <a:headEnd type="none" w="med" len="med"/>
+                      <a:tailEnd type="none" w="med" len="med"/>
+                    </a:lnL>
+                    <a:lnR w="12700" cap="flat" cmpd="sng" algn="ctr">
+                      <a:solidFill>
+                        <a:schemeClr val="tx1"/>
+                      </a:solidFill>
+                      <a:prstDash val="solid"/>
+                      <a:round/>
+                      <a:headEnd type="none" w="med" len="med"/>
+                      <a:tailEnd type="none" w="med" len="med"/>
+                    </a:lnR>
+                    <a:lnT w="12700" cap="flat" cmpd="sng" algn="ctr">
+                      <a:solidFill>
+                        <a:schemeClr val="tx1"/>
+                      </a:solidFill>
+                      <a:prstDash val="solid"/>
+                      <a:round/>
+                      <a:headEnd type="none" w="med" len="med"/>
+                      <a:tailEnd type="none" w="med" len="med"/>
+                    </a:lnT>
+                    <a:lnB w="12700" cap="flat" cmpd="sng" algn="ctr">
+                      <a:solidFill>
+                        <a:schemeClr val="tx1"/>
+                      </a:solidFill>
+                      <a:prstDash val="solid"/>
+                      <a:round/>
+                      <a:headEnd type="none" w="med" len="med"/>
+                      <a:tailEnd type="none" w="med" len="med"/>
+                    </a:lnB>
+                    <a:solidFill>
+                      <a:schemeClr val="bg1"/>
+                    </a:solidFill>
+                  </a:tcPr>
+                </a:tc>
+                <a:extLst>
+                  <a:ext uri="{0D108BD9-81ED-4DB2-BD59-A6C34878D82A}">
+                    <a16:rowId xmlns:a16="http://schemas.microsoft.com/office/drawing/2014/main" val="4006877682"/>
+                  </a:ext>
+                </a:extLst>
+              </a:tr>
+              <a:tr h="284626">
+                <a:tc>
+                  <a:txBody>
+                    <a:bodyPr/>
+                    <a:lstStyle/>
+                    <a:p>
+                      <a:pPr latinLnBrk="1"/>
+                      <a:r>
+                        <a:rPr lang="en-US" altLang="ko-KR" sz="1400" b="0" dirty="0">
+                          <a:solidFill>
+                            <a:schemeClr val="tx1"/>
+                          </a:solidFill>
+                          <a:latin typeface="-윤고딕320" panose="02030504000101010101" pitchFamily="18" charset="-127"/>
+                          <a:ea typeface="-윤고딕320" panose="02030504000101010101" pitchFamily="18" charset="-127"/>
+                        </a:rPr>
+                        <a:t>Clock Speed</a:t>
+                      </a:r>
+                      <a:endParaRPr lang="ko-KR" altLang="en-US" sz="1400" b="0" dirty="0">
+                        <a:solidFill>
+                          <a:schemeClr val="tx1"/>
+                        </a:solidFill>
+                        <a:latin typeface="-윤고딕320" panose="02030504000101010101" pitchFamily="18" charset="-127"/>
+                        <a:ea typeface="-윤고딕320" panose="02030504000101010101" pitchFamily="18" charset="-127"/>
+                      </a:endParaRPr>
+                    </a:p>
+                  </a:txBody>
+                  <a:tcPr>
+                    <a:lnL w="12700" cap="flat" cmpd="sng" algn="ctr">
+                      <a:solidFill>
+                        <a:schemeClr val="tx1"/>
+                      </a:solidFill>
+                      <a:prstDash val="solid"/>
+                      <a:round/>
+                      <a:headEnd type="none" w="med" len="med"/>
+                      <a:tailEnd type="none" w="med" len="med"/>
+                    </a:lnL>
+                    <a:lnR w="12700" cap="flat" cmpd="sng" algn="ctr">
+                      <a:solidFill>
+                        <a:schemeClr val="tx1"/>
+                      </a:solidFill>
+                      <a:prstDash val="solid"/>
+                      <a:round/>
+                      <a:headEnd type="none" w="med" len="med"/>
+                      <a:tailEnd type="none" w="med" len="med"/>
+                    </a:lnR>
+                    <a:lnT w="12700" cap="flat" cmpd="sng" algn="ctr">
+                      <a:solidFill>
+                        <a:schemeClr val="tx1"/>
+                      </a:solidFill>
+                      <a:prstDash val="solid"/>
+                      <a:round/>
+                      <a:headEnd type="none" w="med" len="med"/>
+                      <a:tailEnd type="none" w="med" len="med"/>
+                    </a:lnT>
+                    <a:lnB w="12700" cap="flat" cmpd="sng" algn="ctr">
+                      <a:solidFill>
+                        <a:schemeClr val="tx1"/>
+                      </a:solidFill>
+                      <a:prstDash val="solid"/>
+                      <a:round/>
+                      <a:headEnd type="none" w="med" len="med"/>
+                      <a:tailEnd type="none" w="med" len="med"/>
+                    </a:lnB>
+                    <a:solidFill>
+                      <a:schemeClr val="bg2"/>
+                    </a:solidFill>
+                  </a:tcPr>
+                </a:tc>
+                <a:tc>
+                  <a:txBody>
+                    <a:bodyPr/>
+                    <a:lstStyle/>
+                    <a:p>
+                      <a:pPr latinLnBrk="1"/>
+                      <a:r>
+                        <a:rPr lang="en-US" altLang="ko-KR" sz="1400" b="0" dirty="0">
+                          <a:ln>
+                            <a:solidFill>
+                              <a:schemeClr val="tx1"/>
+                            </a:solidFill>
+                          </a:ln>
+                          <a:solidFill>
+                            <a:schemeClr val="tx1"/>
+                          </a:solidFill>
+                          <a:latin typeface="-윤고딕320" panose="02030504000101010101" pitchFamily="18" charset="-127"/>
+                          <a:ea typeface="-윤고딕320" panose="02030504000101010101" pitchFamily="18" charset="-127"/>
+                        </a:rPr>
+                        <a:t>16MHz</a:t>
+                      </a:r>
+                      <a:endParaRPr lang="ko-KR" altLang="en-US" sz="1400" b="0" dirty="0">
+                        <a:ln>
+                          <a:solidFill>
+                            <a:schemeClr val="tx1"/>
+                          </a:solidFill>
+                        </a:ln>
+                        <a:solidFill>
+                          <a:schemeClr val="tx1"/>
+                        </a:solidFill>
+                        <a:latin typeface="-윤고딕320" panose="02030504000101010101" pitchFamily="18" charset="-127"/>
+                        <a:ea typeface="-윤고딕320" panose="02030504000101010101" pitchFamily="18" charset="-127"/>
+                      </a:endParaRPr>
+                    </a:p>
+                  </a:txBody>
+                  <a:tcPr>
+                    <a:lnL w="12700" cap="flat" cmpd="sng" algn="ctr">
+                      <a:solidFill>
+                        <a:schemeClr val="tx1"/>
+                      </a:solidFill>
+                      <a:prstDash val="solid"/>
+                      <a:round/>
+                      <a:headEnd type="none" w="med" len="med"/>
+                      <a:tailEnd type="none" w="med" len="med"/>
+                    </a:lnL>
+                    <a:lnR w="12700" cap="flat" cmpd="sng" algn="ctr">
+                      <a:solidFill>
+                        <a:schemeClr val="tx1"/>
+                      </a:solidFill>
+                      <a:prstDash val="solid"/>
+                      <a:round/>
+                      <a:headEnd type="none" w="med" len="med"/>
+                      <a:tailEnd type="none" w="med" len="med"/>
+                    </a:lnR>
+                    <a:lnT w="12700" cap="flat" cmpd="sng" algn="ctr">
+                      <a:solidFill>
+                        <a:schemeClr val="tx1"/>
+                      </a:solidFill>
+                      <a:prstDash val="solid"/>
+                      <a:round/>
+                      <a:headEnd type="none" w="med" len="med"/>
+                      <a:tailEnd type="none" w="med" len="med"/>
+                    </a:lnT>
+                    <a:lnB w="12700" cap="flat" cmpd="sng" algn="ctr">
+                      <a:solidFill>
+                        <a:schemeClr val="tx1"/>
+                      </a:solidFill>
+                      <a:prstDash val="solid"/>
+                      <a:round/>
+                      <a:headEnd type="none" w="med" len="med"/>
+                      <a:tailEnd type="none" w="med" len="med"/>
+                    </a:lnB>
+                    <a:solidFill>
+                      <a:schemeClr val="bg1"/>
+                    </a:solidFill>
+                  </a:tcPr>
+                </a:tc>
+                <a:extLst>
+                  <a:ext uri="{0D108BD9-81ED-4DB2-BD59-A6C34878D82A}">
+                    <a16:rowId xmlns:a16="http://schemas.microsoft.com/office/drawing/2014/main" val="1387617798"/>
+                  </a:ext>
+                </a:extLst>
+              </a:tr>
+            </a:tbl>
+          </a:graphicData>
+        </a:graphic>
+      </p:graphicFrame>
+    </p:spTree>
+    <p:extLst>
+      <p:ext uri="{BB962C8B-B14F-4D97-AF65-F5344CB8AC3E}">
+        <p14:creationId xmlns:p14="http://schemas.microsoft.com/office/powerpoint/2010/main" val="1183614628"/>
+      </p:ext>
+    </p:extLst>
+  </p:cSld>
+  <p:clrMapOvr>
+    <a:masterClrMapping/>
+  </p:clrMapOvr>
+</p:sld>
+</file>
+
+<file path=ppt/slides/slide12.xml><?xml version="1.0" encoding="utf-8"?>
+<p:sld xmlns:a="http://schemas.openxmlformats.org/drawingml/2006/main" xmlns:r="http://schemas.openxmlformats.org/officeDocument/2006/relationships" xmlns:p="http://schemas.openxmlformats.org/presentationml/2006/main">
+  <p:cSld>
+    <p:spTree>
+      <p:nvGrpSpPr>
+        <p:cNvPr id="1" name=""/>
+        <p:cNvGrpSpPr/>
+        <p:nvPr/>
+      </p:nvGrpSpPr>
+      <p:grpSpPr>
+        <a:xfrm>
+          <a:off x="0" y="0"/>
+          <a:ext cx="0" cy="0"/>
+          <a:chOff x="0" y="0"/>
+          <a:chExt cx="0" cy="0"/>
+        </a:xfrm>
+      </p:grpSpPr>
+      <p:cxnSp>
+        <p:nvCxnSpPr>
+          <p:cNvPr id="4" name="직선 연결선 3">
+            <a:extLst>
+              <a:ext uri="{FF2B5EF4-FFF2-40B4-BE49-F238E27FC236}">
+                <a16:creationId xmlns:a16="http://schemas.microsoft.com/office/drawing/2014/main" id="{4C80CCB9-1758-4328-B460-E82882B6F49F}"/>
+              </a:ext>
+            </a:extLst>
+          </p:cNvPr>
+          <p:cNvCxnSpPr/>
+          <p:nvPr/>
+        </p:nvCxnSpPr>
+        <p:spPr>
+          <a:xfrm>
+            <a:off x="508000" y="571500"/>
+            <a:ext cx="2400300" cy="0"/>
+          </a:xfrm>
+          <a:prstGeom prst="line">
+            <a:avLst/>
+          </a:prstGeom>
+          <a:ln w="19050">
+            <a:solidFill>
+              <a:schemeClr val="tx1"/>
+            </a:solidFill>
+          </a:ln>
+        </p:spPr>
+        <p:style>
+          <a:lnRef idx="1">
+            <a:schemeClr val="accent1"/>
+          </a:lnRef>
+          <a:fillRef idx="0">
+            <a:schemeClr val="accent1"/>
+          </a:fillRef>
+          <a:effectRef idx="0">
+            <a:schemeClr val="accent1"/>
+          </a:effectRef>
+          <a:fontRef idx="minor">
+            <a:schemeClr val="tx1"/>
+          </a:fontRef>
+        </p:style>
+      </p:cxnSp>
+      <p:cxnSp>
+        <p:nvCxnSpPr>
+          <p:cNvPr id="8" name="직선 연결선 7">
+            <a:extLst>
+              <a:ext uri="{FF2B5EF4-FFF2-40B4-BE49-F238E27FC236}">
+                <a16:creationId xmlns:a16="http://schemas.microsoft.com/office/drawing/2014/main" id="{DE9D3FAC-21C1-42F4-8C5A-7B6DD6578892}"/>
+              </a:ext>
+            </a:extLst>
+          </p:cNvPr>
+          <p:cNvCxnSpPr>
+            <a:cxnSpLocks/>
+          </p:cNvCxnSpPr>
+          <p:nvPr/>
+        </p:nvCxnSpPr>
+        <p:spPr>
+          <a:xfrm>
+            <a:off x="3251200" y="571500"/>
+            <a:ext cx="8242300" cy="0"/>
+          </a:xfrm>
+          <a:prstGeom prst="line">
+            <a:avLst/>
+          </a:prstGeom>
+          <a:ln w="19050">
+            <a:solidFill>
+              <a:schemeClr val="tx1"/>
+            </a:solidFill>
+          </a:ln>
+        </p:spPr>
+        <p:style>
+          <a:lnRef idx="1">
+            <a:schemeClr val="accent1"/>
+          </a:lnRef>
+          <a:fillRef idx="0">
+            <a:schemeClr val="accent1"/>
+          </a:fillRef>
+          <a:effectRef idx="0">
+            <a:schemeClr val="accent1"/>
+          </a:effectRef>
+          <a:fontRef idx="minor">
+            <a:schemeClr val="tx1"/>
+          </a:fontRef>
+        </p:style>
+      </p:cxnSp>
+      <p:sp>
+        <p:nvSpPr>
           <p:cNvPr id="13" name="TextBox 12">
             <a:extLst>
               <a:ext uri="{FF2B5EF4-FFF2-40B4-BE49-F238E27FC236}">
@@ -5709,30 +8162,1483 @@
           <a:lstStyle/>
           <a:p>
             <a:r>
-              <a:rPr lang="en-US" altLang="ko-KR" sz="2000" b="1">
+              <a:rPr lang="en-US" altLang="ko-KR" sz="2000" b="1" dirty="0">
                 <a:latin typeface="-윤고딕330" panose="02030504000101010101" pitchFamily="18" charset="-127"/>
                 <a:ea typeface="-윤고딕330" panose="02030504000101010101" pitchFamily="18" charset="-127"/>
               </a:rPr>
               <a:t>05 </a:t>
             </a:r>
             <a:r>
-              <a:rPr lang="ko-KR" altLang="en-US" sz="2000" b="1">
+              <a:rPr lang="ko-KR" altLang="en-US" sz="2000" b="1" dirty="0">
                 <a:latin typeface="-윤고딕330" panose="02030504000101010101" pitchFamily="18" charset="-127"/>
                 <a:ea typeface="-윤고딕330" panose="02030504000101010101" pitchFamily="18" charset="-127"/>
               </a:rPr>
               <a:t>개발 환경 및 개발 방법</a:t>
             </a:r>
-            <a:endParaRPr lang="en-US" altLang="ko-KR" sz="2000" b="1">
+            <a:endParaRPr lang="en-US" altLang="ko-KR" sz="2000" b="1" dirty="0">
               <a:latin typeface="-윤고딕330" panose="02030504000101010101" pitchFamily="18" charset="-127"/>
               <a:ea typeface="-윤고딕330" panose="02030504000101010101" pitchFamily="18" charset="-127"/>
             </a:endParaRPr>
           </a:p>
         </p:txBody>
       </p:sp>
+      <p:pic>
+        <p:nvPicPr>
+          <p:cNvPr id="2" name="그림 1">
+            <a:extLst>
+              <a:ext uri="{FF2B5EF4-FFF2-40B4-BE49-F238E27FC236}">
+                <a16:creationId xmlns:a16="http://schemas.microsoft.com/office/drawing/2014/main" id="{16029D6E-2C7C-4D24-9CF9-A38537BBF9AE}"/>
+              </a:ext>
+            </a:extLst>
+          </p:cNvPr>
+          <p:cNvPicPr>
+            <a:picLocks noChangeAspect="1"/>
+          </p:cNvPicPr>
+          <p:nvPr/>
+        </p:nvPicPr>
+        <p:blipFill>
+          <a:blip r:embed="rId2"/>
+          <a:stretch>
+            <a:fillRect/>
+          </a:stretch>
+        </p:blipFill>
+        <p:spPr>
+          <a:xfrm>
+            <a:off x="596754" y="1732934"/>
+            <a:ext cx="3497074" cy="4103329"/>
+          </a:xfrm>
+          <a:prstGeom prst="rect">
+            <a:avLst/>
+          </a:prstGeom>
+          <a:ln>
+            <a:solidFill>
+              <a:schemeClr val="tx1"/>
+            </a:solidFill>
+          </a:ln>
+        </p:spPr>
+      </p:pic>
+      <p:sp>
+        <p:nvSpPr>
+          <p:cNvPr id="7" name="TextBox 6">
+            <a:extLst>
+              <a:ext uri="{FF2B5EF4-FFF2-40B4-BE49-F238E27FC236}">
+                <a16:creationId xmlns:a16="http://schemas.microsoft.com/office/drawing/2014/main" id="{0ED2BF4F-0EBC-49BD-BA7B-542A319FFEE2}"/>
+              </a:ext>
+            </a:extLst>
+          </p:cNvPr>
+          <p:cNvSpPr txBox="1"/>
+          <p:nvPr/>
+        </p:nvSpPr>
+        <p:spPr>
+          <a:xfrm>
+            <a:off x="596754" y="736719"/>
+            <a:ext cx="10774880" cy="830997"/>
+          </a:xfrm>
+          <a:prstGeom prst="rect">
+            <a:avLst/>
+          </a:prstGeom>
+          <a:noFill/>
+        </p:spPr>
+        <p:txBody>
+          <a:bodyPr wrap="square" rtlCol="0">
+            <a:spAutoFit/>
+          </a:bodyPr>
+          <a:lstStyle/>
+          <a:p>
+            <a:r>
+              <a:rPr lang="en-US" altLang="ko-KR" sz="2400" dirty="0">
+                <a:latin typeface="-윤고딕 350"/>
+                <a:ea typeface="-윤고딕310" panose="02030504000101010101" pitchFamily="18" charset="-127"/>
+                <a:cs typeface="함초롬돋움" panose="020B0604000101010101" pitchFamily="50" charset="-127"/>
+              </a:rPr>
+              <a:t>◆ </a:t>
+            </a:r>
+            <a:r>
+              <a:rPr lang="ko-KR" altLang="en-US" sz="2400" dirty="0">
+                <a:latin typeface="-윤고딕 350"/>
+                <a:ea typeface="-윤고딕320" panose="02030504000101010101" pitchFamily="18" charset="-127"/>
+              </a:rPr>
+              <a:t>본 시스템은 스마트폰을 통해 제공하는 서비스로서 범용적으로 사용하는 </a:t>
+            </a:r>
+            <a:endParaRPr lang="en-US" altLang="ko-KR" sz="2400" dirty="0">
+              <a:latin typeface="-윤고딕 350"/>
+              <a:ea typeface="-윤고딕320" panose="02030504000101010101" pitchFamily="18" charset="-127"/>
+            </a:endParaRPr>
+          </a:p>
+          <a:p>
+            <a:r>
+              <a:rPr lang="en-US" altLang="ko-KR" sz="2400" dirty="0">
+                <a:latin typeface="-윤고딕 350"/>
+                <a:ea typeface="-윤고딕320" panose="02030504000101010101" pitchFamily="18" charset="-127"/>
+              </a:rPr>
+              <a:t>    </a:t>
+            </a:r>
+            <a:r>
+              <a:rPr lang="en-US" altLang="ko-KR" sz="2400" b="1" dirty="0">
+                <a:latin typeface="-윤고딕 350"/>
+                <a:ea typeface="-윤고딕320" panose="02030504000101010101" pitchFamily="18" charset="-127"/>
+              </a:rPr>
+              <a:t>Android Studio </a:t>
+            </a:r>
+            <a:r>
+              <a:rPr lang="ko-KR" altLang="en-US" sz="2400" dirty="0">
+                <a:latin typeface="-윤고딕 350"/>
+                <a:ea typeface="-윤고딕320" panose="02030504000101010101" pitchFamily="18" charset="-127"/>
+              </a:rPr>
+              <a:t>를 </a:t>
+            </a:r>
+            <a:r>
+              <a:rPr lang="ko-KR" altLang="en-US" sz="2400" b="1" dirty="0">
+                <a:latin typeface="-윤고딕 350"/>
+                <a:ea typeface="-윤고딕320" panose="02030504000101010101" pitchFamily="18" charset="-127"/>
+              </a:rPr>
+              <a:t>사용</a:t>
+            </a:r>
+            <a:r>
+              <a:rPr lang="ko-KR" altLang="en-US" sz="2400" dirty="0">
+                <a:latin typeface="-윤고딕 350"/>
+                <a:ea typeface="-윤고딕320" panose="02030504000101010101" pitchFamily="18" charset="-127"/>
+              </a:rPr>
+              <a:t>하여 어플을 제공한다</a:t>
+            </a:r>
+            <a:r>
+              <a:rPr lang="en-US" altLang="ko-KR" sz="2400" dirty="0">
+                <a:latin typeface="-윤고딕 350"/>
+                <a:ea typeface="-윤고딕320" panose="02030504000101010101" pitchFamily="18" charset="-127"/>
+              </a:rPr>
+              <a:t>.</a:t>
+            </a:r>
+            <a:endParaRPr lang="ko-KR" altLang="en-US" sz="2400" dirty="0">
+              <a:ln w="9525">
+                <a:noFill/>
+              </a:ln>
+              <a:latin typeface="-윤고딕 350"/>
+              <a:ea typeface="-윤고딕320" panose="02030504000101010101" pitchFamily="18" charset="-127"/>
+            </a:endParaRPr>
+          </a:p>
+        </p:txBody>
+      </p:sp>
+      <p:graphicFrame>
+        <p:nvGraphicFramePr>
+          <p:cNvPr id="5" name="표 4">
+            <a:extLst>
+              <a:ext uri="{FF2B5EF4-FFF2-40B4-BE49-F238E27FC236}">
+                <a16:creationId xmlns:a16="http://schemas.microsoft.com/office/drawing/2014/main" id="{38864B0C-6186-4CCE-813A-CC2331A9AA66}"/>
+              </a:ext>
+            </a:extLst>
+          </p:cNvPr>
+          <p:cNvGraphicFramePr>
+            <a:graphicFrameLocks noGrp="1"/>
+          </p:cNvGraphicFramePr>
+          <p:nvPr>
+            <p:extLst/>
+          </p:nvPr>
+        </p:nvGraphicFramePr>
+        <p:xfrm>
+          <a:off x="4298544" y="1732933"/>
+          <a:ext cx="7073090" cy="4103330"/>
+        </p:xfrm>
+        <a:graphic>
+          <a:graphicData uri="http://schemas.openxmlformats.org/drawingml/2006/table">
+            <a:tbl>
+              <a:tblPr firstRow="1" bandRow="1">
+                <a:tableStyleId>{5C22544A-7EE6-4342-B048-85BDC9FD1C3A}</a:tableStyleId>
+              </a:tblPr>
+              <a:tblGrid>
+                <a:gridCol w="1469958">
+                  <a:extLst>
+                    <a:ext uri="{9D8B030D-6E8A-4147-A177-3AD203B41FA5}">
+                      <a16:colId xmlns:a16="http://schemas.microsoft.com/office/drawing/2014/main" val="3769296612"/>
+                    </a:ext>
+                  </a:extLst>
+                </a:gridCol>
+                <a:gridCol w="5603132">
+                  <a:extLst>
+                    <a:ext uri="{9D8B030D-6E8A-4147-A177-3AD203B41FA5}">
+                      <a16:colId xmlns:a16="http://schemas.microsoft.com/office/drawing/2014/main" val="1833808400"/>
+                    </a:ext>
+                  </a:extLst>
+                </a:gridCol>
+              </a:tblGrid>
+              <a:tr h="586190">
+                <a:tc>
+                  <a:txBody>
+                    <a:bodyPr/>
+                    <a:lstStyle/>
+                    <a:p>
+                      <a:pPr algn="ctr" latinLnBrk="1"/>
+                      <a:r>
+                        <a:rPr lang="en-US" altLang="ko-KR" b="0" dirty="0">
+                          <a:ln w="9525">
+                            <a:noFill/>
+                          </a:ln>
+                          <a:solidFill>
+                            <a:schemeClr val="tx1"/>
+                          </a:solidFill>
+                          <a:latin typeface="-윤고딕320" panose="02030504000101010101" pitchFamily="18" charset="-127"/>
+                          <a:ea typeface="-윤고딕320" panose="02030504000101010101" pitchFamily="18" charset="-127"/>
+                        </a:rPr>
+                        <a:t>CPU</a:t>
+                      </a:r>
+                      <a:endParaRPr lang="ko-KR" altLang="en-US" b="0" dirty="0">
+                        <a:ln w="9525">
+                          <a:noFill/>
+                        </a:ln>
+                        <a:solidFill>
+                          <a:schemeClr val="tx1"/>
+                        </a:solidFill>
+                        <a:latin typeface="-윤고딕320" panose="02030504000101010101" pitchFamily="18" charset="-127"/>
+                        <a:ea typeface="-윤고딕320" panose="02030504000101010101" pitchFamily="18" charset="-127"/>
+                      </a:endParaRPr>
+                    </a:p>
+                  </a:txBody>
+                  <a:tcPr>
+                    <a:lnL w="12700" cap="flat" cmpd="sng" algn="ctr">
+                      <a:solidFill>
+                        <a:schemeClr val="tx1"/>
+                      </a:solidFill>
+                      <a:prstDash val="solid"/>
+                      <a:round/>
+                      <a:headEnd type="none" w="med" len="med"/>
+                      <a:tailEnd type="none" w="med" len="med"/>
+                    </a:lnL>
+                    <a:lnR w="12700" cap="flat" cmpd="sng" algn="ctr">
+                      <a:solidFill>
+                        <a:schemeClr val="tx1"/>
+                      </a:solidFill>
+                      <a:prstDash val="solid"/>
+                      <a:round/>
+                      <a:headEnd type="none" w="med" len="med"/>
+                      <a:tailEnd type="none" w="med" len="med"/>
+                    </a:lnR>
+                    <a:lnT w="12700" cap="flat" cmpd="sng" algn="ctr">
+                      <a:solidFill>
+                        <a:schemeClr val="tx1"/>
+                      </a:solidFill>
+                      <a:prstDash val="solid"/>
+                      <a:round/>
+                      <a:headEnd type="none" w="med" len="med"/>
+                      <a:tailEnd type="none" w="med" len="med"/>
+                    </a:lnT>
+                    <a:lnB w="12700" cap="flat" cmpd="sng" algn="ctr">
+                      <a:solidFill>
+                        <a:schemeClr val="tx1"/>
+                      </a:solidFill>
+                      <a:prstDash val="solid"/>
+                      <a:round/>
+                      <a:headEnd type="none" w="med" len="med"/>
+                      <a:tailEnd type="none" w="med" len="med"/>
+                    </a:lnB>
+                    <a:solidFill>
+                      <a:schemeClr val="bg2"/>
+                    </a:solidFill>
+                  </a:tcPr>
+                </a:tc>
+                <a:tc>
+                  <a:txBody>
+                    <a:bodyPr/>
+                    <a:lstStyle/>
+                    <a:p>
+                      <a:pPr algn="l"/>
+                      <a:r>
+                        <a:rPr lang="ko-KR" altLang="en-US" sz="1200" u="none" strike="noStrike" dirty="0">
+                          <a:ln>
+                            <a:noFill/>
+                          </a:ln>
+                          <a:solidFill>
+                            <a:schemeClr val="tx1"/>
+                          </a:solidFill>
+                          <a:effectLst/>
+                          <a:latin typeface="-윤고딕320" panose="02030504000101010101" pitchFamily="18" charset="-127"/>
+                          <a:ea typeface="-윤고딕320" panose="02030504000101010101" pitchFamily="18" charset="-127"/>
+                        </a:rPr>
+                        <a:t>삼성 </a:t>
+                      </a:r>
+                      <a:r>
+                        <a:rPr lang="ko-KR" altLang="en-US" sz="1200" u="none" strike="noStrike" dirty="0" err="1">
+                          <a:ln>
+                            <a:noFill/>
+                          </a:ln>
+                          <a:solidFill>
+                            <a:schemeClr val="tx1"/>
+                          </a:solidFill>
+                          <a:effectLst/>
+                          <a:latin typeface="-윤고딕320" panose="02030504000101010101" pitchFamily="18" charset="-127"/>
+                          <a:ea typeface="-윤고딕320" panose="02030504000101010101" pitchFamily="18" charset="-127"/>
+                        </a:rPr>
+                        <a:t>엑시노스</a:t>
+                      </a:r>
+                      <a:r>
+                        <a:rPr lang="ko-KR" altLang="en-US" sz="1200" u="none" strike="noStrike" dirty="0">
+                          <a:ln>
+                            <a:noFill/>
+                          </a:ln>
+                          <a:solidFill>
+                            <a:schemeClr val="tx1"/>
+                          </a:solidFill>
+                          <a:effectLst/>
+                          <a:latin typeface="-윤고딕320" panose="02030504000101010101" pitchFamily="18" charset="-127"/>
+                          <a:ea typeface="-윤고딕320" panose="02030504000101010101" pitchFamily="18" charset="-127"/>
+                        </a:rPr>
+                        <a:t> </a:t>
+                      </a:r>
+                      <a:r>
+                        <a:rPr lang="en-US" altLang="ko-KR" sz="1200" u="none" strike="noStrike" dirty="0">
+                          <a:ln>
+                            <a:noFill/>
+                          </a:ln>
+                          <a:solidFill>
+                            <a:schemeClr val="tx1"/>
+                          </a:solidFill>
+                          <a:effectLst/>
+                          <a:latin typeface="-윤고딕320" panose="02030504000101010101" pitchFamily="18" charset="-127"/>
+                          <a:ea typeface="-윤고딕320" panose="02030504000101010101" pitchFamily="18" charset="-127"/>
+                        </a:rPr>
+                        <a:t>9</a:t>
+                      </a:r>
+                      <a:r>
+                        <a:rPr lang="ko-KR" altLang="en-US" sz="1200" dirty="0">
+                          <a:ln>
+                            <a:noFill/>
+                          </a:ln>
+                          <a:solidFill>
+                            <a:schemeClr val="tx1"/>
+                          </a:solidFill>
+                          <a:effectLst/>
+                          <a:latin typeface="-윤고딕320" panose="02030504000101010101" pitchFamily="18" charset="-127"/>
+                          <a:ea typeface="-윤고딕320" panose="02030504000101010101" pitchFamily="18" charset="-127"/>
+                        </a:rPr>
+                        <a:t> </a:t>
+                      </a:r>
+                      <a:r>
+                        <a:rPr lang="en-US" sz="1200" dirty="0">
+                          <a:ln>
+                            <a:noFill/>
+                          </a:ln>
+                          <a:solidFill>
+                            <a:schemeClr val="tx1"/>
+                          </a:solidFill>
+                          <a:effectLst/>
+                          <a:latin typeface="-윤고딕320" panose="02030504000101010101" pitchFamily="18" charset="-127"/>
+                          <a:ea typeface="-윤고딕320" panose="02030504000101010101" pitchFamily="18" charset="-127"/>
+                        </a:rPr>
+                        <a:t>Series 8895 </a:t>
+                      </a:r>
+                      <a:r>
+                        <a:rPr lang="ko-KR" altLang="en-US" sz="1200" dirty="0" err="1">
+                          <a:ln>
+                            <a:noFill/>
+                          </a:ln>
+                          <a:solidFill>
+                            <a:schemeClr val="tx1"/>
+                          </a:solidFill>
+                          <a:effectLst/>
+                          <a:latin typeface="-윤고딕320" panose="02030504000101010101" pitchFamily="18" charset="-127"/>
+                          <a:ea typeface="-윤고딕320" panose="02030504000101010101" pitchFamily="18" charset="-127"/>
+                        </a:rPr>
+                        <a:t>옥타코어</a:t>
+                      </a:r>
+                      <a:r>
+                        <a:rPr lang="ko-KR" altLang="en-US" sz="1200" dirty="0">
+                          <a:ln>
+                            <a:noFill/>
+                          </a:ln>
+                          <a:solidFill>
+                            <a:schemeClr val="tx1"/>
+                          </a:solidFill>
+                          <a:effectLst/>
+                          <a:latin typeface="-윤고딕320" panose="02030504000101010101" pitchFamily="18" charset="-127"/>
+                          <a:ea typeface="-윤고딕320" panose="02030504000101010101" pitchFamily="18" charset="-127"/>
+                        </a:rPr>
+                        <a:t> </a:t>
+                      </a:r>
+                      <a:r>
+                        <a:rPr lang="en-US" sz="1200" u="none" strike="noStrike" dirty="0">
+                          <a:ln>
+                            <a:noFill/>
+                          </a:ln>
+                          <a:solidFill>
+                            <a:schemeClr val="tx1"/>
+                          </a:solidFill>
+                          <a:effectLst/>
+                          <a:latin typeface="-윤고딕320" panose="02030504000101010101" pitchFamily="18" charset="-127"/>
+                          <a:ea typeface="-윤고딕320" panose="02030504000101010101" pitchFamily="18" charset="-127"/>
+                        </a:rPr>
+                        <a:t>CPU </a:t>
+                      </a:r>
+                      <a:r>
+                        <a:rPr lang="ko-KR" altLang="en-US" sz="1200" u="none" strike="noStrike" dirty="0" err="1">
+                          <a:ln>
+                            <a:noFill/>
+                          </a:ln>
+                          <a:solidFill>
+                            <a:schemeClr val="tx1"/>
+                          </a:solidFill>
+                          <a:effectLst/>
+                          <a:latin typeface="-윤고딕320" panose="02030504000101010101" pitchFamily="18" charset="-127"/>
+                          <a:ea typeface="-윤고딕320" panose="02030504000101010101" pitchFamily="18" charset="-127"/>
+                        </a:rPr>
+                        <a:t>아키텍쳐</a:t>
+                      </a:r>
+                      <a:r>
+                        <a:rPr lang="en-US" sz="1200" dirty="0">
+                          <a:ln>
+                            <a:noFill/>
+                          </a:ln>
+                          <a:solidFill>
+                            <a:schemeClr val="tx1"/>
+                          </a:solidFill>
+                          <a:effectLst/>
+                          <a:latin typeface="-윤고딕320" panose="02030504000101010101" pitchFamily="18" charset="-127"/>
+                          <a:ea typeface="-윤고딕320" panose="02030504000101010101" pitchFamily="18" charset="-127"/>
+                        </a:rPr>
+                        <a:t> MP4 2.3 GHz </a:t>
+                      </a:r>
+                      <a:r>
+                        <a:rPr lang="en-US" sz="1200" u="none" strike="noStrike" dirty="0">
+                          <a:ln>
+                            <a:noFill/>
+                          </a:ln>
+                          <a:solidFill>
+                            <a:schemeClr val="tx1"/>
+                          </a:solidFill>
+                          <a:effectLst/>
+                          <a:latin typeface="-윤고딕320" panose="02030504000101010101" pitchFamily="18" charset="-127"/>
+                          <a:ea typeface="-윤고딕320" panose="02030504000101010101" pitchFamily="18" charset="-127"/>
+                        </a:rPr>
+                        <a:t>CPU</a:t>
+                      </a:r>
+                      <a:r>
+                        <a:rPr lang="en-US" sz="1200" dirty="0">
+                          <a:ln>
+                            <a:noFill/>
+                          </a:ln>
+                          <a:solidFill>
+                            <a:schemeClr val="tx1"/>
+                          </a:solidFill>
+                          <a:effectLst/>
+                          <a:latin typeface="-윤고딕320" panose="02030504000101010101" pitchFamily="18" charset="-127"/>
+                          <a:ea typeface="-윤고딕320" panose="02030504000101010101" pitchFamily="18" charset="-127"/>
+                        </a:rPr>
+                        <a:t> + </a:t>
+                      </a:r>
+                      <a:r>
+                        <a:rPr lang="en-US" sz="1200" u="none" strike="noStrike" dirty="0">
+                          <a:ln>
+                            <a:noFill/>
+                          </a:ln>
+                          <a:solidFill>
+                            <a:schemeClr val="tx1"/>
+                          </a:solidFill>
+                          <a:effectLst/>
+                          <a:latin typeface="-윤고딕320" panose="02030504000101010101" pitchFamily="18" charset="-127"/>
+                          <a:ea typeface="-윤고딕320" panose="02030504000101010101" pitchFamily="18" charset="-127"/>
+                        </a:rPr>
+                        <a:t>ARM Cortex</a:t>
+                      </a:r>
+                      <a:r>
+                        <a:rPr lang="en-US" sz="1200" dirty="0">
+                          <a:ln>
+                            <a:noFill/>
+                          </a:ln>
+                          <a:solidFill>
+                            <a:schemeClr val="tx1"/>
+                          </a:solidFill>
+                          <a:effectLst/>
+                          <a:latin typeface="-윤고딕320" panose="02030504000101010101" pitchFamily="18" charset="-127"/>
+                          <a:ea typeface="-윤고딕320" panose="02030504000101010101" pitchFamily="18" charset="-127"/>
+                        </a:rPr>
+                        <a:t> MP4 1.7 GHz</a:t>
+                      </a:r>
+                    </a:p>
+                  </a:txBody>
+                  <a:tcPr marL="76200" marR="76200" marT="38100" marB="38100" anchor="ctr">
+                    <a:lnL w="12700" cap="flat" cmpd="sng" algn="ctr">
+                      <a:solidFill>
+                        <a:schemeClr val="tx1"/>
+                      </a:solidFill>
+                      <a:prstDash val="solid"/>
+                      <a:round/>
+                      <a:headEnd type="none" w="med" len="med"/>
+                      <a:tailEnd type="none" w="med" len="med"/>
+                    </a:lnL>
+                    <a:lnR w="12700" cap="flat" cmpd="sng" algn="ctr">
+                      <a:solidFill>
+                        <a:schemeClr val="tx1"/>
+                      </a:solidFill>
+                      <a:prstDash val="solid"/>
+                      <a:round/>
+                      <a:headEnd type="none" w="med" len="med"/>
+                      <a:tailEnd type="none" w="med" len="med"/>
+                    </a:lnR>
+                    <a:lnT w="12700" cap="flat" cmpd="sng" algn="ctr">
+                      <a:solidFill>
+                        <a:schemeClr val="tx1"/>
+                      </a:solidFill>
+                      <a:prstDash val="solid"/>
+                      <a:round/>
+                      <a:headEnd type="none" w="med" len="med"/>
+                      <a:tailEnd type="none" w="med" len="med"/>
+                    </a:lnT>
+                    <a:lnB w="12700" cap="flat" cmpd="sng" algn="ctr">
+                      <a:solidFill>
+                        <a:schemeClr val="tx1"/>
+                      </a:solidFill>
+                      <a:prstDash val="solid"/>
+                      <a:round/>
+                      <a:headEnd type="none" w="med" len="med"/>
+                      <a:tailEnd type="none" w="med" len="med"/>
+                    </a:lnB>
+                    <a:solidFill>
+                      <a:schemeClr val="bg1"/>
+                    </a:solidFill>
+                  </a:tcPr>
+                </a:tc>
+                <a:extLst>
+                  <a:ext uri="{0D108BD9-81ED-4DB2-BD59-A6C34878D82A}">
+                    <a16:rowId xmlns:a16="http://schemas.microsoft.com/office/drawing/2014/main" val="3292919118"/>
+                  </a:ext>
+                </a:extLst>
+              </a:tr>
+              <a:tr h="586190">
+                <a:tc>
+                  <a:txBody>
+                    <a:bodyPr/>
+                    <a:lstStyle/>
+                    <a:p>
+                      <a:pPr algn="ctr" latinLnBrk="1"/>
+                      <a:r>
+                        <a:rPr lang="en-US" altLang="ko-KR" b="0" dirty="0">
+                          <a:ln w="9525">
+                            <a:noFill/>
+                          </a:ln>
+                          <a:solidFill>
+                            <a:schemeClr val="tx1"/>
+                          </a:solidFill>
+                          <a:latin typeface="-윤고딕320" panose="02030504000101010101" pitchFamily="18" charset="-127"/>
+                          <a:ea typeface="-윤고딕320" panose="02030504000101010101" pitchFamily="18" charset="-127"/>
+                        </a:rPr>
+                        <a:t>Memory</a:t>
+                      </a:r>
+                      <a:endParaRPr lang="ko-KR" altLang="en-US" b="0" dirty="0">
+                        <a:ln w="9525">
+                          <a:noFill/>
+                        </a:ln>
+                        <a:solidFill>
+                          <a:schemeClr val="tx1"/>
+                        </a:solidFill>
+                        <a:latin typeface="-윤고딕320" panose="02030504000101010101" pitchFamily="18" charset="-127"/>
+                        <a:ea typeface="-윤고딕320" panose="02030504000101010101" pitchFamily="18" charset="-127"/>
+                      </a:endParaRPr>
+                    </a:p>
+                  </a:txBody>
+                  <a:tcPr>
+                    <a:lnL w="12700" cap="flat" cmpd="sng" algn="ctr">
+                      <a:solidFill>
+                        <a:schemeClr val="tx1"/>
+                      </a:solidFill>
+                      <a:prstDash val="solid"/>
+                      <a:round/>
+                      <a:headEnd type="none" w="med" len="med"/>
+                      <a:tailEnd type="none" w="med" len="med"/>
+                    </a:lnL>
+                    <a:lnR w="12700" cap="flat" cmpd="sng" algn="ctr">
+                      <a:solidFill>
+                        <a:schemeClr val="tx1"/>
+                      </a:solidFill>
+                      <a:prstDash val="solid"/>
+                      <a:round/>
+                      <a:headEnd type="none" w="med" len="med"/>
+                      <a:tailEnd type="none" w="med" len="med"/>
+                    </a:lnR>
+                    <a:lnT w="12700" cap="flat" cmpd="sng" algn="ctr">
+                      <a:solidFill>
+                        <a:schemeClr val="tx1"/>
+                      </a:solidFill>
+                      <a:prstDash val="solid"/>
+                      <a:round/>
+                      <a:headEnd type="none" w="med" len="med"/>
+                      <a:tailEnd type="none" w="med" len="med"/>
+                    </a:lnT>
+                    <a:lnB w="12700" cap="flat" cmpd="sng" algn="ctr">
+                      <a:solidFill>
+                        <a:schemeClr val="tx1"/>
+                      </a:solidFill>
+                      <a:prstDash val="solid"/>
+                      <a:round/>
+                      <a:headEnd type="none" w="med" len="med"/>
+                      <a:tailEnd type="none" w="med" len="med"/>
+                    </a:lnB>
+                    <a:solidFill>
+                      <a:schemeClr val="bg2"/>
+                    </a:solidFill>
+                  </a:tcPr>
+                </a:tc>
+                <a:tc>
+                  <a:txBody>
+                    <a:bodyPr/>
+                    <a:lstStyle/>
+                    <a:p>
+                      <a:pPr algn="l" latinLnBrk="1"/>
+                      <a:r>
+                        <a:rPr lang="en-US" altLang="ko-KR" dirty="0">
+                          <a:ln w="9525">
+                            <a:noFill/>
+                          </a:ln>
+                          <a:solidFill>
+                            <a:schemeClr val="tx1"/>
+                          </a:solidFill>
+                          <a:latin typeface="-윤고딕320" panose="02030504000101010101" pitchFamily="18" charset="-127"/>
+                          <a:ea typeface="-윤고딕320" panose="02030504000101010101" pitchFamily="18" charset="-127"/>
+                        </a:rPr>
+                        <a:t>6GB LPDDR4X SDRAM</a:t>
+                      </a:r>
+                      <a:endParaRPr lang="ko-KR" altLang="en-US" dirty="0">
+                        <a:ln w="9525">
+                          <a:noFill/>
+                        </a:ln>
+                        <a:solidFill>
+                          <a:schemeClr val="tx1"/>
+                        </a:solidFill>
+                        <a:latin typeface="-윤고딕320" panose="02030504000101010101" pitchFamily="18" charset="-127"/>
+                        <a:ea typeface="-윤고딕320" panose="02030504000101010101" pitchFamily="18" charset="-127"/>
+                      </a:endParaRPr>
+                    </a:p>
+                  </a:txBody>
+                  <a:tcPr>
+                    <a:lnL w="12700" cap="flat" cmpd="sng" algn="ctr">
+                      <a:solidFill>
+                        <a:schemeClr val="tx1"/>
+                      </a:solidFill>
+                      <a:prstDash val="solid"/>
+                      <a:round/>
+                      <a:headEnd type="none" w="med" len="med"/>
+                      <a:tailEnd type="none" w="med" len="med"/>
+                    </a:lnL>
+                    <a:lnR w="12700" cap="flat" cmpd="sng" algn="ctr">
+                      <a:solidFill>
+                        <a:schemeClr val="tx1"/>
+                      </a:solidFill>
+                      <a:prstDash val="solid"/>
+                      <a:round/>
+                      <a:headEnd type="none" w="med" len="med"/>
+                      <a:tailEnd type="none" w="med" len="med"/>
+                    </a:lnR>
+                    <a:lnT w="12700" cap="flat" cmpd="sng" algn="ctr">
+                      <a:solidFill>
+                        <a:schemeClr val="tx1"/>
+                      </a:solidFill>
+                      <a:prstDash val="solid"/>
+                      <a:round/>
+                      <a:headEnd type="none" w="med" len="med"/>
+                      <a:tailEnd type="none" w="med" len="med"/>
+                    </a:lnT>
+                    <a:lnB w="12700" cap="flat" cmpd="sng" algn="ctr">
+                      <a:solidFill>
+                        <a:schemeClr val="tx1"/>
+                      </a:solidFill>
+                      <a:prstDash val="solid"/>
+                      <a:round/>
+                      <a:headEnd type="none" w="med" len="med"/>
+                      <a:tailEnd type="none" w="med" len="med"/>
+                    </a:lnB>
+                    <a:solidFill>
+                      <a:schemeClr val="bg1"/>
+                    </a:solidFill>
+                  </a:tcPr>
+                </a:tc>
+                <a:extLst>
+                  <a:ext uri="{0D108BD9-81ED-4DB2-BD59-A6C34878D82A}">
+                    <a16:rowId xmlns:a16="http://schemas.microsoft.com/office/drawing/2014/main" val="924121363"/>
+                  </a:ext>
+                </a:extLst>
+              </a:tr>
+              <a:tr h="586190">
+                <a:tc>
+                  <a:txBody>
+                    <a:bodyPr/>
+                    <a:lstStyle/>
+                    <a:p>
+                      <a:pPr algn="ctr" latinLnBrk="1"/>
+                      <a:r>
+                        <a:rPr lang="en-US" altLang="ko-KR" b="0" dirty="0">
+                          <a:ln w="9525">
+                            <a:noFill/>
+                          </a:ln>
+                          <a:solidFill>
+                            <a:schemeClr val="tx1"/>
+                          </a:solidFill>
+                          <a:latin typeface="-윤고딕320" panose="02030504000101010101" pitchFamily="18" charset="-127"/>
+                          <a:ea typeface="-윤고딕320" panose="02030504000101010101" pitchFamily="18" charset="-127"/>
+                        </a:rPr>
+                        <a:t>Graphic</a:t>
+                      </a:r>
+                      <a:endParaRPr lang="ko-KR" altLang="en-US" b="0" dirty="0">
+                        <a:ln w="9525">
+                          <a:noFill/>
+                        </a:ln>
+                        <a:solidFill>
+                          <a:schemeClr val="tx1"/>
+                        </a:solidFill>
+                        <a:latin typeface="-윤고딕320" panose="02030504000101010101" pitchFamily="18" charset="-127"/>
+                        <a:ea typeface="-윤고딕320" panose="02030504000101010101" pitchFamily="18" charset="-127"/>
+                      </a:endParaRPr>
+                    </a:p>
+                  </a:txBody>
+                  <a:tcPr>
+                    <a:lnL w="12700" cap="flat" cmpd="sng" algn="ctr">
+                      <a:solidFill>
+                        <a:schemeClr val="tx1"/>
+                      </a:solidFill>
+                      <a:prstDash val="solid"/>
+                      <a:round/>
+                      <a:headEnd type="none" w="med" len="med"/>
+                      <a:tailEnd type="none" w="med" len="med"/>
+                    </a:lnL>
+                    <a:lnR w="12700" cap="flat" cmpd="sng" algn="ctr">
+                      <a:solidFill>
+                        <a:schemeClr val="tx1"/>
+                      </a:solidFill>
+                      <a:prstDash val="solid"/>
+                      <a:round/>
+                      <a:headEnd type="none" w="med" len="med"/>
+                      <a:tailEnd type="none" w="med" len="med"/>
+                    </a:lnR>
+                    <a:lnT w="12700" cap="flat" cmpd="sng" algn="ctr">
+                      <a:solidFill>
+                        <a:schemeClr val="tx1"/>
+                      </a:solidFill>
+                      <a:prstDash val="solid"/>
+                      <a:round/>
+                      <a:headEnd type="none" w="med" len="med"/>
+                      <a:tailEnd type="none" w="med" len="med"/>
+                    </a:lnT>
+                    <a:lnB w="12700" cap="flat" cmpd="sng" algn="ctr">
+                      <a:solidFill>
+                        <a:schemeClr val="tx1"/>
+                      </a:solidFill>
+                      <a:prstDash val="solid"/>
+                      <a:round/>
+                      <a:headEnd type="none" w="med" len="med"/>
+                      <a:tailEnd type="none" w="med" len="med"/>
+                    </a:lnB>
+                    <a:solidFill>
+                      <a:schemeClr val="bg2"/>
+                    </a:solidFill>
+                  </a:tcPr>
+                </a:tc>
+                <a:tc>
+                  <a:txBody>
+                    <a:bodyPr/>
+                    <a:lstStyle/>
+                    <a:p>
+                      <a:pPr algn="l" latinLnBrk="1"/>
+                      <a:r>
+                        <a:rPr lang="ko-KR" altLang="en-US" dirty="0" err="1">
+                          <a:ln w="9525">
+                            <a:noFill/>
+                          </a:ln>
+                          <a:solidFill>
+                            <a:schemeClr val="tx1"/>
+                          </a:solidFill>
+                          <a:latin typeface="-윤고딕320" panose="02030504000101010101" pitchFamily="18" charset="-127"/>
+                          <a:ea typeface="-윤고딕320" panose="02030504000101010101" pitchFamily="18" charset="-127"/>
+                        </a:rPr>
+                        <a:t>엑시노스</a:t>
+                      </a:r>
+                      <a:r>
+                        <a:rPr lang="ko-KR" altLang="en-US" dirty="0">
+                          <a:ln w="9525">
+                            <a:noFill/>
+                          </a:ln>
+                          <a:solidFill>
+                            <a:schemeClr val="tx1"/>
+                          </a:solidFill>
+                          <a:latin typeface="-윤고딕320" panose="02030504000101010101" pitchFamily="18" charset="-127"/>
+                          <a:ea typeface="-윤고딕320" panose="02030504000101010101" pitchFamily="18" charset="-127"/>
+                        </a:rPr>
+                        <a:t> </a:t>
+                      </a:r>
+                      <a:r>
+                        <a:rPr lang="en-US" altLang="ko-KR" dirty="0">
+                          <a:ln w="9525">
+                            <a:noFill/>
+                          </a:ln>
+                          <a:solidFill>
+                            <a:schemeClr val="tx1"/>
+                          </a:solidFill>
+                          <a:latin typeface="-윤고딕320" panose="02030504000101010101" pitchFamily="18" charset="-127"/>
+                          <a:ea typeface="-윤고딕320" panose="02030504000101010101" pitchFamily="18" charset="-127"/>
+                        </a:rPr>
+                        <a:t>ARM MALI-G71 MP20 546 MHz</a:t>
+                      </a:r>
+                      <a:endParaRPr lang="ko-KR" altLang="en-US" dirty="0">
+                        <a:ln w="9525">
+                          <a:noFill/>
+                        </a:ln>
+                        <a:solidFill>
+                          <a:schemeClr val="tx1"/>
+                        </a:solidFill>
+                        <a:latin typeface="-윤고딕320" panose="02030504000101010101" pitchFamily="18" charset="-127"/>
+                        <a:ea typeface="-윤고딕320" panose="02030504000101010101" pitchFamily="18" charset="-127"/>
+                      </a:endParaRPr>
+                    </a:p>
+                  </a:txBody>
+                  <a:tcPr>
+                    <a:lnL w="12700" cap="flat" cmpd="sng" algn="ctr">
+                      <a:solidFill>
+                        <a:schemeClr val="tx1"/>
+                      </a:solidFill>
+                      <a:prstDash val="solid"/>
+                      <a:round/>
+                      <a:headEnd type="none" w="med" len="med"/>
+                      <a:tailEnd type="none" w="med" len="med"/>
+                    </a:lnL>
+                    <a:lnR w="12700" cap="flat" cmpd="sng" algn="ctr">
+                      <a:solidFill>
+                        <a:schemeClr val="tx1"/>
+                      </a:solidFill>
+                      <a:prstDash val="solid"/>
+                      <a:round/>
+                      <a:headEnd type="none" w="med" len="med"/>
+                      <a:tailEnd type="none" w="med" len="med"/>
+                    </a:lnR>
+                    <a:lnT w="12700" cap="flat" cmpd="sng" algn="ctr">
+                      <a:solidFill>
+                        <a:schemeClr val="tx1"/>
+                      </a:solidFill>
+                      <a:prstDash val="solid"/>
+                      <a:round/>
+                      <a:headEnd type="none" w="med" len="med"/>
+                      <a:tailEnd type="none" w="med" len="med"/>
+                    </a:lnT>
+                    <a:lnB w="12700" cap="flat" cmpd="sng" algn="ctr">
+                      <a:solidFill>
+                        <a:schemeClr val="tx1"/>
+                      </a:solidFill>
+                      <a:prstDash val="solid"/>
+                      <a:round/>
+                      <a:headEnd type="none" w="med" len="med"/>
+                      <a:tailEnd type="none" w="med" len="med"/>
+                    </a:lnB>
+                    <a:solidFill>
+                      <a:schemeClr val="bg1"/>
+                    </a:solidFill>
+                  </a:tcPr>
+                </a:tc>
+                <a:extLst>
+                  <a:ext uri="{0D108BD9-81ED-4DB2-BD59-A6C34878D82A}">
+                    <a16:rowId xmlns:a16="http://schemas.microsoft.com/office/drawing/2014/main" val="2723158863"/>
+                  </a:ext>
+                </a:extLst>
+              </a:tr>
+              <a:tr h="586190">
+                <a:tc>
+                  <a:txBody>
+                    <a:bodyPr/>
+                    <a:lstStyle/>
+                    <a:p>
+                      <a:pPr algn="ctr" latinLnBrk="1"/>
+                      <a:r>
+                        <a:rPr lang="en-US" altLang="ko-KR" b="0" dirty="0">
+                          <a:ln w="9525">
+                            <a:noFill/>
+                          </a:ln>
+                          <a:solidFill>
+                            <a:schemeClr val="tx1"/>
+                          </a:solidFill>
+                          <a:latin typeface="-윤고딕320" panose="02030504000101010101" pitchFamily="18" charset="-127"/>
+                          <a:ea typeface="-윤고딕320" panose="02030504000101010101" pitchFamily="18" charset="-127"/>
+                        </a:rPr>
+                        <a:t>HDD</a:t>
+                      </a:r>
+                      <a:endParaRPr lang="ko-KR" altLang="en-US" b="0" dirty="0">
+                        <a:ln w="9525">
+                          <a:noFill/>
+                        </a:ln>
+                        <a:solidFill>
+                          <a:schemeClr val="tx1"/>
+                        </a:solidFill>
+                        <a:latin typeface="-윤고딕320" panose="02030504000101010101" pitchFamily="18" charset="-127"/>
+                        <a:ea typeface="-윤고딕320" panose="02030504000101010101" pitchFamily="18" charset="-127"/>
+                      </a:endParaRPr>
+                    </a:p>
+                  </a:txBody>
+                  <a:tcPr>
+                    <a:lnL w="12700" cap="flat" cmpd="sng" algn="ctr">
+                      <a:solidFill>
+                        <a:schemeClr val="tx1"/>
+                      </a:solidFill>
+                      <a:prstDash val="solid"/>
+                      <a:round/>
+                      <a:headEnd type="none" w="med" len="med"/>
+                      <a:tailEnd type="none" w="med" len="med"/>
+                    </a:lnL>
+                    <a:lnR w="12700" cap="flat" cmpd="sng" algn="ctr">
+                      <a:solidFill>
+                        <a:schemeClr val="tx1"/>
+                      </a:solidFill>
+                      <a:prstDash val="solid"/>
+                      <a:round/>
+                      <a:headEnd type="none" w="med" len="med"/>
+                      <a:tailEnd type="none" w="med" len="med"/>
+                    </a:lnR>
+                    <a:lnT w="12700" cap="flat" cmpd="sng" algn="ctr">
+                      <a:solidFill>
+                        <a:schemeClr val="tx1"/>
+                      </a:solidFill>
+                      <a:prstDash val="solid"/>
+                      <a:round/>
+                      <a:headEnd type="none" w="med" len="med"/>
+                      <a:tailEnd type="none" w="med" len="med"/>
+                    </a:lnT>
+                    <a:lnB w="12700" cap="flat" cmpd="sng" algn="ctr">
+                      <a:solidFill>
+                        <a:schemeClr val="tx1"/>
+                      </a:solidFill>
+                      <a:prstDash val="solid"/>
+                      <a:round/>
+                      <a:headEnd type="none" w="med" len="med"/>
+                      <a:tailEnd type="none" w="med" len="med"/>
+                    </a:lnB>
+                    <a:solidFill>
+                      <a:schemeClr val="bg2"/>
+                    </a:solidFill>
+                  </a:tcPr>
+                </a:tc>
+                <a:tc>
+                  <a:txBody>
+                    <a:bodyPr/>
+                    <a:lstStyle/>
+                    <a:p>
+                      <a:pPr algn="l" latinLnBrk="1"/>
+                      <a:r>
+                        <a:rPr lang="en-US" altLang="ko-KR" dirty="0">
+                          <a:ln w="9525">
+                            <a:noFill/>
+                          </a:ln>
+                          <a:solidFill>
+                            <a:schemeClr val="tx1"/>
+                          </a:solidFill>
+                          <a:latin typeface="-윤고딕320" panose="02030504000101010101" pitchFamily="18" charset="-127"/>
+                          <a:ea typeface="-윤고딕320" panose="02030504000101010101" pitchFamily="18" charset="-127"/>
+                        </a:rPr>
+                        <a:t>64 GB </a:t>
+                      </a:r>
+                      <a:r>
+                        <a:rPr lang="ko-KR" altLang="en-US" dirty="0">
+                          <a:ln w="9525">
+                            <a:noFill/>
+                          </a:ln>
+                          <a:solidFill>
+                            <a:schemeClr val="tx1"/>
+                          </a:solidFill>
+                          <a:latin typeface="-윤고딕320" panose="02030504000101010101" pitchFamily="18" charset="-127"/>
+                          <a:ea typeface="-윤고딕320" panose="02030504000101010101" pitchFamily="18" charset="-127"/>
+                        </a:rPr>
+                        <a:t>내장 메모리</a:t>
+                      </a:r>
+                    </a:p>
+                  </a:txBody>
+                  <a:tcPr>
+                    <a:lnL w="12700" cap="flat" cmpd="sng" algn="ctr">
+                      <a:solidFill>
+                        <a:schemeClr val="tx1"/>
+                      </a:solidFill>
+                      <a:prstDash val="solid"/>
+                      <a:round/>
+                      <a:headEnd type="none" w="med" len="med"/>
+                      <a:tailEnd type="none" w="med" len="med"/>
+                    </a:lnL>
+                    <a:lnR w="12700" cap="flat" cmpd="sng" algn="ctr">
+                      <a:solidFill>
+                        <a:schemeClr val="tx1"/>
+                      </a:solidFill>
+                      <a:prstDash val="solid"/>
+                      <a:round/>
+                      <a:headEnd type="none" w="med" len="med"/>
+                      <a:tailEnd type="none" w="med" len="med"/>
+                    </a:lnR>
+                    <a:lnT w="12700" cap="flat" cmpd="sng" algn="ctr">
+                      <a:solidFill>
+                        <a:schemeClr val="tx1"/>
+                      </a:solidFill>
+                      <a:prstDash val="solid"/>
+                      <a:round/>
+                      <a:headEnd type="none" w="med" len="med"/>
+                      <a:tailEnd type="none" w="med" len="med"/>
+                    </a:lnT>
+                    <a:lnB w="12700" cap="flat" cmpd="sng" algn="ctr">
+                      <a:solidFill>
+                        <a:schemeClr val="tx1"/>
+                      </a:solidFill>
+                      <a:prstDash val="solid"/>
+                      <a:round/>
+                      <a:headEnd type="none" w="med" len="med"/>
+                      <a:tailEnd type="none" w="med" len="med"/>
+                    </a:lnB>
+                    <a:solidFill>
+                      <a:schemeClr val="bg1"/>
+                    </a:solidFill>
+                  </a:tcPr>
+                </a:tc>
+                <a:extLst>
+                  <a:ext uri="{0D108BD9-81ED-4DB2-BD59-A6C34878D82A}">
+                    <a16:rowId xmlns:a16="http://schemas.microsoft.com/office/drawing/2014/main" val="3059530806"/>
+                  </a:ext>
+                </a:extLst>
+              </a:tr>
+              <a:tr h="586190">
+                <a:tc>
+                  <a:txBody>
+                    <a:bodyPr/>
+                    <a:lstStyle/>
+                    <a:p>
+                      <a:pPr algn="ctr" latinLnBrk="1"/>
+                      <a:r>
+                        <a:rPr lang="en-US" altLang="ko-KR" b="0" dirty="0">
+                          <a:ln w="9525">
+                            <a:noFill/>
+                          </a:ln>
+                          <a:solidFill>
+                            <a:schemeClr val="tx1"/>
+                          </a:solidFill>
+                          <a:latin typeface="-윤고딕320" panose="02030504000101010101" pitchFamily="18" charset="-127"/>
+                          <a:ea typeface="-윤고딕320" panose="02030504000101010101" pitchFamily="18" charset="-127"/>
+                        </a:rPr>
+                        <a:t>O/S</a:t>
+                      </a:r>
+                      <a:endParaRPr lang="ko-KR" altLang="en-US" b="0" dirty="0">
+                        <a:ln w="9525">
+                          <a:noFill/>
+                        </a:ln>
+                        <a:solidFill>
+                          <a:schemeClr val="tx1"/>
+                        </a:solidFill>
+                        <a:latin typeface="-윤고딕320" panose="02030504000101010101" pitchFamily="18" charset="-127"/>
+                        <a:ea typeface="-윤고딕320" panose="02030504000101010101" pitchFamily="18" charset="-127"/>
+                      </a:endParaRPr>
+                    </a:p>
+                  </a:txBody>
+                  <a:tcPr>
+                    <a:lnL w="12700" cap="flat" cmpd="sng" algn="ctr">
+                      <a:solidFill>
+                        <a:schemeClr val="tx1"/>
+                      </a:solidFill>
+                      <a:prstDash val="solid"/>
+                      <a:round/>
+                      <a:headEnd type="none" w="med" len="med"/>
+                      <a:tailEnd type="none" w="med" len="med"/>
+                    </a:lnL>
+                    <a:lnR w="12700" cap="flat" cmpd="sng" algn="ctr">
+                      <a:solidFill>
+                        <a:schemeClr val="tx1"/>
+                      </a:solidFill>
+                      <a:prstDash val="solid"/>
+                      <a:round/>
+                      <a:headEnd type="none" w="med" len="med"/>
+                      <a:tailEnd type="none" w="med" len="med"/>
+                    </a:lnR>
+                    <a:lnT w="12700" cap="flat" cmpd="sng" algn="ctr">
+                      <a:solidFill>
+                        <a:schemeClr val="tx1"/>
+                      </a:solidFill>
+                      <a:prstDash val="solid"/>
+                      <a:round/>
+                      <a:headEnd type="none" w="med" len="med"/>
+                      <a:tailEnd type="none" w="med" len="med"/>
+                    </a:lnT>
+                    <a:lnB w="12700" cap="flat" cmpd="sng" algn="ctr">
+                      <a:solidFill>
+                        <a:schemeClr val="tx1"/>
+                      </a:solidFill>
+                      <a:prstDash val="solid"/>
+                      <a:round/>
+                      <a:headEnd type="none" w="med" len="med"/>
+                      <a:tailEnd type="none" w="med" len="med"/>
+                    </a:lnB>
+                    <a:solidFill>
+                      <a:schemeClr val="bg2"/>
+                    </a:solidFill>
+                  </a:tcPr>
+                </a:tc>
+                <a:tc>
+                  <a:txBody>
+                    <a:bodyPr/>
+                    <a:lstStyle/>
+                    <a:p>
+                      <a:pPr algn="l" latinLnBrk="1"/>
+                      <a:r>
+                        <a:rPr lang="en-US" altLang="ko-KR" dirty="0">
+                          <a:ln w="9525">
+                            <a:noFill/>
+                          </a:ln>
+                          <a:solidFill>
+                            <a:schemeClr val="tx1"/>
+                          </a:solidFill>
+                          <a:latin typeface="-윤고딕320" panose="02030504000101010101" pitchFamily="18" charset="-127"/>
+                          <a:ea typeface="-윤고딕320" panose="02030504000101010101" pitchFamily="18" charset="-127"/>
+                        </a:rPr>
+                        <a:t>Android (7.1.1)</a:t>
+                      </a:r>
+                      <a:endParaRPr lang="ko-KR" altLang="en-US" dirty="0">
+                        <a:ln w="9525">
+                          <a:noFill/>
+                        </a:ln>
+                        <a:solidFill>
+                          <a:schemeClr val="tx1"/>
+                        </a:solidFill>
+                        <a:latin typeface="-윤고딕320" panose="02030504000101010101" pitchFamily="18" charset="-127"/>
+                        <a:ea typeface="-윤고딕320" panose="02030504000101010101" pitchFamily="18" charset="-127"/>
+                      </a:endParaRPr>
+                    </a:p>
+                  </a:txBody>
+                  <a:tcPr>
+                    <a:lnL w="12700" cap="flat" cmpd="sng" algn="ctr">
+                      <a:solidFill>
+                        <a:schemeClr val="tx1"/>
+                      </a:solidFill>
+                      <a:prstDash val="solid"/>
+                      <a:round/>
+                      <a:headEnd type="none" w="med" len="med"/>
+                      <a:tailEnd type="none" w="med" len="med"/>
+                    </a:lnL>
+                    <a:lnR w="12700" cap="flat" cmpd="sng" algn="ctr">
+                      <a:solidFill>
+                        <a:schemeClr val="tx1"/>
+                      </a:solidFill>
+                      <a:prstDash val="solid"/>
+                      <a:round/>
+                      <a:headEnd type="none" w="med" len="med"/>
+                      <a:tailEnd type="none" w="med" len="med"/>
+                    </a:lnR>
+                    <a:lnT w="12700" cap="flat" cmpd="sng" algn="ctr">
+                      <a:solidFill>
+                        <a:schemeClr val="tx1"/>
+                      </a:solidFill>
+                      <a:prstDash val="solid"/>
+                      <a:round/>
+                      <a:headEnd type="none" w="med" len="med"/>
+                      <a:tailEnd type="none" w="med" len="med"/>
+                    </a:lnT>
+                    <a:lnB w="12700" cap="flat" cmpd="sng" algn="ctr">
+                      <a:solidFill>
+                        <a:schemeClr val="tx1"/>
+                      </a:solidFill>
+                      <a:prstDash val="solid"/>
+                      <a:round/>
+                      <a:headEnd type="none" w="med" len="med"/>
+                      <a:tailEnd type="none" w="med" len="med"/>
+                    </a:lnB>
+                    <a:solidFill>
+                      <a:schemeClr val="bg1"/>
+                    </a:solidFill>
+                  </a:tcPr>
+                </a:tc>
+                <a:extLst>
+                  <a:ext uri="{0D108BD9-81ED-4DB2-BD59-A6C34878D82A}">
+                    <a16:rowId xmlns:a16="http://schemas.microsoft.com/office/drawing/2014/main" val="229884803"/>
+                  </a:ext>
+                </a:extLst>
+              </a:tr>
+              <a:tr h="586190">
+                <a:tc>
+                  <a:txBody>
+                    <a:bodyPr/>
+                    <a:lstStyle/>
+                    <a:p>
+                      <a:pPr algn="ctr" latinLnBrk="1"/>
+                      <a:r>
+                        <a:rPr lang="ko-KR" altLang="en-US" b="0" dirty="0">
+                          <a:ln w="9525">
+                            <a:noFill/>
+                          </a:ln>
+                          <a:solidFill>
+                            <a:schemeClr val="tx1"/>
+                          </a:solidFill>
+                          <a:latin typeface="-윤고딕320" panose="02030504000101010101" pitchFamily="18" charset="-127"/>
+                          <a:ea typeface="-윤고딕320" panose="02030504000101010101" pitchFamily="18" charset="-127"/>
+                        </a:rPr>
+                        <a:t>개발 </a:t>
+                      </a:r>
+                      <a:r>
+                        <a:rPr lang="en-US" altLang="ko-KR" b="0" dirty="0">
+                          <a:ln w="9525">
+                            <a:noFill/>
+                          </a:ln>
+                          <a:solidFill>
+                            <a:schemeClr val="tx1"/>
+                          </a:solidFill>
+                          <a:latin typeface="-윤고딕320" panose="02030504000101010101" pitchFamily="18" charset="-127"/>
+                          <a:ea typeface="-윤고딕320" panose="02030504000101010101" pitchFamily="18" charset="-127"/>
+                        </a:rPr>
+                        <a:t>Tool</a:t>
+                      </a:r>
+                      <a:endParaRPr lang="ko-KR" altLang="en-US" b="0" dirty="0">
+                        <a:ln w="9525">
+                          <a:noFill/>
+                        </a:ln>
+                        <a:solidFill>
+                          <a:schemeClr val="tx1"/>
+                        </a:solidFill>
+                        <a:latin typeface="-윤고딕320" panose="02030504000101010101" pitchFamily="18" charset="-127"/>
+                        <a:ea typeface="-윤고딕320" panose="02030504000101010101" pitchFamily="18" charset="-127"/>
+                      </a:endParaRPr>
+                    </a:p>
+                  </a:txBody>
+                  <a:tcPr>
+                    <a:lnL w="12700" cap="flat" cmpd="sng" algn="ctr">
+                      <a:solidFill>
+                        <a:schemeClr val="tx1"/>
+                      </a:solidFill>
+                      <a:prstDash val="solid"/>
+                      <a:round/>
+                      <a:headEnd type="none" w="med" len="med"/>
+                      <a:tailEnd type="none" w="med" len="med"/>
+                    </a:lnL>
+                    <a:lnR w="12700" cap="flat" cmpd="sng" algn="ctr">
+                      <a:solidFill>
+                        <a:schemeClr val="tx1"/>
+                      </a:solidFill>
+                      <a:prstDash val="solid"/>
+                      <a:round/>
+                      <a:headEnd type="none" w="med" len="med"/>
+                      <a:tailEnd type="none" w="med" len="med"/>
+                    </a:lnR>
+                    <a:lnT w="12700" cap="flat" cmpd="sng" algn="ctr">
+                      <a:solidFill>
+                        <a:schemeClr val="tx1"/>
+                      </a:solidFill>
+                      <a:prstDash val="solid"/>
+                      <a:round/>
+                      <a:headEnd type="none" w="med" len="med"/>
+                      <a:tailEnd type="none" w="med" len="med"/>
+                    </a:lnT>
+                    <a:lnB w="12700" cap="flat" cmpd="sng" algn="ctr">
+                      <a:solidFill>
+                        <a:schemeClr val="tx1"/>
+                      </a:solidFill>
+                      <a:prstDash val="solid"/>
+                      <a:round/>
+                      <a:headEnd type="none" w="med" len="med"/>
+                      <a:tailEnd type="none" w="med" len="med"/>
+                    </a:lnB>
+                    <a:solidFill>
+                      <a:schemeClr val="bg2"/>
+                    </a:solidFill>
+                  </a:tcPr>
+                </a:tc>
+                <a:tc>
+                  <a:txBody>
+                    <a:bodyPr/>
+                    <a:lstStyle/>
+                    <a:p>
+                      <a:pPr algn="l" latinLnBrk="1"/>
+                      <a:r>
+                        <a:rPr lang="en-US" altLang="ko-KR" dirty="0"/>
+                        <a:t>Android Studio</a:t>
+                      </a:r>
+                      <a:endParaRPr lang="ko-KR" altLang="en-US" dirty="0">
+                        <a:ln w="9525">
+                          <a:noFill/>
+                        </a:ln>
+                        <a:solidFill>
+                          <a:schemeClr val="tx1"/>
+                        </a:solidFill>
+                        <a:latin typeface="-윤고딕320" panose="02030504000101010101" pitchFamily="18" charset="-127"/>
+                        <a:ea typeface="-윤고딕320" panose="02030504000101010101" pitchFamily="18" charset="-127"/>
+                      </a:endParaRPr>
+                    </a:p>
+                  </a:txBody>
+                  <a:tcPr>
+                    <a:lnL w="12700" cap="flat" cmpd="sng" algn="ctr">
+                      <a:solidFill>
+                        <a:schemeClr val="tx1"/>
+                      </a:solidFill>
+                      <a:prstDash val="solid"/>
+                      <a:round/>
+                      <a:headEnd type="none" w="med" len="med"/>
+                      <a:tailEnd type="none" w="med" len="med"/>
+                    </a:lnL>
+                    <a:lnR w="12700" cap="flat" cmpd="sng" algn="ctr">
+                      <a:solidFill>
+                        <a:schemeClr val="tx1"/>
+                      </a:solidFill>
+                      <a:prstDash val="solid"/>
+                      <a:round/>
+                      <a:headEnd type="none" w="med" len="med"/>
+                      <a:tailEnd type="none" w="med" len="med"/>
+                    </a:lnR>
+                    <a:lnT w="12700" cap="flat" cmpd="sng" algn="ctr">
+                      <a:solidFill>
+                        <a:schemeClr val="tx1"/>
+                      </a:solidFill>
+                      <a:prstDash val="solid"/>
+                      <a:round/>
+                      <a:headEnd type="none" w="med" len="med"/>
+                      <a:tailEnd type="none" w="med" len="med"/>
+                    </a:lnT>
+                    <a:lnB w="12700" cap="flat" cmpd="sng" algn="ctr">
+                      <a:solidFill>
+                        <a:schemeClr val="tx1"/>
+                      </a:solidFill>
+                      <a:prstDash val="solid"/>
+                      <a:round/>
+                      <a:headEnd type="none" w="med" len="med"/>
+                      <a:tailEnd type="none" w="med" len="med"/>
+                    </a:lnB>
+                    <a:solidFill>
+                      <a:schemeClr val="bg1"/>
+                    </a:solidFill>
+                  </a:tcPr>
+                </a:tc>
+                <a:extLst>
+                  <a:ext uri="{0D108BD9-81ED-4DB2-BD59-A6C34878D82A}">
+                    <a16:rowId xmlns:a16="http://schemas.microsoft.com/office/drawing/2014/main" val="1057617715"/>
+                  </a:ext>
+                </a:extLst>
+              </a:tr>
+              <a:tr h="586190">
+                <a:tc>
+                  <a:txBody>
+                    <a:bodyPr/>
+                    <a:lstStyle/>
+                    <a:p>
+                      <a:pPr algn="ctr" latinLnBrk="1"/>
+                      <a:r>
+                        <a:rPr lang="ko-KR" altLang="en-US" b="0" dirty="0">
+                          <a:ln w="9525">
+                            <a:noFill/>
+                          </a:ln>
+                          <a:solidFill>
+                            <a:schemeClr val="tx1"/>
+                          </a:solidFill>
+                          <a:latin typeface="-윤고딕320" panose="02030504000101010101" pitchFamily="18" charset="-127"/>
+                          <a:ea typeface="-윤고딕320" panose="02030504000101010101" pitchFamily="18" charset="-127"/>
+                        </a:rPr>
+                        <a:t>개발 언어</a:t>
+                      </a:r>
+                    </a:p>
+                  </a:txBody>
+                  <a:tcPr>
+                    <a:lnL w="12700" cap="flat" cmpd="sng" algn="ctr">
+                      <a:solidFill>
+                        <a:schemeClr val="tx1"/>
+                      </a:solidFill>
+                      <a:prstDash val="solid"/>
+                      <a:round/>
+                      <a:headEnd type="none" w="med" len="med"/>
+                      <a:tailEnd type="none" w="med" len="med"/>
+                    </a:lnL>
+                    <a:lnR w="12700" cap="flat" cmpd="sng" algn="ctr">
+                      <a:solidFill>
+                        <a:schemeClr val="tx1"/>
+                      </a:solidFill>
+                      <a:prstDash val="solid"/>
+                      <a:round/>
+                      <a:headEnd type="none" w="med" len="med"/>
+                      <a:tailEnd type="none" w="med" len="med"/>
+                    </a:lnR>
+                    <a:lnT w="12700" cap="flat" cmpd="sng" algn="ctr">
+                      <a:solidFill>
+                        <a:schemeClr val="tx1"/>
+                      </a:solidFill>
+                      <a:prstDash val="solid"/>
+                      <a:round/>
+                      <a:headEnd type="none" w="med" len="med"/>
+                      <a:tailEnd type="none" w="med" len="med"/>
+                    </a:lnT>
+                    <a:lnB w="12700" cap="flat" cmpd="sng" algn="ctr">
+                      <a:solidFill>
+                        <a:schemeClr val="tx1"/>
+                      </a:solidFill>
+                      <a:prstDash val="solid"/>
+                      <a:round/>
+                      <a:headEnd type="none" w="med" len="med"/>
+                      <a:tailEnd type="none" w="med" len="med"/>
+                    </a:lnB>
+                    <a:solidFill>
+                      <a:schemeClr val="bg2"/>
+                    </a:solidFill>
+                  </a:tcPr>
+                </a:tc>
+                <a:tc>
+                  <a:txBody>
+                    <a:bodyPr/>
+                    <a:lstStyle/>
+                    <a:p>
+                      <a:pPr algn="l" latinLnBrk="1"/>
+                      <a:r>
+                        <a:rPr lang="ko-KR" altLang="en-US" dirty="0">
+                          <a:ln w="9525">
+                            <a:noFill/>
+                          </a:ln>
+                          <a:solidFill>
+                            <a:schemeClr val="tx1"/>
+                          </a:solidFill>
+                          <a:latin typeface="-윤고딕320" panose="02030504000101010101" pitchFamily="18" charset="-127"/>
+                          <a:ea typeface="-윤고딕320" panose="02030504000101010101" pitchFamily="18" charset="-127"/>
+                        </a:rPr>
+                        <a:t>자바</a:t>
+                      </a:r>
+                    </a:p>
+                  </a:txBody>
+                  <a:tcPr>
+                    <a:lnL w="12700" cap="flat" cmpd="sng" algn="ctr">
+                      <a:solidFill>
+                        <a:schemeClr val="tx1"/>
+                      </a:solidFill>
+                      <a:prstDash val="solid"/>
+                      <a:round/>
+                      <a:headEnd type="none" w="med" len="med"/>
+                      <a:tailEnd type="none" w="med" len="med"/>
+                    </a:lnL>
+                    <a:lnR w="12700" cap="flat" cmpd="sng" algn="ctr">
+                      <a:solidFill>
+                        <a:schemeClr val="tx1"/>
+                      </a:solidFill>
+                      <a:prstDash val="solid"/>
+                      <a:round/>
+                      <a:headEnd type="none" w="med" len="med"/>
+                      <a:tailEnd type="none" w="med" len="med"/>
+                    </a:lnR>
+                    <a:lnT w="12700" cap="flat" cmpd="sng" algn="ctr">
+                      <a:solidFill>
+                        <a:schemeClr val="tx1"/>
+                      </a:solidFill>
+                      <a:prstDash val="solid"/>
+                      <a:round/>
+                      <a:headEnd type="none" w="med" len="med"/>
+                      <a:tailEnd type="none" w="med" len="med"/>
+                    </a:lnT>
+                    <a:lnB w="12700" cap="flat" cmpd="sng" algn="ctr">
+                      <a:solidFill>
+                        <a:schemeClr val="tx1"/>
+                      </a:solidFill>
+                      <a:prstDash val="solid"/>
+                      <a:round/>
+                      <a:headEnd type="none" w="med" len="med"/>
+                      <a:tailEnd type="none" w="med" len="med"/>
+                    </a:lnB>
+                    <a:solidFill>
+                      <a:schemeClr val="bg1"/>
+                    </a:solidFill>
+                  </a:tcPr>
+                </a:tc>
+                <a:extLst>
+                  <a:ext uri="{0D108BD9-81ED-4DB2-BD59-A6C34878D82A}">
+                    <a16:rowId xmlns:a16="http://schemas.microsoft.com/office/drawing/2014/main" val="3368228224"/>
+                  </a:ext>
+                </a:extLst>
+              </a:tr>
+            </a:tbl>
+          </a:graphicData>
+        </a:graphic>
+      </p:graphicFrame>
     </p:spTree>
     <p:extLst>
       <p:ext uri="{BB962C8B-B14F-4D97-AF65-F5344CB8AC3E}">
-        <p14:creationId xmlns:p14="http://schemas.microsoft.com/office/powerpoint/2010/main" val="1713155241"/>
+        <p14:creationId xmlns:p14="http://schemas.microsoft.com/office/powerpoint/2010/main" val="3203345582"/>
       </p:ext>
     </p:extLst>
   </p:cSld>
@@ -5742,7 +9648,7 @@
 </p:sld>
 </file>
 
-<file path=ppt/slides/slide12.xml><?xml version="1.0" encoding="utf-8"?>
+<file path=ppt/slides/slide13.xml><?xml version="1.0" encoding="utf-8"?>
 <p:sld xmlns:a="http://schemas.openxmlformats.org/drawingml/2006/main" xmlns:r="http://schemas.openxmlformats.org/officeDocument/2006/relationships" xmlns:p="http://schemas.openxmlformats.org/presentationml/2006/main">
   <p:cSld>
     <p:spTree>
@@ -6419,7 +10325,7 @@
 </p:sld>
 </file>
 
-<file path=ppt/slides/slide13.xml><?xml version="1.0" encoding="utf-8"?>
+<file path=ppt/slides/slide14.xml><?xml version="1.0" encoding="utf-8"?>
 <p:sld xmlns:a="http://schemas.openxmlformats.org/drawingml/2006/main" xmlns:r="http://schemas.openxmlformats.org/officeDocument/2006/relationships" xmlns:p="http://schemas.openxmlformats.org/presentationml/2006/main">
   <p:cSld>
     <p:spTree>
@@ -20764,869 +24670,6 @@
     <p:extLst>
       <p:ext uri="{BB962C8B-B14F-4D97-AF65-F5344CB8AC3E}">
         <p14:creationId xmlns:p14="http://schemas.microsoft.com/office/powerpoint/2010/main" val="545284286"/>
-      </p:ext>
-    </p:extLst>
-  </p:cSld>
-  <p:clrMapOvr>
-    <a:masterClrMapping/>
-  </p:clrMapOvr>
-</p:sld>
-</file>
-
-<file path=ppt/slides/slide14.xml><?xml version="1.0" encoding="utf-8"?>
-<p:sld xmlns:a="http://schemas.openxmlformats.org/drawingml/2006/main" xmlns:r="http://schemas.openxmlformats.org/officeDocument/2006/relationships" xmlns:p="http://schemas.openxmlformats.org/presentationml/2006/main">
-  <p:cSld>
-    <p:spTree>
-      <p:nvGrpSpPr>
-        <p:cNvPr id="1" name=""/>
-        <p:cNvGrpSpPr/>
-        <p:nvPr/>
-      </p:nvGrpSpPr>
-      <p:grpSpPr>
-        <a:xfrm>
-          <a:off x="0" y="0"/>
-          <a:ext cx="0" cy="0"/>
-          <a:chOff x="0" y="0"/>
-          <a:chExt cx="0" cy="0"/>
-        </a:xfrm>
-      </p:grpSpPr>
-      <p:cxnSp>
-        <p:nvCxnSpPr>
-          <p:cNvPr id="4" name="직선 연결선 3">
-            <a:extLst>
-              <a:ext uri="{FF2B5EF4-FFF2-40B4-BE49-F238E27FC236}">
-                <a16:creationId xmlns:a16="http://schemas.microsoft.com/office/drawing/2014/main" id="{4C80CCB9-1758-4328-B460-E82882B6F49F}"/>
-              </a:ext>
-            </a:extLst>
-          </p:cNvPr>
-          <p:cNvCxnSpPr/>
-          <p:nvPr/>
-        </p:nvCxnSpPr>
-        <p:spPr>
-          <a:xfrm>
-            <a:off x="508000" y="571500"/>
-            <a:ext cx="2400300" cy="0"/>
-          </a:xfrm>
-          <a:prstGeom prst="line">
-            <a:avLst/>
-          </a:prstGeom>
-          <a:ln w="19050">
-            <a:solidFill>
-              <a:schemeClr val="tx1"/>
-            </a:solidFill>
-          </a:ln>
-        </p:spPr>
-        <p:style>
-          <a:lnRef idx="1">
-            <a:schemeClr val="accent1"/>
-          </a:lnRef>
-          <a:fillRef idx="0">
-            <a:schemeClr val="accent1"/>
-          </a:fillRef>
-          <a:effectRef idx="0">
-            <a:schemeClr val="accent1"/>
-          </a:effectRef>
-          <a:fontRef idx="minor">
-            <a:schemeClr val="tx1"/>
-          </a:fontRef>
-        </p:style>
-      </p:cxnSp>
-      <p:cxnSp>
-        <p:nvCxnSpPr>
-          <p:cNvPr id="8" name="직선 연결선 7">
-            <a:extLst>
-              <a:ext uri="{FF2B5EF4-FFF2-40B4-BE49-F238E27FC236}">
-                <a16:creationId xmlns:a16="http://schemas.microsoft.com/office/drawing/2014/main" id="{DE9D3FAC-21C1-42F4-8C5A-7B6DD6578892}"/>
-              </a:ext>
-            </a:extLst>
-          </p:cNvPr>
-          <p:cNvCxnSpPr>
-            <a:cxnSpLocks/>
-          </p:cNvCxnSpPr>
-          <p:nvPr/>
-        </p:nvCxnSpPr>
-        <p:spPr>
-          <a:xfrm>
-            <a:off x="3251200" y="571500"/>
-            <a:ext cx="8242300" cy="0"/>
-          </a:xfrm>
-          <a:prstGeom prst="line">
-            <a:avLst/>
-          </a:prstGeom>
-          <a:ln w="19050">
-            <a:solidFill>
-              <a:schemeClr val="tx1"/>
-            </a:solidFill>
-          </a:ln>
-        </p:spPr>
-        <p:style>
-          <a:lnRef idx="1">
-            <a:schemeClr val="accent1"/>
-          </a:lnRef>
-          <a:fillRef idx="0">
-            <a:schemeClr val="accent1"/>
-          </a:fillRef>
-          <a:effectRef idx="0">
-            <a:schemeClr val="accent1"/>
-          </a:effectRef>
-          <a:fontRef idx="minor">
-            <a:schemeClr val="tx1"/>
-          </a:fontRef>
-        </p:style>
-      </p:cxnSp>
-      <p:sp>
-        <p:nvSpPr>
-          <p:cNvPr id="13" name="TextBox 12">
-            <a:extLst>
-              <a:ext uri="{FF2B5EF4-FFF2-40B4-BE49-F238E27FC236}">
-                <a16:creationId xmlns:a16="http://schemas.microsoft.com/office/drawing/2014/main" id="{3B39D909-1D0E-484D-9853-79AA4A432F4E}"/>
-              </a:ext>
-            </a:extLst>
-          </p:cNvPr>
-          <p:cNvSpPr txBox="1"/>
-          <p:nvPr/>
-        </p:nvSpPr>
-        <p:spPr>
-          <a:xfrm>
-            <a:off x="457204" y="147935"/>
-            <a:ext cx="3009009" cy="400110"/>
-          </a:xfrm>
-          <a:prstGeom prst="rect">
-            <a:avLst/>
-          </a:prstGeom>
-          <a:noFill/>
-        </p:spPr>
-        <p:txBody>
-          <a:bodyPr wrap="square" rtlCol="0">
-            <a:spAutoFit/>
-          </a:bodyPr>
-          <a:lstStyle/>
-          <a:p>
-            <a:r>
-              <a:rPr lang="en-US" altLang="ko-KR" sz="2000" b="1">
-                <a:latin typeface="-윤고딕330" panose="02030504000101010101" pitchFamily="18" charset="-127"/>
-                <a:ea typeface="-윤고딕330" panose="02030504000101010101" pitchFamily="18" charset="-127"/>
-              </a:rPr>
-              <a:t>08 </a:t>
-            </a:r>
-            <a:r>
-              <a:rPr lang="ko-KR" altLang="en-US" sz="2000" b="1">
-                <a:latin typeface="-윤고딕330" panose="02030504000101010101" pitchFamily="18" charset="-127"/>
-                <a:ea typeface="-윤고딕330" panose="02030504000101010101" pitchFamily="18" charset="-127"/>
-              </a:rPr>
-              <a:t>필요 기술 및 참고 문헌</a:t>
-            </a:r>
-            <a:endParaRPr lang="en-US" altLang="ko-KR" sz="2000" b="1">
-              <a:latin typeface="-윤고딕330" panose="02030504000101010101" pitchFamily="18" charset="-127"/>
-              <a:ea typeface="-윤고딕330" panose="02030504000101010101" pitchFamily="18" charset="-127"/>
-            </a:endParaRPr>
-          </a:p>
-        </p:txBody>
-      </p:sp>
-      <p:sp>
-        <p:nvSpPr>
-          <p:cNvPr id="2" name="TextBox 1">
-            <a:extLst>
-              <a:ext uri="{FF2B5EF4-FFF2-40B4-BE49-F238E27FC236}">
-                <a16:creationId xmlns:a16="http://schemas.microsoft.com/office/drawing/2014/main" id="{1FC6C869-3EA0-44E3-83BC-38F7A57B68D5}"/>
-              </a:ext>
-            </a:extLst>
-          </p:cNvPr>
-          <p:cNvSpPr txBox="1"/>
-          <p:nvPr/>
-        </p:nvSpPr>
-        <p:spPr>
-          <a:xfrm>
-            <a:off x="688754" y="900753"/>
-            <a:ext cx="9265678" cy="5601533"/>
-          </a:xfrm>
-          <a:prstGeom prst="rect">
-            <a:avLst/>
-          </a:prstGeom>
-          <a:noFill/>
-        </p:spPr>
-        <p:txBody>
-          <a:bodyPr wrap="none" rtlCol="0">
-            <a:spAutoFit/>
-          </a:bodyPr>
-          <a:lstStyle/>
-          <a:p>
-            <a:r>
-              <a:rPr lang="ko-KR" altLang="en-US">
-                <a:latin typeface="-윤고딕350" panose="02030504000101010101" pitchFamily="18" charset="-127"/>
-                <a:ea typeface="-윤고딕350" panose="02030504000101010101" pitchFamily="18" charset="-127"/>
-              </a:rPr>
-              <a:t>논문</a:t>
-            </a:r>
-            <a:endParaRPr lang="en-US" altLang="ko-KR">
-              <a:latin typeface="-윤고딕350" panose="02030504000101010101" pitchFamily="18" charset="-127"/>
-              <a:ea typeface="-윤고딕350" panose="02030504000101010101" pitchFamily="18" charset="-127"/>
-            </a:endParaRPr>
-          </a:p>
-          <a:p>
-            <a:endParaRPr lang="en-US" altLang="ko-KR" sz="1600">
-              <a:latin typeface="-윤고딕350" panose="02030504000101010101" pitchFamily="18" charset="-127"/>
-              <a:ea typeface="-윤고딕350" panose="02030504000101010101" pitchFamily="18" charset="-127"/>
-            </a:endParaRPr>
-          </a:p>
-          <a:p>
-            <a:endParaRPr lang="en-US" altLang="ko-KR" sz="1200">
-              <a:latin typeface="-윤고딕320" panose="02030504000101010101" pitchFamily="18" charset="-127"/>
-              <a:ea typeface="-윤고딕320" panose="02030504000101010101" pitchFamily="18" charset="-127"/>
-            </a:endParaRPr>
-          </a:p>
-          <a:p>
-            <a:pPr marL="285750" indent="-285750" fontAlgn="base">
-              <a:buFont typeface="Wingdings" panose="05000000000000000000" pitchFamily="2" charset="2"/>
-              <a:buChar char="Ø"/>
-            </a:pPr>
-            <a:r>
-              <a:rPr lang="ko-KR" altLang="en-US" sz="1400">
-                <a:latin typeface="-윤고딕320" panose="02030504000101010101" pitchFamily="18" charset="-127"/>
-                <a:ea typeface="-윤고딕320" panose="02030504000101010101" pitchFamily="18" charset="-127"/>
-              </a:rPr>
-              <a:t>서종범</a:t>
-            </a:r>
-            <a:r>
-              <a:rPr lang="en-US" altLang="ko-KR" sz="1400">
-                <a:latin typeface="-윤고딕320" panose="02030504000101010101" pitchFamily="18" charset="-127"/>
-                <a:ea typeface="-윤고딕320" panose="02030504000101010101" pitchFamily="18" charset="-127"/>
-              </a:rPr>
-              <a:t>, </a:t>
-            </a:r>
-            <a:r>
-              <a:rPr lang="ko-KR" altLang="en-US" sz="1400">
-                <a:latin typeface="-윤고딕320" panose="02030504000101010101" pitchFamily="18" charset="-127"/>
-                <a:ea typeface="-윤고딕320" panose="02030504000101010101" pitchFamily="18" charset="-127"/>
-              </a:rPr>
-              <a:t>김동회 </a:t>
-            </a:r>
-            <a:r>
-              <a:rPr lang="en-US" altLang="ko-KR" sz="1400">
-                <a:latin typeface="-윤고딕320" panose="02030504000101010101" pitchFamily="18" charset="-127"/>
-                <a:ea typeface="-윤고딕320" panose="02030504000101010101" pitchFamily="18" charset="-127"/>
-              </a:rPr>
-              <a:t>(2017). </a:t>
-            </a:r>
-            <a:r>
-              <a:rPr lang="ko-KR" altLang="en-US" sz="1400">
-                <a:latin typeface="-윤고딕320" panose="02030504000101010101" pitchFamily="18" charset="-127"/>
-                <a:ea typeface="-윤고딕320" panose="02030504000101010101" pitchFamily="18" charset="-127"/>
-              </a:rPr>
-              <a:t>스마트폰 어플리케이션에 의해 단문 메시지 서비스의 자동 발송 기능을</a:t>
-            </a:r>
-            <a:r>
-              <a:rPr lang="en-US" altLang="ko-KR" sz="1400">
-                <a:latin typeface="-윤고딕320" panose="02030504000101010101" pitchFamily="18" charset="-127"/>
-                <a:ea typeface="-윤고딕320" panose="02030504000101010101" pitchFamily="18" charset="-127"/>
-              </a:rPr>
-              <a:t> </a:t>
-            </a:r>
-          </a:p>
-          <a:p>
-            <a:pPr fontAlgn="base"/>
-            <a:r>
-              <a:rPr lang="en-US" altLang="ko-KR" sz="1400">
-                <a:latin typeface="-윤고딕320" panose="02030504000101010101" pitchFamily="18" charset="-127"/>
-                <a:ea typeface="-윤고딕320" panose="02030504000101010101" pitchFamily="18" charset="-127"/>
-              </a:rPr>
-              <a:t>     </a:t>
-            </a:r>
-            <a:r>
-              <a:rPr lang="ko-KR" altLang="en-US" sz="1400">
-                <a:latin typeface="-윤고딕320" panose="02030504000101010101" pitchFamily="18" charset="-127"/>
-                <a:ea typeface="-윤고딕320" panose="02030504000101010101" pitchFamily="18" charset="-127"/>
-              </a:rPr>
-              <a:t>가진 새로운 무인 택 배함 제안 및 구현</a:t>
-            </a:r>
-            <a:r>
-              <a:rPr lang="en-US" altLang="ko-KR" sz="1400">
-                <a:latin typeface="-윤고딕320" panose="02030504000101010101" pitchFamily="18" charset="-127"/>
-                <a:ea typeface="-윤고딕320" panose="02030504000101010101" pitchFamily="18" charset="-127"/>
-              </a:rPr>
-              <a:t>. </a:t>
-            </a:r>
-            <a:r>
-              <a:rPr lang="ko-KR" altLang="en-US" sz="1400">
-                <a:latin typeface="-윤고딕320" panose="02030504000101010101" pitchFamily="18" charset="-127"/>
-                <a:ea typeface="-윤고딕320" panose="02030504000101010101" pitchFamily="18" charset="-127"/>
-              </a:rPr>
-              <a:t>한국디지털콘텐츠학회 논문지</a:t>
-            </a:r>
-            <a:r>
-              <a:rPr lang="en-US" altLang="ko-KR" sz="1400">
-                <a:latin typeface="-윤고딕320" panose="02030504000101010101" pitchFamily="18" charset="-127"/>
-                <a:ea typeface="-윤고딕320" panose="02030504000101010101" pitchFamily="18" charset="-127"/>
-              </a:rPr>
-              <a:t>, 18(1), 101-108.</a:t>
-            </a:r>
-          </a:p>
-          <a:p>
-            <a:pPr marL="285750" indent="-285750">
-              <a:buFont typeface="Wingdings" panose="05000000000000000000" pitchFamily="2" charset="2"/>
-              <a:buChar char="Ø"/>
-            </a:pPr>
-            <a:endParaRPr lang="en-US" altLang="ko-KR" sz="1400">
-              <a:latin typeface="-윤고딕320" panose="02030504000101010101" pitchFamily="18" charset="-127"/>
-              <a:ea typeface="-윤고딕320" panose="02030504000101010101" pitchFamily="18" charset="-127"/>
-            </a:endParaRPr>
-          </a:p>
-          <a:p>
-            <a:pPr marL="285750" indent="-285750">
-              <a:buFont typeface="Wingdings" panose="05000000000000000000" pitchFamily="2" charset="2"/>
-              <a:buChar char="Ø"/>
-            </a:pPr>
-            <a:r>
-              <a:rPr lang="en-US" altLang="ko-KR" sz="1400">
-                <a:latin typeface="-윤고딕320" panose="02030504000101010101" pitchFamily="18" charset="-127"/>
-                <a:ea typeface="-윤고딕320" panose="02030504000101010101" pitchFamily="18" charset="-127"/>
-              </a:rPr>
-              <a:t>1</a:t>
-            </a:r>
-            <a:r>
-              <a:rPr lang="ko-KR" altLang="en-US" sz="1400">
-                <a:latin typeface="-윤고딕320" panose="02030504000101010101" pitchFamily="18" charset="-127"/>
-                <a:ea typeface="-윤고딕320" panose="02030504000101010101" pitchFamily="18" charset="-127"/>
-              </a:rPr>
-              <a:t>인 가구 소비행태와 소비자문제 연구 </a:t>
-            </a:r>
-            <a:r>
-              <a:rPr lang="en-US" altLang="ko-KR" sz="1400">
-                <a:latin typeface="-윤고딕320" panose="02030504000101010101" pitchFamily="18" charset="-127"/>
-                <a:ea typeface="-윤고딕320" panose="02030504000101010101" pitchFamily="18" charset="-127"/>
-              </a:rPr>
-              <a:t>(</a:t>
-            </a:r>
-            <a:r>
-              <a:rPr lang="ko-KR" altLang="en-US" sz="1400">
-                <a:latin typeface="-윤고딕320" panose="02030504000101010101" pitchFamily="18" charset="-127"/>
-                <a:ea typeface="-윤고딕320" panose="02030504000101010101" pitchFamily="18" charset="-127"/>
-              </a:rPr>
-              <a:t>한국소비자원</a:t>
-            </a:r>
-            <a:r>
-              <a:rPr lang="en-US" altLang="ko-KR" sz="1400">
-                <a:latin typeface="-윤고딕320" panose="02030504000101010101" pitchFamily="18" charset="-127"/>
-                <a:ea typeface="-윤고딕320" panose="02030504000101010101" pitchFamily="18" charset="-127"/>
-              </a:rPr>
-              <a:t>) </a:t>
-            </a:r>
-            <a:r>
-              <a:rPr lang="ko-KR" altLang="en-US" sz="1400">
-                <a:latin typeface="-윤고딕320" panose="02030504000101010101" pitchFamily="18" charset="-127"/>
-                <a:ea typeface="-윤고딕320" panose="02030504000101010101" pitchFamily="18" charset="-127"/>
-              </a:rPr>
-              <a:t>저자 </a:t>
-            </a:r>
-            <a:r>
-              <a:rPr lang="en-US" altLang="ko-KR" sz="1400">
-                <a:latin typeface="-윤고딕320" panose="02030504000101010101" pitchFamily="18" charset="-127"/>
-                <a:ea typeface="-윤고딕320" panose="02030504000101010101" pitchFamily="18" charset="-127"/>
-              </a:rPr>
-              <a:t>: </a:t>
-            </a:r>
-            <a:r>
-              <a:rPr lang="ko-KR" altLang="en-US" sz="1400">
-                <a:latin typeface="-윤고딕320" panose="02030504000101010101" pitchFamily="18" charset="-127"/>
-                <a:ea typeface="-윤고딕320" panose="02030504000101010101" pitchFamily="18" charset="-127"/>
-              </a:rPr>
-              <a:t>이경아</a:t>
-            </a:r>
-            <a:r>
-              <a:rPr lang="en-US" altLang="ko-KR" sz="1400">
-                <a:latin typeface="-윤고딕320" panose="02030504000101010101" pitchFamily="18" charset="-127"/>
-                <a:ea typeface="-윤고딕320" panose="02030504000101010101" pitchFamily="18" charset="-127"/>
-              </a:rPr>
-              <a:t>, </a:t>
-            </a:r>
-            <a:r>
-              <a:rPr lang="ko-KR" altLang="en-US" sz="1400">
-                <a:latin typeface="-윤고딕320" panose="02030504000101010101" pitchFamily="18" charset="-127"/>
-                <a:ea typeface="-윤고딕320" panose="02030504000101010101" pitchFamily="18" charset="-127"/>
-              </a:rPr>
-              <a:t>곽윤영</a:t>
-            </a:r>
-          </a:p>
-          <a:p>
-            <a:pPr marL="285750" indent="-285750">
-              <a:buFont typeface="Wingdings" panose="05000000000000000000" pitchFamily="2" charset="2"/>
-              <a:buChar char="Ø"/>
-            </a:pPr>
-            <a:endParaRPr lang="ko-KR" altLang="en-US" sz="1400">
-              <a:latin typeface="-윤고딕320" panose="02030504000101010101" pitchFamily="18" charset="-127"/>
-              <a:ea typeface="-윤고딕320" panose="02030504000101010101" pitchFamily="18" charset="-127"/>
-            </a:endParaRPr>
-          </a:p>
-          <a:p>
-            <a:pPr marL="285750" indent="-285750">
-              <a:buFont typeface="Wingdings" panose="05000000000000000000" pitchFamily="2" charset="2"/>
-              <a:buChar char="Ø"/>
-            </a:pPr>
-            <a:r>
-              <a:rPr lang="ko-KR" altLang="en-US" sz="1400">
-                <a:latin typeface="-윤고딕320" panose="02030504000101010101" pitchFamily="18" charset="-127"/>
-                <a:ea typeface="-윤고딕320" panose="02030504000101010101" pitchFamily="18" charset="-127"/>
-              </a:rPr>
-              <a:t>박기현</a:t>
-            </a:r>
-            <a:r>
-              <a:rPr lang="en-US" altLang="ko-KR" sz="1400">
-                <a:latin typeface="-윤고딕320" panose="02030504000101010101" pitchFamily="18" charset="-127"/>
-                <a:ea typeface="-윤고딕320" panose="02030504000101010101" pitchFamily="18" charset="-127"/>
-              </a:rPr>
-              <a:t>, </a:t>
-            </a:r>
-            <a:r>
-              <a:rPr lang="ko-KR" altLang="en-US" sz="1400">
-                <a:latin typeface="-윤고딕320" panose="02030504000101010101" pitchFamily="18" charset="-127"/>
-                <a:ea typeface="-윤고딕320" panose="02030504000101010101" pitchFamily="18" charset="-127"/>
-              </a:rPr>
-              <a:t>유상진 </a:t>
-            </a:r>
-            <a:r>
-              <a:rPr lang="en-US" altLang="ko-KR" sz="1400">
-                <a:latin typeface="-윤고딕320" panose="02030504000101010101" pitchFamily="18" charset="-127"/>
-                <a:ea typeface="-윤고딕320" panose="02030504000101010101" pitchFamily="18" charset="-127"/>
-              </a:rPr>
-              <a:t>(2008). OMA DM </a:t>
-            </a:r>
-            <a:r>
-              <a:rPr lang="ko-KR" altLang="en-US" sz="1400">
-                <a:latin typeface="-윤고딕320" panose="02030504000101010101" pitchFamily="18" charset="-127"/>
-                <a:ea typeface="-윤고딕320" panose="02030504000101010101" pitchFamily="18" charset="-127"/>
-              </a:rPr>
-              <a:t>에이전트를 이용한 택배 서비스 관리 시스템</a:t>
-            </a:r>
-            <a:r>
-              <a:rPr lang="en-US" altLang="ko-KR" sz="1400">
-                <a:latin typeface="-윤고딕320" panose="02030504000101010101" pitchFamily="18" charset="-127"/>
-                <a:ea typeface="-윤고딕320" panose="02030504000101010101" pitchFamily="18" charset="-127"/>
-              </a:rPr>
-              <a:t>. </a:t>
-            </a:r>
-            <a:r>
-              <a:rPr lang="ko-KR" altLang="en-US" sz="1400">
-                <a:latin typeface="-윤고딕320" panose="02030504000101010101" pitchFamily="18" charset="-127"/>
-                <a:ea typeface="-윤고딕320" panose="02030504000101010101" pitchFamily="18" charset="-127"/>
-              </a:rPr>
-              <a:t>한국산업정보학회논문지</a:t>
-            </a:r>
-            <a:r>
-              <a:rPr lang="en-US" altLang="ko-KR" sz="1400">
-                <a:latin typeface="-윤고딕320" panose="02030504000101010101" pitchFamily="18" charset="-127"/>
-                <a:ea typeface="-윤고딕320" panose="02030504000101010101" pitchFamily="18" charset="-127"/>
-              </a:rPr>
-              <a:t>, 13(2), 817. </a:t>
-            </a:r>
-          </a:p>
-          <a:p>
-            <a:pPr marL="285750" indent="-285750">
-              <a:buFont typeface="Wingdings" panose="05000000000000000000" pitchFamily="2" charset="2"/>
-              <a:buChar char="Ø"/>
-            </a:pPr>
-            <a:endParaRPr lang="en-US" altLang="ko-KR" sz="1400">
-              <a:latin typeface="-윤고딕320" panose="02030504000101010101" pitchFamily="18" charset="-127"/>
-              <a:ea typeface="-윤고딕320" panose="02030504000101010101" pitchFamily="18" charset="-127"/>
-            </a:endParaRPr>
-          </a:p>
-          <a:p>
-            <a:pPr marL="285750" indent="-285750">
-              <a:buFont typeface="Wingdings" panose="05000000000000000000" pitchFamily="2" charset="2"/>
-              <a:buChar char="Ø"/>
-            </a:pPr>
-            <a:r>
-              <a:rPr lang="ko-KR" altLang="en-US" sz="1400">
-                <a:latin typeface="-윤고딕320" panose="02030504000101010101" pitchFamily="18" charset="-127"/>
-                <a:ea typeface="-윤고딕320" panose="02030504000101010101" pitchFamily="18" charset="-127"/>
-              </a:rPr>
-              <a:t>전영준</a:t>
-            </a:r>
-            <a:r>
-              <a:rPr lang="en-US" altLang="ko-KR" sz="1400">
-                <a:latin typeface="-윤고딕320" panose="02030504000101010101" pitchFamily="18" charset="-127"/>
-                <a:ea typeface="-윤고딕320" panose="02030504000101010101" pitchFamily="18" charset="-127"/>
-              </a:rPr>
-              <a:t>, </a:t>
-            </a:r>
-            <a:r>
-              <a:rPr lang="ko-KR" altLang="en-US" sz="1400">
-                <a:latin typeface="-윤고딕320" panose="02030504000101010101" pitchFamily="18" charset="-127"/>
-                <a:ea typeface="-윤고딕320" panose="02030504000101010101" pitchFamily="18" charset="-127"/>
-              </a:rPr>
-              <a:t>최용식</a:t>
-            </a:r>
-            <a:r>
-              <a:rPr lang="en-US" altLang="ko-KR" sz="1400">
-                <a:latin typeface="-윤고딕320" panose="02030504000101010101" pitchFamily="18" charset="-127"/>
-                <a:ea typeface="-윤고딕320" panose="02030504000101010101" pitchFamily="18" charset="-127"/>
-              </a:rPr>
-              <a:t>, </a:t>
-            </a:r>
-            <a:r>
-              <a:rPr lang="ko-KR" altLang="en-US" sz="1400">
-                <a:latin typeface="-윤고딕320" panose="02030504000101010101" pitchFamily="18" charset="-127"/>
-                <a:ea typeface="-윤고딕320" panose="02030504000101010101" pitchFamily="18" charset="-127"/>
-              </a:rPr>
-              <a:t>박상현</a:t>
-            </a:r>
-            <a:r>
-              <a:rPr lang="en-US" altLang="ko-KR" sz="1400">
-                <a:latin typeface="-윤고딕320" panose="02030504000101010101" pitchFamily="18" charset="-127"/>
-                <a:ea typeface="-윤고딕320" panose="02030504000101010101" pitchFamily="18" charset="-127"/>
-              </a:rPr>
-              <a:t>, </a:t>
-            </a:r>
-            <a:r>
-              <a:rPr lang="ko-KR" altLang="en-US" sz="1400">
-                <a:latin typeface="-윤고딕320" panose="02030504000101010101" pitchFamily="18" charset="-127"/>
-                <a:ea typeface="-윤고딕320" panose="02030504000101010101" pitchFamily="18" charset="-127"/>
-              </a:rPr>
-              <a:t>한수</a:t>
-            </a:r>
-            <a:r>
-              <a:rPr lang="en-US" altLang="ko-KR" sz="1400">
-                <a:latin typeface="-윤고딕320" panose="02030504000101010101" pitchFamily="18" charset="-127"/>
-                <a:ea typeface="-윤고딕320" panose="02030504000101010101" pitchFamily="18" charset="-127"/>
-              </a:rPr>
-              <a:t>, </a:t>
-            </a:r>
-            <a:r>
-              <a:rPr lang="ko-KR" altLang="en-US" sz="1400">
-                <a:latin typeface="-윤고딕320" panose="02030504000101010101" pitchFamily="18" charset="-127"/>
-                <a:ea typeface="-윤고딕320" panose="02030504000101010101" pitchFamily="18" charset="-127"/>
-              </a:rPr>
-              <a:t>신승호 </a:t>
-            </a:r>
-            <a:r>
-              <a:rPr lang="en-US" altLang="ko-KR" sz="1400">
-                <a:latin typeface="-윤고딕320" panose="02030504000101010101" pitchFamily="18" charset="-127"/>
-                <a:ea typeface="-윤고딕320" panose="02030504000101010101" pitchFamily="18" charset="-127"/>
-              </a:rPr>
-              <a:t>(2006). </a:t>
-            </a:r>
-            <a:r>
-              <a:rPr lang="ko-KR" altLang="en-US" sz="1400">
-                <a:latin typeface="-윤고딕320" panose="02030504000101010101" pitchFamily="18" charset="-127"/>
-                <a:ea typeface="-윤고딕320" panose="02030504000101010101" pitchFamily="18" charset="-127"/>
-              </a:rPr>
-              <a:t>보안을 고려한 </a:t>
-            </a:r>
-            <a:r>
-              <a:rPr lang="en-US" altLang="ko-KR" sz="1400">
-                <a:latin typeface="-윤고딕320" panose="02030504000101010101" pitchFamily="18" charset="-127"/>
-                <a:ea typeface="-윤고딕320" panose="02030504000101010101" pitchFamily="18" charset="-127"/>
-              </a:rPr>
-              <a:t>RFID/USN </a:t>
-            </a:r>
-            <a:r>
-              <a:rPr lang="ko-KR" altLang="en-US" sz="1400">
-                <a:latin typeface="-윤고딕320" panose="02030504000101010101" pitchFamily="18" charset="-127"/>
-                <a:ea typeface="-윤고딕320" panose="02030504000101010101" pitchFamily="18" charset="-127"/>
-              </a:rPr>
-              <a:t>기반의 능동형 창고 상태 관리 시스템</a:t>
-            </a:r>
-            <a:r>
-              <a:rPr lang="en-US" altLang="ko-KR" sz="1400">
-                <a:latin typeface="-윤고딕320" panose="02030504000101010101" pitchFamily="18" charset="-127"/>
-                <a:ea typeface="-윤고딕320" panose="02030504000101010101" pitchFamily="18" charset="-127"/>
-              </a:rPr>
-              <a:t>. </a:t>
-            </a:r>
-          </a:p>
-          <a:p>
-            <a:r>
-              <a:rPr lang="en-US" altLang="ko-KR" sz="1400">
-                <a:latin typeface="-윤고딕320" panose="02030504000101010101" pitchFamily="18" charset="-127"/>
-                <a:ea typeface="-윤고딕320" panose="02030504000101010101" pitchFamily="18" charset="-127"/>
-              </a:rPr>
-              <a:t>     </a:t>
-            </a:r>
-            <a:r>
-              <a:rPr lang="ko-KR" altLang="en-US" sz="1400">
-                <a:latin typeface="-윤고딕320" panose="02030504000101010101" pitchFamily="18" charset="-127"/>
-                <a:ea typeface="-윤고딕320" panose="02030504000101010101" pitchFamily="18" charset="-127"/>
-              </a:rPr>
-              <a:t>한국 정보과학회 학술발표논문집</a:t>
-            </a:r>
-            <a:r>
-              <a:rPr lang="en-US" altLang="ko-KR" sz="1400">
-                <a:latin typeface="-윤고딕320" panose="02030504000101010101" pitchFamily="18" charset="-127"/>
-                <a:ea typeface="-윤고딕320" panose="02030504000101010101" pitchFamily="18" charset="-127"/>
-              </a:rPr>
-              <a:t>, 33(2D), 122-127. </a:t>
-            </a:r>
-            <a:endParaRPr lang="ko-KR" altLang="en-US" sz="1400">
-              <a:latin typeface="-윤고딕320" panose="02030504000101010101" pitchFamily="18" charset="-127"/>
-              <a:ea typeface="-윤고딕320" panose="02030504000101010101" pitchFamily="18" charset="-127"/>
-            </a:endParaRPr>
-          </a:p>
-          <a:p>
-            <a:endParaRPr lang="en-US" altLang="ko-KR" sz="1400">
-              <a:latin typeface="-윤고딕320" panose="02030504000101010101" pitchFamily="18" charset="-127"/>
-              <a:ea typeface="-윤고딕320" panose="02030504000101010101" pitchFamily="18" charset="-127"/>
-            </a:endParaRPr>
-          </a:p>
-          <a:p>
-            <a:endParaRPr lang="en-US" altLang="ko-KR" sz="1400">
-              <a:latin typeface="-윤고딕320" panose="02030504000101010101" pitchFamily="18" charset="-127"/>
-              <a:ea typeface="-윤고딕320" panose="02030504000101010101" pitchFamily="18" charset="-127"/>
-            </a:endParaRPr>
-          </a:p>
-          <a:p>
-            <a:endParaRPr lang="en-US" altLang="ko-KR" sz="1400">
-              <a:latin typeface="-윤고딕320" panose="02030504000101010101" pitchFamily="18" charset="-127"/>
-              <a:ea typeface="-윤고딕320" panose="02030504000101010101" pitchFamily="18" charset="-127"/>
-            </a:endParaRPr>
-          </a:p>
-          <a:p>
-            <a:r>
-              <a:rPr lang="ko-KR" altLang="en-US">
-                <a:latin typeface="-윤고딕350" panose="02030504000101010101" pitchFamily="18" charset="-127"/>
-                <a:ea typeface="-윤고딕350" panose="02030504000101010101" pitchFamily="18" charset="-127"/>
-              </a:rPr>
-              <a:t>기타 참고자료</a:t>
-            </a:r>
-            <a:endParaRPr lang="en-US" altLang="ko-KR">
-              <a:latin typeface="-윤고딕350" panose="02030504000101010101" pitchFamily="18" charset="-127"/>
-              <a:ea typeface="-윤고딕350" panose="02030504000101010101" pitchFamily="18" charset="-127"/>
-            </a:endParaRPr>
-          </a:p>
-          <a:p>
-            <a:endParaRPr lang="en-US" altLang="ko-KR" sz="1600">
-              <a:latin typeface="-윤고딕350" panose="02030504000101010101" pitchFamily="18" charset="-127"/>
-              <a:ea typeface="-윤고딕350" panose="02030504000101010101" pitchFamily="18" charset="-127"/>
-            </a:endParaRPr>
-          </a:p>
-          <a:p>
-            <a:endParaRPr lang="en-US" altLang="ko-KR" sz="1200">
-              <a:latin typeface="-윤고딕320" panose="02030504000101010101" pitchFamily="18" charset="-127"/>
-              <a:ea typeface="-윤고딕320" panose="02030504000101010101" pitchFamily="18" charset="-127"/>
-            </a:endParaRPr>
-          </a:p>
-          <a:p>
-            <a:pPr marL="285750" indent="-285750">
-              <a:buFont typeface="Wingdings" panose="05000000000000000000" pitchFamily="2" charset="2"/>
-              <a:buChar char="Ø"/>
-            </a:pPr>
-            <a:r>
-              <a:rPr lang="en-US" altLang="ko-KR" sz="1400">
-                <a:latin typeface="-윤고딕320" panose="02030504000101010101" pitchFamily="18" charset="-127"/>
-                <a:ea typeface="-윤고딕320" panose="02030504000101010101" pitchFamily="18" charset="-127"/>
-              </a:rPr>
-              <a:t>(</a:t>
-            </a:r>
-            <a:r>
-              <a:rPr lang="ko-KR" altLang="en-US" sz="1400">
-                <a:latin typeface="-윤고딕320" panose="02030504000101010101" pitchFamily="18" charset="-127"/>
-                <a:ea typeface="-윤고딕320" panose="02030504000101010101" pitchFamily="18" charset="-127"/>
-              </a:rPr>
-              <a:t>기사</a:t>
-            </a:r>
-            <a:r>
-              <a:rPr lang="en-US" altLang="ko-KR" sz="1400">
-                <a:latin typeface="-윤고딕320" panose="02030504000101010101" pitchFamily="18" charset="-127"/>
-                <a:ea typeface="-윤고딕320" panose="02030504000101010101" pitchFamily="18" charset="-127"/>
-              </a:rPr>
-              <a:t>)‘</a:t>
-            </a:r>
-            <a:r>
-              <a:rPr lang="ko-KR" altLang="en-US" sz="1400">
-                <a:latin typeface="-윤고딕320" panose="02030504000101010101" pitchFamily="18" charset="-127"/>
-                <a:ea typeface="-윤고딕320" panose="02030504000101010101" pitchFamily="18" charset="-127"/>
-              </a:rPr>
-              <a:t>입금은 했는데 배송은 깜깜’</a:t>
-            </a:r>
-            <a:r>
-              <a:rPr lang="en-US" altLang="ko-KR" sz="1400">
-                <a:latin typeface="-윤고딕320" panose="02030504000101010101" pitchFamily="18" charset="-127"/>
-                <a:ea typeface="-윤고딕320" panose="02030504000101010101" pitchFamily="18" charset="-127"/>
-              </a:rPr>
-              <a:t>…</a:t>
-            </a:r>
-            <a:r>
-              <a:rPr lang="ko-KR" altLang="en-US" sz="1400">
-                <a:latin typeface="-윤고딕320" panose="02030504000101010101" pitchFamily="18" charset="-127"/>
-                <a:ea typeface="-윤고딕320" panose="02030504000101010101" pitchFamily="18" charset="-127"/>
-              </a:rPr>
-              <a:t>중고장터 피해 예방 </a:t>
-            </a:r>
-            <a:r>
-              <a:rPr lang="en-US" altLang="ko-KR" sz="1400">
-                <a:latin typeface="-윤고딕320" panose="02030504000101010101" pitchFamily="18" charset="-127"/>
-                <a:ea typeface="-윤고딕320" panose="02030504000101010101" pitchFamily="18" charset="-127"/>
-              </a:rPr>
-              <a:t>3</a:t>
-            </a:r>
-            <a:r>
-              <a:rPr lang="ko-KR" altLang="en-US" sz="1400">
-                <a:latin typeface="-윤고딕320" panose="02030504000101010101" pitchFamily="18" charset="-127"/>
-                <a:ea typeface="-윤고딕320" panose="02030504000101010101" pitchFamily="18" charset="-127"/>
-              </a:rPr>
-              <a:t>원칙 </a:t>
-            </a:r>
-            <a:r>
-              <a:rPr lang="en-US" altLang="ko-KR" sz="1400">
-                <a:latin typeface="-윤고딕320" panose="02030504000101010101" pitchFamily="18" charset="-127"/>
-                <a:ea typeface="-윤고딕320" panose="02030504000101010101" pitchFamily="18" charset="-127"/>
-              </a:rPr>
-              <a:t>– </a:t>
-            </a:r>
-            <a:r>
-              <a:rPr lang="ko-KR" altLang="en-US" sz="1400">
-                <a:latin typeface="-윤고딕320" panose="02030504000101010101" pitchFamily="18" charset="-127"/>
-                <a:ea typeface="-윤고딕320" panose="02030504000101010101" pitchFamily="18" charset="-127"/>
-              </a:rPr>
-              <a:t>기자 </a:t>
-            </a:r>
-            <a:r>
-              <a:rPr lang="en-US" altLang="ko-KR" sz="1400">
-                <a:latin typeface="-윤고딕320" panose="02030504000101010101" pitchFamily="18" charset="-127"/>
-                <a:ea typeface="-윤고딕320" panose="02030504000101010101" pitchFamily="18" charset="-127"/>
-              </a:rPr>
-              <a:t>: </a:t>
-            </a:r>
-            <a:r>
-              <a:rPr lang="ko-KR" altLang="en-US" sz="1400">
-                <a:latin typeface="-윤고딕320" panose="02030504000101010101" pitchFamily="18" charset="-127"/>
-                <a:ea typeface="-윤고딕320" panose="02030504000101010101" pitchFamily="18" charset="-127"/>
-              </a:rPr>
-              <a:t>대한민국 정책기자단</a:t>
-            </a:r>
-          </a:p>
-          <a:p>
-            <a:pPr marL="285750" indent="-285750">
-              <a:buFont typeface="Wingdings" panose="05000000000000000000" pitchFamily="2" charset="2"/>
-              <a:buChar char="Ø"/>
-            </a:pPr>
-            <a:endParaRPr lang="ko-KR" altLang="en-US" sz="1400">
-              <a:latin typeface="-윤고딕320" panose="02030504000101010101" pitchFamily="18" charset="-127"/>
-              <a:ea typeface="-윤고딕320" panose="02030504000101010101" pitchFamily="18" charset="-127"/>
-            </a:endParaRPr>
-          </a:p>
-          <a:p>
-            <a:pPr marL="285750" indent="-285750">
-              <a:buFont typeface="Wingdings" panose="05000000000000000000" pitchFamily="2" charset="2"/>
-              <a:buChar char="Ø"/>
-            </a:pPr>
-            <a:r>
-              <a:rPr lang="en-US" altLang="ko-KR" sz="1400">
-                <a:latin typeface="-윤고딕320" panose="02030504000101010101" pitchFamily="18" charset="-127"/>
-                <a:ea typeface="-윤고딕320" panose="02030504000101010101" pitchFamily="18" charset="-127"/>
-              </a:rPr>
-              <a:t>(app) </a:t>
-            </a:r>
-            <a:r>
-              <a:rPr lang="ko-KR" altLang="en-US" sz="1400">
-                <a:latin typeface="-윤고딕320" panose="02030504000101010101" pitchFamily="18" charset="-127"/>
-                <a:ea typeface="-윤고딕320" panose="02030504000101010101" pitchFamily="18" charset="-127"/>
-              </a:rPr>
-              <a:t>당근 마켓</a:t>
-            </a:r>
-            <a:r>
-              <a:rPr lang="en-US" altLang="ko-KR" sz="1400">
-                <a:latin typeface="-윤고딕320" panose="02030504000101010101" pitchFamily="18" charset="-127"/>
-                <a:ea typeface="-윤고딕320" panose="02030504000101010101" pitchFamily="18" charset="-127"/>
-              </a:rPr>
-              <a:t>(</a:t>
-            </a:r>
-            <a:r>
-              <a:rPr lang="ko-KR" altLang="en-US" sz="1400">
-                <a:latin typeface="-윤고딕320" panose="02030504000101010101" pitchFamily="18" charset="-127"/>
-                <a:ea typeface="-윤고딕320" panose="02030504000101010101" pitchFamily="18" charset="-127"/>
-              </a:rPr>
-              <a:t>중고 직거래 어플</a:t>
-            </a:r>
-            <a:r>
-              <a:rPr lang="en-US" altLang="ko-KR" sz="1400">
-                <a:latin typeface="-윤고딕320" panose="02030504000101010101" pitchFamily="18" charset="-127"/>
-                <a:ea typeface="-윤고딕320" panose="02030504000101010101" pitchFamily="18" charset="-127"/>
-              </a:rPr>
-              <a:t>) – google play</a:t>
-            </a:r>
-          </a:p>
-          <a:p>
-            <a:pPr marL="285750" indent="-285750">
-              <a:buFont typeface="Wingdings" panose="05000000000000000000" pitchFamily="2" charset="2"/>
-              <a:buChar char="Ø"/>
-            </a:pPr>
-            <a:endParaRPr lang="en-US" altLang="ko-KR" sz="1400">
-              <a:latin typeface="-윤고딕320" panose="02030504000101010101" pitchFamily="18" charset="-127"/>
-              <a:ea typeface="-윤고딕320" panose="02030504000101010101" pitchFamily="18" charset="-127"/>
-            </a:endParaRPr>
-          </a:p>
-          <a:p>
-            <a:pPr marL="285750" indent="-285750">
-              <a:buFont typeface="Wingdings" panose="05000000000000000000" pitchFamily="2" charset="2"/>
-              <a:buChar char="Ø"/>
-            </a:pPr>
-            <a:r>
-              <a:rPr lang="en-US" altLang="ko-KR" sz="1400">
-                <a:latin typeface="-윤고딕320" panose="02030504000101010101" pitchFamily="18" charset="-127"/>
-                <a:ea typeface="-윤고딕320" panose="02030504000101010101" pitchFamily="18" charset="-127"/>
-              </a:rPr>
-              <a:t>(</a:t>
-            </a:r>
-            <a:r>
-              <a:rPr lang="ko-KR" altLang="en-US" sz="1400">
-                <a:latin typeface="-윤고딕320" panose="02030504000101010101" pitchFamily="18" charset="-127"/>
-                <a:ea typeface="-윤고딕320" panose="02030504000101010101" pitchFamily="18" charset="-127"/>
-              </a:rPr>
-              <a:t>회사</a:t>
-            </a:r>
-            <a:r>
-              <a:rPr lang="en-US" altLang="ko-KR" sz="1400">
-                <a:latin typeface="-윤고딕320" panose="02030504000101010101" pitchFamily="18" charset="-127"/>
-                <a:ea typeface="-윤고딕320" panose="02030504000101010101" pitchFamily="18" charset="-127"/>
-              </a:rPr>
-              <a:t>) EDS</a:t>
-            </a:r>
-            <a:r>
-              <a:rPr lang="ko-KR" altLang="en-US" sz="1400">
-                <a:latin typeface="-윤고딕320" panose="02030504000101010101" pitchFamily="18" charset="-127"/>
-                <a:ea typeface="-윤고딕320" panose="02030504000101010101" pitchFamily="18" charset="-127"/>
-              </a:rPr>
-              <a:t>택배라커 강산 이디에스</a:t>
-            </a:r>
-            <a:r>
-              <a:rPr lang="en-US" altLang="ko-KR" sz="1400">
-                <a:latin typeface="-윤고딕320" panose="02030504000101010101" pitchFamily="18" charset="-127"/>
-                <a:ea typeface="-윤고딕320" panose="02030504000101010101" pitchFamily="18" charset="-127"/>
-              </a:rPr>
-              <a:t>(</a:t>
-            </a:r>
-            <a:r>
-              <a:rPr lang="ko-KR" altLang="en-US" sz="1400">
-                <a:latin typeface="-윤고딕320" panose="02030504000101010101" pitchFamily="18" charset="-127"/>
-                <a:ea typeface="-윤고딕320" panose="02030504000101010101" pitchFamily="18" charset="-127"/>
-              </a:rPr>
-              <a:t>주</a:t>
-            </a:r>
-            <a:r>
-              <a:rPr lang="en-US" altLang="ko-KR" sz="1400">
-                <a:latin typeface="-윤고딕320" panose="02030504000101010101" pitchFamily="18" charset="-127"/>
-                <a:ea typeface="-윤고딕320" panose="02030504000101010101" pitchFamily="18" charset="-127"/>
-              </a:rPr>
-              <a:t>) - http://www.ksroof.com/new/sub8_1.htm</a:t>
-            </a:r>
-          </a:p>
-          <a:p>
-            <a:endParaRPr lang="en-US" altLang="ko-KR" sz="1400">
-              <a:latin typeface="-윤고딕320" panose="02030504000101010101" pitchFamily="18" charset="-127"/>
-              <a:ea typeface="-윤고딕320" panose="02030504000101010101" pitchFamily="18" charset="-127"/>
-            </a:endParaRPr>
-          </a:p>
-          <a:p>
-            <a:endParaRPr lang="en-US" altLang="ko-KR" sz="1400">
-              <a:latin typeface="-윤고딕320" panose="02030504000101010101" pitchFamily="18" charset="-127"/>
-              <a:ea typeface="-윤고딕320" panose="02030504000101010101" pitchFamily="18" charset="-127"/>
-            </a:endParaRPr>
-          </a:p>
-        </p:txBody>
-      </p:sp>
-    </p:spTree>
-    <p:extLst>
-      <p:ext uri="{BB962C8B-B14F-4D97-AF65-F5344CB8AC3E}">
-        <p14:creationId xmlns:p14="http://schemas.microsoft.com/office/powerpoint/2010/main" val="1142906530"/>
       </p:ext>
     </p:extLst>
   </p:cSld>
@@ -21786,6 +24829,256 @@
           </a:p>
         </p:txBody>
       </p:sp>
+      <p:pic>
+        <p:nvPicPr>
+          <p:cNvPr id="3" name="그림 2">
+            <a:extLst>
+              <a:ext uri="{FF2B5EF4-FFF2-40B4-BE49-F238E27FC236}">
+                <a16:creationId xmlns:a16="http://schemas.microsoft.com/office/drawing/2014/main" id="{715B4C86-52DD-426D-91FC-708C1328AC54}"/>
+              </a:ext>
+            </a:extLst>
+          </p:cNvPr>
+          <p:cNvPicPr>
+            <a:picLocks noChangeAspect="1"/>
+          </p:cNvPicPr>
+          <p:nvPr/>
+        </p:nvPicPr>
+        <p:blipFill>
+          <a:blip r:embed="rId2"/>
+          <a:stretch>
+            <a:fillRect/>
+          </a:stretch>
+        </p:blipFill>
+        <p:spPr>
+          <a:xfrm>
+            <a:off x="2025358" y="1608017"/>
+            <a:ext cx="8141284" cy="4931928"/>
+          </a:xfrm>
+          <a:prstGeom prst="rect">
+            <a:avLst/>
+          </a:prstGeom>
+        </p:spPr>
+      </p:pic>
+      <p:sp>
+        <p:nvSpPr>
+          <p:cNvPr id="5" name="TextBox 4">
+            <a:extLst>
+              <a:ext uri="{FF2B5EF4-FFF2-40B4-BE49-F238E27FC236}">
+                <a16:creationId xmlns:a16="http://schemas.microsoft.com/office/drawing/2014/main" id="{DF73B153-0B94-446C-828D-A516F8A2560D}"/>
+              </a:ext>
+            </a:extLst>
+          </p:cNvPr>
+          <p:cNvSpPr txBox="1"/>
+          <p:nvPr/>
+        </p:nvSpPr>
+        <p:spPr>
+          <a:xfrm>
+            <a:off x="1708150" y="943986"/>
+            <a:ext cx="9004709" cy="461665"/>
+          </a:xfrm>
+          <a:prstGeom prst="rect">
+            <a:avLst/>
+          </a:prstGeom>
+          <a:noFill/>
+        </p:spPr>
+        <p:txBody>
+          <a:bodyPr wrap="none" rtlCol="0">
+            <a:spAutoFit/>
+          </a:bodyPr>
+          <a:lstStyle/>
+          <a:p>
+            <a:r>
+              <a:rPr lang="en-US" altLang="ko-KR" sz="2400">
+                <a:latin typeface="-윤고딕320" panose="02030504000101010101" pitchFamily="18" charset="-127"/>
+                <a:ea typeface="-윤고딕320" panose="02030504000101010101" pitchFamily="18" charset="-127"/>
+              </a:rPr>
+              <a:t>Github : </a:t>
+            </a:r>
+            <a:r>
+              <a:rPr lang="en-US" altLang="ko-KR" sz="2400">
+                <a:latin typeface="-윤고딕320" panose="02030504000101010101" pitchFamily="18" charset="-127"/>
+                <a:ea typeface="-윤고딕320" panose="02030504000101010101" pitchFamily="18" charset="-127"/>
+                <a:hlinkClick r:id="rId3"/>
+              </a:rPr>
+              <a:t>https://github.com/ParkBangBang/GW_TradingSystem</a:t>
+            </a:r>
+            <a:r>
+              <a:rPr lang="en-US" altLang="ko-KR" sz="2400">
+                <a:latin typeface="-윤고딕320" panose="02030504000101010101" pitchFamily="18" charset="-127"/>
+                <a:ea typeface="-윤고딕320" panose="02030504000101010101" pitchFamily="18" charset="-127"/>
+              </a:rPr>
+              <a:t>  </a:t>
+            </a:r>
+            <a:endParaRPr lang="ko-KR" altLang="en-US" sz="2400">
+              <a:latin typeface="-윤고딕320" panose="02030504000101010101" pitchFamily="18" charset="-127"/>
+              <a:ea typeface="-윤고딕320" panose="02030504000101010101" pitchFamily="18" charset="-127"/>
+            </a:endParaRPr>
+          </a:p>
+        </p:txBody>
+      </p:sp>
+    </p:spTree>
+    <p:extLst>
+      <p:ext uri="{BB962C8B-B14F-4D97-AF65-F5344CB8AC3E}">
+        <p14:creationId xmlns:p14="http://schemas.microsoft.com/office/powerpoint/2010/main" val="1889709564"/>
+      </p:ext>
+    </p:extLst>
+  </p:cSld>
+  <p:clrMapOvr>
+    <a:masterClrMapping/>
+  </p:clrMapOvr>
+</p:sld>
+</file>
+
+<file path=ppt/slides/slide16.xml><?xml version="1.0" encoding="utf-8"?>
+<p:sld xmlns:a="http://schemas.openxmlformats.org/drawingml/2006/main" xmlns:r="http://schemas.openxmlformats.org/officeDocument/2006/relationships" xmlns:p="http://schemas.openxmlformats.org/presentationml/2006/main">
+  <p:cSld>
+    <p:spTree>
+      <p:nvGrpSpPr>
+        <p:cNvPr id="1" name=""/>
+        <p:cNvGrpSpPr/>
+        <p:nvPr/>
+      </p:nvGrpSpPr>
+      <p:grpSpPr>
+        <a:xfrm>
+          <a:off x="0" y="0"/>
+          <a:ext cx="0" cy="0"/>
+          <a:chOff x="0" y="0"/>
+          <a:chExt cx="0" cy="0"/>
+        </a:xfrm>
+      </p:grpSpPr>
+      <p:cxnSp>
+        <p:nvCxnSpPr>
+          <p:cNvPr id="4" name="직선 연결선 3">
+            <a:extLst>
+              <a:ext uri="{FF2B5EF4-FFF2-40B4-BE49-F238E27FC236}">
+                <a16:creationId xmlns:a16="http://schemas.microsoft.com/office/drawing/2014/main" id="{4C80CCB9-1758-4328-B460-E82882B6F49F}"/>
+              </a:ext>
+            </a:extLst>
+          </p:cNvPr>
+          <p:cNvCxnSpPr/>
+          <p:nvPr/>
+        </p:nvCxnSpPr>
+        <p:spPr>
+          <a:xfrm>
+            <a:off x="508000" y="571500"/>
+            <a:ext cx="2400300" cy="0"/>
+          </a:xfrm>
+          <a:prstGeom prst="line">
+            <a:avLst/>
+          </a:prstGeom>
+          <a:ln w="19050">
+            <a:solidFill>
+              <a:schemeClr val="tx1"/>
+            </a:solidFill>
+          </a:ln>
+        </p:spPr>
+        <p:style>
+          <a:lnRef idx="1">
+            <a:schemeClr val="accent1"/>
+          </a:lnRef>
+          <a:fillRef idx="0">
+            <a:schemeClr val="accent1"/>
+          </a:fillRef>
+          <a:effectRef idx="0">
+            <a:schemeClr val="accent1"/>
+          </a:effectRef>
+          <a:fontRef idx="minor">
+            <a:schemeClr val="tx1"/>
+          </a:fontRef>
+        </p:style>
+      </p:cxnSp>
+      <p:cxnSp>
+        <p:nvCxnSpPr>
+          <p:cNvPr id="8" name="직선 연결선 7">
+            <a:extLst>
+              <a:ext uri="{FF2B5EF4-FFF2-40B4-BE49-F238E27FC236}">
+                <a16:creationId xmlns:a16="http://schemas.microsoft.com/office/drawing/2014/main" id="{DE9D3FAC-21C1-42F4-8C5A-7B6DD6578892}"/>
+              </a:ext>
+            </a:extLst>
+          </p:cNvPr>
+          <p:cNvCxnSpPr>
+            <a:cxnSpLocks/>
+          </p:cNvCxnSpPr>
+          <p:nvPr/>
+        </p:nvCxnSpPr>
+        <p:spPr>
+          <a:xfrm>
+            <a:off x="3251200" y="571500"/>
+            <a:ext cx="8242300" cy="0"/>
+          </a:xfrm>
+          <a:prstGeom prst="line">
+            <a:avLst/>
+          </a:prstGeom>
+          <a:ln w="19050">
+            <a:solidFill>
+              <a:schemeClr val="tx1"/>
+            </a:solidFill>
+          </a:ln>
+        </p:spPr>
+        <p:style>
+          <a:lnRef idx="1">
+            <a:schemeClr val="accent1"/>
+          </a:lnRef>
+          <a:fillRef idx="0">
+            <a:schemeClr val="accent1"/>
+          </a:fillRef>
+          <a:effectRef idx="0">
+            <a:schemeClr val="accent1"/>
+          </a:effectRef>
+          <a:fontRef idx="minor">
+            <a:schemeClr val="tx1"/>
+          </a:fontRef>
+        </p:style>
+      </p:cxnSp>
+      <p:sp>
+        <p:nvSpPr>
+          <p:cNvPr id="13" name="TextBox 12">
+            <a:extLst>
+              <a:ext uri="{FF2B5EF4-FFF2-40B4-BE49-F238E27FC236}">
+                <a16:creationId xmlns:a16="http://schemas.microsoft.com/office/drawing/2014/main" id="{3B39D909-1D0E-484D-9853-79AA4A432F4E}"/>
+              </a:ext>
+            </a:extLst>
+          </p:cNvPr>
+          <p:cNvSpPr txBox="1"/>
+          <p:nvPr/>
+        </p:nvSpPr>
+        <p:spPr>
+          <a:xfrm>
+            <a:off x="457204" y="147935"/>
+            <a:ext cx="3009009" cy="400110"/>
+          </a:xfrm>
+          <a:prstGeom prst="rect">
+            <a:avLst/>
+          </a:prstGeom>
+          <a:noFill/>
+        </p:spPr>
+        <p:txBody>
+          <a:bodyPr wrap="square" rtlCol="0">
+            <a:spAutoFit/>
+          </a:bodyPr>
+          <a:lstStyle/>
+          <a:p>
+            <a:r>
+              <a:rPr lang="en-US" altLang="ko-KR" sz="2000" b="1">
+                <a:latin typeface="-윤고딕330" panose="02030504000101010101" pitchFamily="18" charset="-127"/>
+                <a:ea typeface="-윤고딕330" panose="02030504000101010101" pitchFamily="18" charset="-127"/>
+              </a:rPr>
+              <a:t>08 </a:t>
+            </a:r>
+            <a:r>
+              <a:rPr lang="ko-KR" altLang="en-US" sz="2000" b="1">
+                <a:latin typeface="-윤고딕330" panose="02030504000101010101" pitchFamily="18" charset="-127"/>
+                <a:ea typeface="-윤고딕330" panose="02030504000101010101" pitchFamily="18" charset="-127"/>
+              </a:rPr>
+              <a:t>필요 기술 및 참고 문헌</a:t>
+            </a:r>
+            <a:endParaRPr lang="en-US" altLang="ko-KR" sz="2000" b="1">
+              <a:latin typeface="-윤고딕330" panose="02030504000101010101" pitchFamily="18" charset="-127"/>
+              <a:ea typeface="-윤고딕330" panose="02030504000101010101" pitchFamily="18" charset="-127"/>
+            </a:endParaRPr>
+          </a:p>
+        </p:txBody>
+      </p:sp>
       <p:sp>
         <p:nvSpPr>
           <p:cNvPr id="2" name="TextBox 1">
@@ -21801,7 +25094,7 @@
         <p:spPr>
           <a:xfrm>
             <a:off x="688754" y="900753"/>
-            <a:ext cx="10486332" cy="4955203"/>
+            <a:ext cx="9265678" cy="5601533"/>
           </a:xfrm>
           <a:prstGeom prst="rect">
             <a:avLst/>
@@ -21819,7 +25112,7 @@
                 <a:latin typeface="-윤고딕350" panose="02030504000101010101" pitchFamily="18" charset="-127"/>
                 <a:ea typeface="-윤고딕350" panose="02030504000101010101" pitchFamily="18" charset="-127"/>
               </a:rPr>
-              <a:t>이미지 출처</a:t>
+              <a:t>논문</a:t>
             </a:r>
             <a:endParaRPr lang="en-US" altLang="ko-KR">
               <a:latin typeface="-윤고딕350" panose="02030504000101010101" pitchFamily="18" charset="-127"/>
@@ -21940,27 +25233,81 @@
               <a:buChar char="Ø"/>
             </a:pPr>
             <a:r>
+              <a:rPr lang="en-US" altLang="ko-KR" sz="1400">
+                <a:latin typeface="-윤고딕320" panose="02030504000101010101" pitchFamily="18" charset="-127"/>
+                <a:ea typeface="-윤고딕320" panose="02030504000101010101" pitchFamily="18" charset="-127"/>
+              </a:rPr>
+              <a:t>1</a:t>
+            </a:r>
+            <a:r>
               <a:rPr lang="ko-KR" altLang="en-US" sz="1400">
                 <a:latin typeface="-윤고딕320" panose="02030504000101010101" pitchFamily="18" charset="-127"/>
                 <a:ea typeface="-윤고딕320" panose="02030504000101010101" pitchFamily="18" charset="-127"/>
               </a:rPr>
-              <a:t>제안서 표지 무인함 </a:t>
-            </a:r>
-            <a:r>
-              <a:rPr lang="en-US" altLang="ko-KR" sz="1400">
-                <a:latin typeface="-윤고딕320" panose="02030504000101010101" pitchFamily="18" charset="-127"/>
-                <a:ea typeface="-윤고딕320" panose="02030504000101010101" pitchFamily="18" charset="-127"/>
-                <a:hlinkClick r:id="rId2"/>
-              </a:rPr>
-              <a:t>https://blog.naver.com/vinylx/220340586213</a:t>
+              <a:t>인 가구 소비행태와 소비자문제 연구 </a:t>
             </a:r>
             <a:r>
               <a:rPr lang="en-US" altLang="ko-KR" sz="1400">
                 <a:latin typeface="-윤고딕320" panose="02030504000101010101" pitchFamily="18" charset="-127"/>
                 <a:ea typeface="-윤고딕320" panose="02030504000101010101" pitchFamily="18" charset="-127"/>
               </a:rPr>
-              <a:t> </a:t>
-            </a:r>
+              <a:t>(</a:t>
+            </a:r>
+            <a:r>
+              <a:rPr lang="ko-KR" altLang="en-US" sz="1400">
+                <a:latin typeface="-윤고딕320" panose="02030504000101010101" pitchFamily="18" charset="-127"/>
+                <a:ea typeface="-윤고딕320" panose="02030504000101010101" pitchFamily="18" charset="-127"/>
+              </a:rPr>
+              <a:t>한국소비자원</a:t>
+            </a:r>
+            <a:r>
+              <a:rPr lang="en-US" altLang="ko-KR" sz="1400">
+                <a:latin typeface="-윤고딕320" panose="02030504000101010101" pitchFamily="18" charset="-127"/>
+                <a:ea typeface="-윤고딕320" panose="02030504000101010101" pitchFamily="18" charset="-127"/>
+              </a:rPr>
+              <a:t>) </a:t>
+            </a:r>
+            <a:r>
+              <a:rPr lang="ko-KR" altLang="en-US" sz="1400">
+                <a:latin typeface="-윤고딕320" panose="02030504000101010101" pitchFamily="18" charset="-127"/>
+                <a:ea typeface="-윤고딕320" panose="02030504000101010101" pitchFamily="18" charset="-127"/>
+              </a:rPr>
+              <a:t>저자 </a:t>
+            </a:r>
+            <a:r>
+              <a:rPr lang="en-US" altLang="ko-KR" sz="1400">
+                <a:latin typeface="-윤고딕320" panose="02030504000101010101" pitchFamily="18" charset="-127"/>
+                <a:ea typeface="-윤고딕320" panose="02030504000101010101" pitchFamily="18" charset="-127"/>
+              </a:rPr>
+              <a:t>: </a:t>
+            </a:r>
+            <a:r>
+              <a:rPr lang="ko-KR" altLang="en-US" sz="1400">
+                <a:latin typeface="-윤고딕320" panose="02030504000101010101" pitchFamily="18" charset="-127"/>
+                <a:ea typeface="-윤고딕320" panose="02030504000101010101" pitchFamily="18" charset="-127"/>
+              </a:rPr>
+              <a:t>이경아</a:t>
+            </a:r>
+            <a:r>
+              <a:rPr lang="en-US" altLang="ko-KR" sz="1400">
+                <a:latin typeface="-윤고딕320" panose="02030504000101010101" pitchFamily="18" charset="-127"/>
+                <a:ea typeface="-윤고딕320" panose="02030504000101010101" pitchFamily="18" charset="-127"/>
+              </a:rPr>
+              <a:t>, </a:t>
+            </a:r>
+            <a:r>
+              <a:rPr lang="ko-KR" altLang="en-US" sz="1400">
+                <a:latin typeface="-윤고딕320" panose="02030504000101010101" pitchFamily="18" charset="-127"/>
+                <a:ea typeface="-윤고딕320" panose="02030504000101010101" pitchFamily="18" charset="-127"/>
+              </a:rPr>
+              <a:t>곽윤영</a:t>
+            </a:r>
+          </a:p>
+          <a:p>
+            <a:pPr marL="285750" indent="-285750">
+              <a:buFont typeface="Wingdings" panose="05000000000000000000" pitchFamily="2" charset="2"/>
+              <a:buChar char="Ø"/>
+            </a:pPr>
             <a:endParaRPr lang="ko-KR" altLang="en-US" sz="1400">
               <a:latin typeface="-윤고딕320" panose="02030504000101010101" pitchFamily="18" charset="-127"/>
               <a:ea typeface="-윤고딕320" panose="02030504000101010101" pitchFamily="18" charset="-127"/>
@@ -21976,36 +25323,56 @@
                 <a:latin typeface="-윤고딕320" panose="02030504000101010101" pitchFamily="18" charset="-127"/>
                 <a:ea typeface="-윤고딕320" panose="02030504000101010101" pitchFamily="18" charset="-127"/>
               </a:rPr>
-              <a:t>관련 연구 사례 </a:t>
+              <a:t>박기현</a:t>
             </a:r>
             <a:r>
               <a:rPr lang="en-US" altLang="ko-KR" sz="1400">
                 <a:latin typeface="-윤고딕320" panose="02030504000101010101" pitchFamily="18" charset="-127"/>
                 <a:ea typeface="-윤고딕320" panose="02030504000101010101" pitchFamily="18" charset="-127"/>
               </a:rPr>
-              <a:t>– </a:t>
+              <a:t>, </a:t>
             </a:r>
             <a:r>
               <a:rPr lang="ko-KR" altLang="en-US" sz="1400">
                 <a:latin typeface="-윤고딕320" panose="02030504000101010101" pitchFamily="18" charset="-127"/>
                 <a:ea typeface="-윤고딕320" panose="02030504000101010101" pitchFamily="18" charset="-127"/>
               </a:rPr>
-              <a:t>무인함 </a:t>
-            </a:r>
-            <a:r>
-              <a:rPr lang="en-US" altLang="ko-KR" sz="1400">
-                <a:latin typeface="-윤고딕320" panose="02030504000101010101" pitchFamily="18" charset="-127"/>
-                <a:ea typeface="-윤고딕320" panose="02030504000101010101" pitchFamily="18" charset="-127"/>
-                <a:hlinkClick r:id="rId3"/>
-              </a:rPr>
-              <a:t>https://saenu.modoo.at/?link=xf3x2gi3</a:t>
+              <a:t>유상진 </a:t>
             </a:r>
             <a:r>
               <a:rPr lang="en-US" altLang="ko-KR" sz="1400">
                 <a:latin typeface="-윤고딕320" panose="02030504000101010101" pitchFamily="18" charset="-127"/>
                 <a:ea typeface="-윤고딕320" panose="02030504000101010101" pitchFamily="18" charset="-127"/>
               </a:rPr>
-              <a:t>  </a:t>
+              <a:t>(2008). OMA DM </a:t>
+            </a:r>
+            <a:r>
+              <a:rPr lang="ko-KR" altLang="en-US" sz="1400">
+                <a:latin typeface="-윤고딕320" panose="02030504000101010101" pitchFamily="18" charset="-127"/>
+                <a:ea typeface="-윤고딕320" panose="02030504000101010101" pitchFamily="18" charset="-127"/>
+              </a:rPr>
+              <a:t>에이전트를 이용한 택배 서비스 관리 시스템</a:t>
+            </a:r>
+            <a:r>
+              <a:rPr lang="en-US" altLang="ko-KR" sz="1400">
+                <a:latin typeface="-윤고딕320" panose="02030504000101010101" pitchFamily="18" charset="-127"/>
+                <a:ea typeface="-윤고딕320" panose="02030504000101010101" pitchFamily="18" charset="-127"/>
+              </a:rPr>
+              <a:t>. </a:t>
+            </a:r>
+            <a:r>
+              <a:rPr lang="ko-KR" altLang="en-US" sz="1400">
+                <a:latin typeface="-윤고딕320" panose="02030504000101010101" pitchFamily="18" charset="-127"/>
+                <a:ea typeface="-윤고딕320" panose="02030504000101010101" pitchFamily="18" charset="-127"/>
+              </a:rPr>
+              <a:t>한국산업정보학회논문지</a:t>
+            </a:r>
+            <a:r>
+              <a:rPr lang="en-US" altLang="ko-KR" sz="1400">
+                <a:latin typeface="-윤고딕320" panose="02030504000101010101" pitchFamily="18" charset="-127"/>
+                <a:ea typeface="-윤고딕320" panose="02030504000101010101" pitchFamily="18" charset="-127"/>
+              </a:rPr>
+              <a:t>, 13(2), 817. </a:t>
             </a:r>
           </a:p>
           <a:p>
@@ -22013,42 +25380,10 @@
               <a:buFont typeface="Wingdings" panose="05000000000000000000" pitchFamily="2" charset="2"/>
               <a:buChar char="Ø"/>
             </a:pPr>
-            <a:r>
-              <a:rPr lang="ko-KR" altLang="en-US" sz="1400">
-                <a:latin typeface="-윤고딕320" panose="02030504000101010101" pitchFamily="18" charset="-127"/>
-                <a:ea typeface="-윤고딕320" panose="02030504000101010101" pitchFamily="18" charset="-127"/>
-              </a:rPr>
-              <a:t>관련 연구 사례 </a:t>
-            </a:r>
-            <a:r>
-              <a:rPr lang="en-US" altLang="ko-KR" sz="1400">
-                <a:latin typeface="-윤고딕320" panose="02030504000101010101" pitchFamily="18" charset="-127"/>
-                <a:ea typeface="-윤고딕320" panose="02030504000101010101" pitchFamily="18" charset="-127"/>
-              </a:rPr>
-              <a:t>– </a:t>
-            </a:r>
-            <a:r>
-              <a:rPr lang="ko-KR" altLang="en-US" sz="1400">
-                <a:latin typeface="-윤고딕320" panose="02030504000101010101" pitchFamily="18" charset="-127"/>
-                <a:ea typeface="-윤고딕320" panose="02030504000101010101" pitchFamily="18" charset="-127"/>
-              </a:rPr>
-              <a:t>중고나라 </a:t>
-            </a:r>
-            <a:r>
-              <a:rPr lang="en-US" altLang="ko-KR" sz="1400">
-                <a:latin typeface="-윤고딕320" panose="02030504000101010101" pitchFamily="18" charset="-127"/>
-                <a:ea typeface="-윤고딕320" panose="02030504000101010101" pitchFamily="18" charset="-127"/>
-                <a:hlinkClick r:id="rId4"/>
-              </a:rPr>
-              <a:t>http://news.naver.com/main/read.nhn?mode=LSD&amp;mid=sec&amp;sid1=101&amp;oid=468&amp;aid=0000028432</a:t>
-            </a:r>
-            <a:r>
-              <a:rPr lang="en-US" altLang="ko-KR" sz="1400">
-                <a:latin typeface="-윤고딕320" panose="02030504000101010101" pitchFamily="18" charset="-127"/>
-                <a:ea typeface="-윤고딕320" panose="02030504000101010101" pitchFamily="18" charset="-127"/>
-              </a:rPr>
-              <a:t> </a:t>
-            </a:r>
+            <a:endParaRPr lang="en-US" altLang="ko-KR" sz="1400">
+              <a:latin typeface="-윤고딕320" panose="02030504000101010101" pitchFamily="18" charset="-127"/>
+              <a:ea typeface="-윤고딕320" panose="02030504000101010101" pitchFamily="18" charset="-127"/>
+            </a:endParaRPr>
           </a:p>
           <a:p>
             <a:pPr marL="285750" indent="-285750">
@@ -22060,23 +25395,132 @@
                 <a:latin typeface="-윤고딕320" panose="02030504000101010101" pitchFamily="18" charset="-127"/>
                 <a:ea typeface="-윤고딕320" panose="02030504000101010101" pitchFamily="18" charset="-127"/>
               </a:rPr>
-              <a:t>시스템 수행 시나리오 무인함  </a:t>
-            </a:r>
-            <a:r>
-              <a:rPr lang="en-US" altLang="ko-KR" sz="1400">
-                <a:latin typeface="-윤고딕320" panose="02030504000101010101" pitchFamily="18" charset="-127"/>
-                <a:ea typeface="-윤고딕320" panose="02030504000101010101" pitchFamily="18" charset="-127"/>
-                <a:hlinkClick r:id="rId5"/>
-              </a:rPr>
-              <a:t>http://blog.daum.net/buenos365/80</a:t>
+              <a:t>전영준</a:t>
             </a:r>
             <a:r>
               <a:rPr lang="en-US" altLang="ko-KR" sz="1400">
                 <a:latin typeface="-윤고딕320" panose="02030504000101010101" pitchFamily="18" charset="-127"/>
                 <a:ea typeface="-윤고딕320" panose="02030504000101010101" pitchFamily="18" charset="-127"/>
               </a:rPr>
-              <a:t> </a:t>
-            </a:r>
+              <a:t>, </a:t>
+            </a:r>
+            <a:r>
+              <a:rPr lang="ko-KR" altLang="en-US" sz="1400">
+                <a:latin typeface="-윤고딕320" panose="02030504000101010101" pitchFamily="18" charset="-127"/>
+                <a:ea typeface="-윤고딕320" panose="02030504000101010101" pitchFamily="18" charset="-127"/>
+              </a:rPr>
+              <a:t>최용식</a:t>
+            </a:r>
+            <a:r>
+              <a:rPr lang="en-US" altLang="ko-KR" sz="1400">
+                <a:latin typeface="-윤고딕320" panose="02030504000101010101" pitchFamily="18" charset="-127"/>
+                <a:ea typeface="-윤고딕320" panose="02030504000101010101" pitchFamily="18" charset="-127"/>
+              </a:rPr>
+              <a:t>, </a:t>
+            </a:r>
+            <a:r>
+              <a:rPr lang="ko-KR" altLang="en-US" sz="1400">
+                <a:latin typeface="-윤고딕320" panose="02030504000101010101" pitchFamily="18" charset="-127"/>
+                <a:ea typeface="-윤고딕320" panose="02030504000101010101" pitchFamily="18" charset="-127"/>
+              </a:rPr>
+              <a:t>박상현</a:t>
+            </a:r>
+            <a:r>
+              <a:rPr lang="en-US" altLang="ko-KR" sz="1400">
+                <a:latin typeface="-윤고딕320" panose="02030504000101010101" pitchFamily="18" charset="-127"/>
+                <a:ea typeface="-윤고딕320" panose="02030504000101010101" pitchFamily="18" charset="-127"/>
+              </a:rPr>
+              <a:t>, </a:t>
+            </a:r>
+            <a:r>
+              <a:rPr lang="ko-KR" altLang="en-US" sz="1400">
+                <a:latin typeface="-윤고딕320" panose="02030504000101010101" pitchFamily="18" charset="-127"/>
+                <a:ea typeface="-윤고딕320" panose="02030504000101010101" pitchFamily="18" charset="-127"/>
+              </a:rPr>
+              <a:t>한수</a:t>
+            </a:r>
+            <a:r>
+              <a:rPr lang="en-US" altLang="ko-KR" sz="1400">
+                <a:latin typeface="-윤고딕320" panose="02030504000101010101" pitchFamily="18" charset="-127"/>
+                <a:ea typeface="-윤고딕320" panose="02030504000101010101" pitchFamily="18" charset="-127"/>
+              </a:rPr>
+              <a:t>, </a:t>
+            </a:r>
+            <a:r>
+              <a:rPr lang="ko-KR" altLang="en-US" sz="1400">
+                <a:latin typeface="-윤고딕320" panose="02030504000101010101" pitchFamily="18" charset="-127"/>
+                <a:ea typeface="-윤고딕320" panose="02030504000101010101" pitchFamily="18" charset="-127"/>
+              </a:rPr>
+              <a:t>신승호 </a:t>
+            </a:r>
+            <a:r>
+              <a:rPr lang="en-US" altLang="ko-KR" sz="1400">
+                <a:latin typeface="-윤고딕320" panose="02030504000101010101" pitchFamily="18" charset="-127"/>
+                <a:ea typeface="-윤고딕320" panose="02030504000101010101" pitchFamily="18" charset="-127"/>
+              </a:rPr>
+              <a:t>(2006). </a:t>
+            </a:r>
+            <a:r>
+              <a:rPr lang="ko-KR" altLang="en-US" sz="1400">
+                <a:latin typeface="-윤고딕320" panose="02030504000101010101" pitchFamily="18" charset="-127"/>
+                <a:ea typeface="-윤고딕320" panose="02030504000101010101" pitchFamily="18" charset="-127"/>
+              </a:rPr>
+              <a:t>보안을 고려한 </a:t>
+            </a:r>
+            <a:r>
+              <a:rPr lang="en-US" altLang="ko-KR" sz="1400">
+                <a:latin typeface="-윤고딕320" panose="02030504000101010101" pitchFamily="18" charset="-127"/>
+                <a:ea typeface="-윤고딕320" panose="02030504000101010101" pitchFamily="18" charset="-127"/>
+              </a:rPr>
+              <a:t>RFID/USN </a:t>
+            </a:r>
+            <a:r>
+              <a:rPr lang="ko-KR" altLang="en-US" sz="1400">
+                <a:latin typeface="-윤고딕320" panose="02030504000101010101" pitchFamily="18" charset="-127"/>
+                <a:ea typeface="-윤고딕320" panose="02030504000101010101" pitchFamily="18" charset="-127"/>
+              </a:rPr>
+              <a:t>기반의 능동형 창고 상태 관리 시스템</a:t>
+            </a:r>
+            <a:r>
+              <a:rPr lang="en-US" altLang="ko-KR" sz="1400">
+                <a:latin typeface="-윤고딕320" panose="02030504000101010101" pitchFamily="18" charset="-127"/>
+                <a:ea typeface="-윤고딕320" panose="02030504000101010101" pitchFamily="18" charset="-127"/>
+              </a:rPr>
+              <a:t>. </a:t>
+            </a:r>
+          </a:p>
+          <a:p>
+            <a:r>
+              <a:rPr lang="en-US" altLang="ko-KR" sz="1400">
+                <a:latin typeface="-윤고딕320" panose="02030504000101010101" pitchFamily="18" charset="-127"/>
+                <a:ea typeface="-윤고딕320" panose="02030504000101010101" pitchFamily="18" charset="-127"/>
+              </a:rPr>
+              <a:t>     </a:t>
+            </a:r>
+            <a:r>
+              <a:rPr lang="ko-KR" altLang="en-US" sz="1400">
+                <a:latin typeface="-윤고딕320" panose="02030504000101010101" pitchFamily="18" charset="-127"/>
+                <a:ea typeface="-윤고딕320" panose="02030504000101010101" pitchFamily="18" charset="-127"/>
+              </a:rPr>
+              <a:t>한국 정보과학회 학술발표논문집</a:t>
+            </a:r>
+            <a:r>
+              <a:rPr lang="en-US" altLang="ko-KR" sz="1400">
+                <a:latin typeface="-윤고딕320" panose="02030504000101010101" pitchFamily="18" charset="-127"/>
+                <a:ea typeface="-윤고딕320" panose="02030504000101010101" pitchFamily="18" charset="-127"/>
+              </a:rPr>
+              <a:t>, 33(2D), 122-127. </a:t>
+            </a:r>
+            <a:endParaRPr lang="ko-KR" altLang="en-US" sz="1400">
+              <a:latin typeface="-윤고딕320" panose="02030504000101010101" pitchFamily="18" charset="-127"/>
+              <a:ea typeface="-윤고딕320" panose="02030504000101010101" pitchFamily="18" charset="-127"/>
+            </a:endParaRPr>
+          </a:p>
+          <a:p>
+            <a:endParaRPr lang="en-US" altLang="ko-KR" sz="1400">
+              <a:latin typeface="-윤고딕320" panose="02030504000101010101" pitchFamily="18" charset="-127"/>
+              <a:ea typeface="-윤고딕320" panose="02030504000101010101" pitchFamily="18" charset="-127"/>
+            </a:endParaRPr>
           </a:p>
           <a:p>
             <a:endParaRPr lang="en-US" altLang="ko-KR" sz="1400">
@@ -22320,6 +25764,447 @@
               </a:rPr>
               <a:t>) - http://www.ksroof.com/new/sub8_1.htm</a:t>
             </a:r>
+          </a:p>
+          <a:p>
+            <a:endParaRPr lang="en-US" altLang="ko-KR" sz="1400">
+              <a:latin typeface="-윤고딕320" panose="02030504000101010101" pitchFamily="18" charset="-127"/>
+              <a:ea typeface="-윤고딕320" panose="02030504000101010101" pitchFamily="18" charset="-127"/>
+            </a:endParaRPr>
+          </a:p>
+          <a:p>
+            <a:endParaRPr lang="en-US" altLang="ko-KR" sz="1400">
+              <a:latin typeface="-윤고딕320" panose="02030504000101010101" pitchFamily="18" charset="-127"/>
+              <a:ea typeface="-윤고딕320" panose="02030504000101010101" pitchFamily="18" charset="-127"/>
+            </a:endParaRPr>
+          </a:p>
+        </p:txBody>
+      </p:sp>
+    </p:spTree>
+    <p:extLst>
+      <p:ext uri="{BB962C8B-B14F-4D97-AF65-F5344CB8AC3E}">
+        <p14:creationId xmlns:p14="http://schemas.microsoft.com/office/powerpoint/2010/main" val="1142906530"/>
+      </p:ext>
+    </p:extLst>
+  </p:cSld>
+  <p:clrMapOvr>
+    <a:masterClrMapping/>
+  </p:clrMapOvr>
+</p:sld>
+</file>
+
+<file path=ppt/slides/slide17.xml><?xml version="1.0" encoding="utf-8"?>
+<p:sld xmlns:a="http://schemas.openxmlformats.org/drawingml/2006/main" xmlns:r="http://schemas.openxmlformats.org/officeDocument/2006/relationships" xmlns:p="http://schemas.openxmlformats.org/presentationml/2006/main">
+  <p:cSld>
+    <p:spTree>
+      <p:nvGrpSpPr>
+        <p:cNvPr id="1" name=""/>
+        <p:cNvGrpSpPr/>
+        <p:nvPr/>
+      </p:nvGrpSpPr>
+      <p:grpSpPr>
+        <a:xfrm>
+          <a:off x="0" y="0"/>
+          <a:ext cx="0" cy="0"/>
+          <a:chOff x="0" y="0"/>
+          <a:chExt cx="0" cy="0"/>
+        </a:xfrm>
+      </p:grpSpPr>
+      <p:cxnSp>
+        <p:nvCxnSpPr>
+          <p:cNvPr id="4" name="직선 연결선 3">
+            <a:extLst>
+              <a:ext uri="{FF2B5EF4-FFF2-40B4-BE49-F238E27FC236}">
+                <a16:creationId xmlns:a16="http://schemas.microsoft.com/office/drawing/2014/main" id="{4C80CCB9-1758-4328-B460-E82882B6F49F}"/>
+              </a:ext>
+            </a:extLst>
+          </p:cNvPr>
+          <p:cNvCxnSpPr/>
+          <p:nvPr/>
+        </p:nvCxnSpPr>
+        <p:spPr>
+          <a:xfrm>
+            <a:off x="508000" y="571500"/>
+            <a:ext cx="2400300" cy="0"/>
+          </a:xfrm>
+          <a:prstGeom prst="line">
+            <a:avLst/>
+          </a:prstGeom>
+          <a:ln w="19050">
+            <a:solidFill>
+              <a:schemeClr val="tx1"/>
+            </a:solidFill>
+          </a:ln>
+        </p:spPr>
+        <p:style>
+          <a:lnRef idx="1">
+            <a:schemeClr val="accent1"/>
+          </a:lnRef>
+          <a:fillRef idx="0">
+            <a:schemeClr val="accent1"/>
+          </a:fillRef>
+          <a:effectRef idx="0">
+            <a:schemeClr val="accent1"/>
+          </a:effectRef>
+          <a:fontRef idx="minor">
+            <a:schemeClr val="tx1"/>
+          </a:fontRef>
+        </p:style>
+      </p:cxnSp>
+      <p:cxnSp>
+        <p:nvCxnSpPr>
+          <p:cNvPr id="8" name="직선 연결선 7">
+            <a:extLst>
+              <a:ext uri="{FF2B5EF4-FFF2-40B4-BE49-F238E27FC236}">
+                <a16:creationId xmlns:a16="http://schemas.microsoft.com/office/drawing/2014/main" id="{DE9D3FAC-21C1-42F4-8C5A-7B6DD6578892}"/>
+              </a:ext>
+            </a:extLst>
+          </p:cNvPr>
+          <p:cNvCxnSpPr>
+            <a:cxnSpLocks/>
+          </p:cNvCxnSpPr>
+          <p:nvPr/>
+        </p:nvCxnSpPr>
+        <p:spPr>
+          <a:xfrm>
+            <a:off x="3251200" y="571500"/>
+            <a:ext cx="8242300" cy="0"/>
+          </a:xfrm>
+          <a:prstGeom prst="line">
+            <a:avLst/>
+          </a:prstGeom>
+          <a:ln w="19050">
+            <a:solidFill>
+              <a:schemeClr val="tx1"/>
+            </a:solidFill>
+          </a:ln>
+        </p:spPr>
+        <p:style>
+          <a:lnRef idx="1">
+            <a:schemeClr val="accent1"/>
+          </a:lnRef>
+          <a:fillRef idx="0">
+            <a:schemeClr val="accent1"/>
+          </a:fillRef>
+          <a:effectRef idx="0">
+            <a:schemeClr val="accent1"/>
+          </a:effectRef>
+          <a:fontRef idx="minor">
+            <a:schemeClr val="tx1"/>
+          </a:fontRef>
+        </p:style>
+      </p:cxnSp>
+      <p:sp>
+        <p:nvSpPr>
+          <p:cNvPr id="13" name="TextBox 12">
+            <a:extLst>
+              <a:ext uri="{FF2B5EF4-FFF2-40B4-BE49-F238E27FC236}">
+                <a16:creationId xmlns:a16="http://schemas.microsoft.com/office/drawing/2014/main" id="{3B39D909-1D0E-484D-9853-79AA4A432F4E}"/>
+              </a:ext>
+            </a:extLst>
+          </p:cNvPr>
+          <p:cNvSpPr txBox="1"/>
+          <p:nvPr/>
+        </p:nvSpPr>
+        <p:spPr>
+          <a:xfrm>
+            <a:off x="457204" y="147935"/>
+            <a:ext cx="3009009" cy="400110"/>
+          </a:xfrm>
+          <a:prstGeom prst="rect">
+            <a:avLst/>
+          </a:prstGeom>
+          <a:noFill/>
+        </p:spPr>
+        <p:txBody>
+          <a:bodyPr wrap="square" rtlCol="0">
+            <a:spAutoFit/>
+          </a:bodyPr>
+          <a:lstStyle/>
+          <a:p>
+            <a:r>
+              <a:rPr lang="en-US" altLang="ko-KR" sz="2000" b="1">
+                <a:latin typeface="-윤고딕330" panose="02030504000101010101" pitchFamily="18" charset="-127"/>
+                <a:ea typeface="-윤고딕330" panose="02030504000101010101" pitchFamily="18" charset="-127"/>
+              </a:rPr>
+              <a:t>08 </a:t>
+            </a:r>
+            <a:r>
+              <a:rPr lang="ko-KR" altLang="en-US" sz="2000" b="1">
+                <a:latin typeface="-윤고딕330" panose="02030504000101010101" pitchFamily="18" charset="-127"/>
+                <a:ea typeface="-윤고딕330" panose="02030504000101010101" pitchFamily="18" charset="-127"/>
+              </a:rPr>
+              <a:t>필요 기술 및 참고 문헌</a:t>
+            </a:r>
+            <a:endParaRPr lang="en-US" altLang="ko-KR" sz="2000" b="1">
+              <a:latin typeface="-윤고딕330" panose="02030504000101010101" pitchFamily="18" charset="-127"/>
+              <a:ea typeface="-윤고딕330" panose="02030504000101010101" pitchFamily="18" charset="-127"/>
+            </a:endParaRPr>
+          </a:p>
+        </p:txBody>
+      </p:sp>
+      <p:sp>
+        <p:nvSpPr>
+          <p:cNvPr id="2" name="TextBox 1">
+            <a:extLst>
+              <a:ext uri="{FF2B5EF4-FFF2-40B4-BE49-F238E27FC236}">
+                <a16:creationId xmlns:a16="http://schemas.microsoft.com/office/drawing/2014/main" id="{1FC6C869-3EA0-44E3-83BC-38F7A57B68D5}"/>
+              </a:ext>
+            </a:extLst>
+          </p:cNvPr>
+          <p:cNvSpPr txBox="1"/>
+          <p:nvPr/>
+        </p:nvSpPr>
+        <p:spPr>
+          <a:xfrm>
+            <a:off x="688754" y="900753"/>
+            <a:ext cx="10486332" cy="3816429"/>
+          </a:xfrm>
+          <a:prstGeom prst="rect">
+            <a:avLst/>
+          </a:prstGeom>
+          <a:noFill/>
+        </p:spPr>
+        <p:txBody>
+          <a:bodyPr wrap="none" rtlCol="0">
+            <a:spAutoFit/>
+          </a:bodyPr>
+          <a:lstStyle/>
+          <a:p>
+            <a:r>
+              <a:rPr lang="ko-KR" altLang="en-US">
+                <a:latin typeface="-윤고딕350" panose="02030504000101010101" pitchFamily="18" charset="-127"/>
+                <a:ea typeface="-윤고딕350" panose="02030504000101010101" pitchFamily="18" charset="-127"/>
+              </a:rPr>
+              <a:t>이미지 출처</a:t>
+            </a:r>
+            <a:endParaRPr lang="en-US" altLang="ko-KR">
+              <a:latin typeface="-윤고딕350" panose="02030504000101010101" pitchFamily="18" charset="-127"/>
+              <a:ea typeface="-윤고딕350" panose="02030504000101010101" pitchFamily="18" charset="-127"/>
+            </a:endParaRPr>
+          </a:p>
+          <a:p>
+            <a:endParaRPr lang="en-US" altLang="ko-KR" sz="1600">
+              <a:latin typeface="-윤고딕350" panose="02030504000101010101" pitchFamily="18" charset="-127"/>
+              <a:ea typeface="-윤고딕350" panose="02030504000101010101" pitchFamily="18" charset="-127"/>
+            </a:endParaRPr>
+          </a:p>
+          <a:p>
+            <a:endParaRPr lang="en-US" altLang="ko-KR" sz="1200">
+              <a:latin typeface="-윤고딕320" panose="02030504000101010101" pitchFamily="18" charset="-127"/>
+              <a:ea typeface="-윤고딕320" panose="02030504000101010101" pitchFamily="18" charset="-127"/>
+            </a:endParaRPr>
+          </a:p>
+          <a:p>
+            <a:endParaRPr lang="en-US" altLang="ko-KR" sz="1400">
+              <a:latin typeface="-윤고딕320" panose="02030504000101010101" pitchFamily="18" charset="-127"/>
+              <a:ea typeface="-윤고딕320" panose="02030504000101010101" pitchFamily="18" charset="-127"/>
+            </a:endParaRPr>
+          </a:p>
+          <a:p>
+            <a:pPr marL="285750" indent="-285750">
+              <a:buFont typeface="Wingdings" panose="05000000000000000000" pitchFamily="2" charset="2"/>
+              <a:buChar char="Ø"/>
+            </a:pPr>
+            <a:r>
+              <a:rPr lang="ko-KR" altLang="en-US" sz="1400">
+                <a:latin typeface="-윤고딕320" panose="02030504000101010101" pitchFamily="18" charset="-127"/>
+                <a:ea typeface="-윤고딕320" panose="02030504000101010101" pitchFamily="18" charset="-127"/>
+              </a:rPr>
+              <a:t>제안서 표지 무인함 </a:t>
+            </a:r>
+            <a:r>
+              <a:rPr lang="en-US" altLang="ko-KR" sz="1400">
+                <a:latin typeface="-윤고딕320" panose="02030504000101010101" pitchFamily="18" charset="-127"/>
+                <a:ea typeface="-윤고딕320" panose="02030504000101010101" pitchFamily="18" charset="-127"/>
+                <a:hlinkClick r:id="rId2"/>
+              </a:rPr>
+              <a:t>https://blog.naver.com/vinylx/220340586213</a:t>
+            </a:r>
+            <a:r>
+              <a:rPr lang="en-US" altLang="ko-KR" sz="1400">
+                <a:latin typeface="-윤고딕320" panose="02030504000101010101" pitchFamily="18" charset="-127"/>
+                <a:ea typeface="-윤고딕320" panose="02030504000101010101" pitchFamily="18" charset="-127"/>
+              </a:rPr>
+              <a:t> </a:t>
+            </a:r>
+          </a:p>
+          <a:p>
+            <a:pPr marL="285750" indent="-285750">
+              <a:buFont typeface="Wingdings" panose="05000000000000000000" pitchFamily="2" charset="2"/>
+              <a:buChar char="Ø"/>
+            </a:pPr>
+            <a:endParaRPr lang="en-US" altLang="ko-KR" sz="1400">
+              <a:latin typeface="-윤고딕320" panose="02030504000101010101" pitchFamily="18" charset="-127"/>
+              <a:ea typeface="-윤고딕320" panose="02030504000101010101" pitchFamily="18" charset="-127"/>
+            </a:endParaRPr>
+          </a:p>
+          <a:p>
+            <a:pPr marL="285750" indent="-285750">
+              <a:buFont typeface="Wingdings" panose="05000000000000000000" pitchFamily="2" charset="2"/>
+              <a:buChar char="Ø"/>
+            </a:pPr>
+            <a:endParaRPr lang="ko-KR" altLang="en-US" sz="1400">
+              <a:latin typeface="-윤고딕320" panose="02030504000101010101" pitchFamily="18" charset="-127"/>
+              <a:ea typeface="-윤고딕320" panose="02030504000101010101" pitchFamily="18" charset="-127"/>
+            </a:endParaRPr>
+          </a:p>
+          <a:p>
+            <a:pPr marL="285750" indent="-285750">
+              <a:buFont typeface="Wingdings" panose="05000000000000000000" pitchFamily="2" charset="2"/>
+              <a:buChar char="Ø"/>
+            </a:pPr>
+            <a:r>
+              <a:rPr lang="ko-KR" altLang="en-US" sz="1400">
+                <a:latin typeface="-윤고딕320" panose="02030504000101010101" pitchFamily="18" charset="-127"/>
+                <a:ea typeface="-윤고딕320" panose="02030504000101010101" pitchFamily="18" charset="-127"/>
+              </a:rPr>
+              <a:t>관련 연구 사례 </a:t>
+            </a:r>
+            <a:r>
+              <a:rPr lang="en-US" altLang="ko-KR" sz="1400">
+                <a:latin typeface="-윤고딕320" panose="02030504000101010101" pitchFamily="18" charset="-127"/>
+                <a:ea typeface="-윤고딕320" panose="02030504000101010101" pitchFamily="18" charset="-127"/>
+              </a:rPr>
+              <a:t>– </a:t>
+            </a:r>
+            <a:r>
+              <a:rPr lang="ko-KR" altLang="en-US" sz="1400">
+                <a:latin typeface="-윤고딕320" panose="02030504000101010101" pitchFamily="18" charset="-127"/>
+                <a:ea typeface="-윤고딕320" panose="02030504000101010101" pitchFamily="18" charset="-127"/>
+              </a:rPr>
+              <a:t>무인함 </a:t>
+            </a:r>
+            <a:r>
+              <a:rPr lang="en-US" altLang="ko-KR" sz="1400">
+                <a:latin typeface="-윤고딕320" panose="02030504000101010101" pitchFamily="18" charset="-127"/>
+                <a:ea typeface="-윤고딕320" panose="02030504000101010101" pitchFamily="18" charset="-127"/>
+                <a:hlinkClick r:id="rId3"/>
+              </a:rPr>
+              <a:t>https://saenu.modoo.at/?link=xf3x2gi3</a:t>
+            </a:r>
+            <a:r>
+              <a:rPr lang="en-US" altLang="ko-KR" sz="1400">
+                <a:latin typeface="-윤고딕320" panose="02030504000101010101" pitchFamily="18" charset="-127"/>
+                <a:ea typeface="-윤고딕320" panose="02030504000101010101" pitchFamily="18" charset="-127"/>
+              </a:rPr>
+              <a:t>  </a:t>
+            </a:r>
+          </a:p>
+          <a:p>
+            <a:pPr marL="285750" indent="-285750">
+              <a:buFont typeface="Wingdings" panose="05000000000000000000" pitchFamily="2" charset="2"/>
+              <a:buChar char="Ø"/>
+            </a:pPr>
+            <a:endParaRPr lang="en-US" altLang="ko-KR" sz="1400">
+              <a:latin typeface="-윤고딕320" panose="02030504000101010101" pitchFamily="18" charset="-127"/>
+              <a:ea typeface="-윤고딕320" panose="02030504000101010101" pitchFamily="18" charset="-127"/>
+            </a:endParaRPr>
+          </a:p>
+          <a:p>
+            <a:pPr marL="285750" indent="-285750">
+              <a:buFont typeface="Wingdings" panose="05000000000000000000" pitchFamily="2" charset="2"/>
+              <a:buChar char="Ø"/>
+            </a:pPr>
+            <a:endParaRPr lang="en-US" altLang="ko-KR" sz="1400">
+              <a:latin typeface="-윤고딕320" panose="02030504000101010101" pitchFamily="18" charset="-127"/>
+              <a:ea typeface="-윤고딕320" panose="02030504000101010101" pitchFamily="18" charset="-127"/>
+            </a:endParaRPr>
+          </a:p>
+          <a:p>
+            <a:pPr marL="285750" indent="-285750">
+              <a:buFont typeface="Wingdings" panose="05000000000000000000" pitchFamily="2" charset="2"/>
+              <a:buChar char="Ø"/>
+            </a:pPr>
+            <a:r>
+              <a:rPr lang="ko-KR" altLang="en-US" sz="1400">
+                <a:latin typeface="-윤고딕320" panose="02030504000101010101" pitchFamily="18" charset="-127"/>
+                <a:ea typeface="-윤고딕320" panose="02030504000101010101" pitchFamily="18" charset="-127"/>
+              </a:rPr>
+              <a:t>관련 연구 사례 </a:t>
+            </a:r>
+            <a:r>
+              <a:rPr lang="en-US" altLang="ko-KR" sz="1400">
+                <a:latin typeface="-윤고딕320" panose="02030504000101010101" pitchFamily="18" charset="-127"/>
+                <a:ea typeface="-윤고딕320" panose="02030504000101010101" pitchFamily="18" charset="-127"/>
+              </a:rPr>
+              <a:t>– </a:t>
+            </a:r>
+            <a:r>
+              <a:rPr lang="ko-KR" altLang="en-US" sz="1400">
+                <a:latin typeface="-윤고딕320" panose="02030504000101010101" pitchFamily="18" charset="-127"/>
+                <a:ea typeface="-윤고딕320" panose="02030504000101010101" pitchFamily="18" charset="-127"/>
+              </a:rPr>
+              <a:t>중고나라 </a:t>
+            </a:r>
+            <a:r>
+              <a:rPr lang="en-US" altLang="ko-KR" sz="1400">
+                <a:latin typeface="-윤고딕320" panose="02030504000101010101" pitchFamily="18" charset="-127"/>
+                <a:ea typeface="-윤고딕320" panose="02030504000101010101" pitchFamily="18" charset="-127"/>
+                <a:hlinkClick r:id="rId4"/>
+              </a:rPr>
+              <a:t>http://news.naver.com/main/read.nhn?mode=LSD&amp;mid=sec&amp;sid1=101&amp;oid=468&amp;aid=0000028432</a:t>
+            </a:r>
+            <a:r>
+              <a:rPr lang="en-US" altLang="ko-KR" sz="1400">
+                <a:latin typeface="-윤고딕320" panose="02030504000101010101" pitchFamily="18" charset="-127"/>
+                <a:ea typeface="-윤고딕320" panose="02030504000101010101" pitchFamily="18" charset="-127"/>
+              </a:rPr>
+              <a:t> </a:t>
+            </a:r>
+          </a:p>
+          <a:p>
+            <a:pPr marL="285750" indent="-285750">
+              <a:buFont typeface="Wingdings" panose="05000000000000000000" pitchFamily="2" charset="2"/>
+              <a:buChar char="Ø"/>
+            </a:pPr>
+            <a:endParaRPr lang="en-US" altLang="ko-KR" sz="1400">
+              <a:latin typeface="-윤고딕320" panose="02030504000101010101" pitchFamily="18" charset="-127"/>
+              <a:ea typeface="-윤고딕320" panose="02030504000101010101" pitchFamily="18" charset="-127"/>
+            </a:endParaRPr>
+          </a:p>
+          <a:p>
+            <a:pPr marL="285750" indent="-285750">
+              <a:buFont typeface="Wingdings" panose="05000000000000000000" pitchFamily="2" charset="2"/>
+              <a:buChar char="Ø"/>
+            </a:pPr>
+            <a:endParaRPr lang="en-US" altLang="ko-KR" sz="1400">
+              <a:latin typeface="-윤고딕320" panose="02030504000101010101" pitchFamily="18" charset="-127"/>
+              <a:ea typeface="-윤고딕320" panose="02030504000101010101" pitchFamily="18" charset="-127"/>
+            </a:endParaRPr>
+          </a:p>
+          <a:p>
+            <a:pPr marL="285750" indent="-285750">
+              <a:buFont typeface="Wingdings" panose="05000000000000000000" pitchFamily="2" charset="2"/>
+              <a:buChar char="Ø"/>
+            </a:pPr>
+            <a:r>
+              <a:rPr lang="ko-KR" altLang="en-US" sz="1400">
+                <a:latin typeface="-윤고딕320" panose="02030504000101010101" pitchFamily="18" charset="-127"/>
+                <a:ea typeface="-윤고딕320" panose="02030504000101010101" pitchFamily="18" charset="-127"/>
+              </a:rPr>
+              <a:t>시스템 수행 시나리오 무인함  </a:t>
+            </a:r>
+            <a:r>
+              <a:rPr lang="en-US" altLang="ko-KR" sz="1400">
+                <a:latin typeface="-윤고딕320" panose="02030504000101010101" pitchFamily="18" charset="-127"/>
+                <a:ea typeface="-윤고딕320" panose="02030504000101010101" pitchFamily="18" charset="-127"/>
+                <a:hlinkClick r:id="rId5"/>
+              </a:rPr>
+              <a:t>http://blog.daum.net/buenos365/80</a:t>
+            </a:r>
+            <a:r>
+              <a:rPr lang="en-US" altLang="ko-KR" sz="1400">
+                <a:latin typeface="-윤고딕320" panose="02030504000101010101" pitchFamily="18" charset="-127"/>
+                <a:ea typeface="-윤고딕320" panose="02030504000101010101" pitchFamily="18" charset="-127"/>
+              </a:rPr>
+              <a:t> </a:t>
+            </a:r>
+          </a:p>
+          <a:p>
+            <a:endParaRPr lang="en-US" altLang="ko-KR" sz="1400">
+              <a:latin typeface="-윤고딕320" panose="02030504000101010101" pitchFamily="18" charset="-127"/>
+              <a:ea typeface="-윤고딕320" panose="02030504000101010101" pitchFamily="18" charset="-127"/>
+            </a:endParaRPr>
           </a:p>
           <a:p>
             <a:endParaRPr lang="en-US" altLang="ko-KR" sz="1400">
@@ -22348,7 +26233,7 @@
 </p:sld>
 </file>
 
-<file path=ppt/slides/slide16.xml><?xml version="1.0" encoding="utf-8"?>
+<file path=ppt/slides/slide18.xml><?xml version="1.0" encoding="utf-8"?>
 <p:sld xmlns:a="http://schemas.openxmlformats.org/drawingml/2006/main" xmlns:r="http://schemas.openxmlformats.org/officeDocument/2006/relationships" xmlns:p="http://schemas.openxmlformats.org/presentationml/2006/main">
   <p:cSld>
     <p:spTree>
